--- a/sunum.pptx
+++ b/sunum.pptx
@@ -5,24 +5,23 @@
     <p:sldMasterId id="2147483913" r:id="rId1"/>
   </p:sldMasterIdLst>
   <p:notesMasterIdLst>
-    <p:notesMasterId r:id="rId14"/>
+    <p:notesMasterId r:id="rId13"/>
   </p:notesMasterIdLst>
   <p:handoutMasterIdLst>
-    <p:handoutMasterId r:id="rId15"/>
+    <p:handoutMasterId r:id="rId14"/>
   </p:handoutMasterIdLst>
   <p:sldIdLst>
     <p:sldId id="256" r:id="rId2"/>
     <p:sldId id="259" r:id="rId3"/>
-    <p:sldId id="257" r:id="rId4"/>
-    <p:sldId id="266" r:id="rId5"/>
-    <p:sldId id="258" r:id="rId6"/>
-    <p:sldId id="260" r:id="rId7"/>
-    <p:sldId id="261" r:id="rId8"/>
-    <p:sldId id="262" r:id="rId9"/>
-    <p:sldId id="263" r:id="rId10"/>
-    <p:sldId id="267" r:id="rId11"/>
-    <p:sldId id="264" r:id="rId12"/>
-    <p:sldId id="265" r:id="rId13"/>
+    <p:sldId id="266" r:id="rId4"/>
+    <p:sldId id="258" r:id="rId5"/>
+    <p:sldId id="260" r:id="rId6"/>
+    <p:sldId id="261" r:id="rId7"/>
+    <p:sldId id="262" r:id="rId8"/>
+    <p:sldId id="263" r:id="rId9"/>
+    <p:sldId id="267" r:id="rId10"/>
+    <p:sldId id="264" r:id="rId11"/>
+    <p:sldId id="265" r:id="rId12"/>
   </p:sldIdLst>
   <p:sldSz cx="12192000" cy="6858000"/>
   <p:notesSz cx="6858000" cy="9144000"/>
@@ -5402,7 +5401,7 @@
           <a:p>
             <a:fld id="{272A1BE6-7C61-47C0-85FB-5968EA274989}" type="datetimeFigureOut">
               <a:rPr lang="en-GB" smtClean="0"/>
-              <a:t>07/03/2021</a:t>
+              <a:t>09/03/2021</a:t>
             </a:fld>
             <a:endParaRPr lang="en-GB"/>
           </a:p>
@@ -5580,7 +5579,7 @@
           <a:p>
             <a:fld id="{DAC342DD-FCC9-4EF2-80DB-7197C1A2D5B1}" type="datetimeFigureOut">
               <a:rPr lang="en-GB" smtClean="0"/>
-              <a:t>07/03/2021</a:t>
+              <a:t>09/03/2021</a:t>
             </a:fld>
             <a:endParaRPr lang="en-GB"/>
           </a:p>
@@ -11810,6 +11809,3821 @@
 </file>
 
 <file path=ppt/slides/slide10.xml><?xml version="1.0" encoding="utf-8"?>
+<p:sld xmlns:a="http://schemas.openxmlformats.org/drawingml/2006/main" xmlns:r="http://schemas.openxmlformats.org/officeDocument/2006/relationships" xmlns:p="http://schemas.openxmlformats.org/presentationml/2006/main" showMasterSp="0">
+  <p:cSld>
+    <p:bg>
+      <p:bgPr>
+        <a:solidFill>
+          <a:schemeClr val="accent1"/>
+        </a:solidFill>
+        <a:effectLst/>
+      </p:bgPr>
+    </p:bg>
+    <p:spTree>
+      <p:nvGrpSpPr>
+        <p:cNvPr id="1" name=""/>
+        <p:cNvGrpSpPr/>
+        <p:nvPr/>
+      </p:nvGrpSpPr>
+      <p:grpSpPr>
+        <a:xfrm>
+          <a:off x="0" y="0"/>
+          <a:ext cx="0" cy="0"/>
+          <a:chOff x="0" y="0"/>
+          <a:chExt cx="0" cy="0"/>
+        </a:xfrm>
+      </p:grpSpPr>
+      <p:pic>
+        <p:nvPicPr>
+          <p:cNvPr id="7" name="İçerik Yer Tutucusu 6">
+            <a:extLst>
+              <a:ext uri="{FF2B5EF4-FFF2-40B4-BE49-F238E27FC236}">
+                <a16:creationId xmlns:a16="http://schemas.microsoft.com/office/drawing/2014/main" id="{0006A4BF-F6FD-463A-85F2-4075B76A1DC1}"/>
+              </a:ext>
+            </a:extLst>
+          </p:cNvPr>
+          <p:cNvPicPr>
+            <a:picLocks noGrp="1" noChangeAspect="1"/>
+          </p:cNvPicPr>
+          <p:nvPr>
+            <p:ph idx="1"/>
+          </p:nvPr>
+        </p:nvPicPr>
+        <p:blipFill>
+          <a:blip r:embed="rId2">
+            <a:extLst>
+              <a:ext uri="{28A0092B-C50C-407E-A947-70E740481C1C}">
+                <a14:useLocalDpi xmlns:a14="http://schemas.microsoft.com/office/drawing/2010/main" val="0"/>
+              </a:ext>
+            </a:extLst>
+          </a:blip>
+          <a:stretch>
+            <a:fillRect/>
+          </a:stretch>
+        </p:blipFill>
+        <p:spPr>
+          <a:xfrm>
+            <a:off x="3785302" y="1386865"/>
+            <a:ext cx="4621395" cy="4621395"/>
+          </a:xfrm>
+        </p:spPr>
+      </p:pic>
+      <p:sp>
+        <p:nvSpPr>
+          <p:cNvPr id="5" name="Başlık 4">
+            <a:extLst>
+              <a:ext uri="{FF2B5EF4-FFF2-40B4-BE49-F238E27FC236}">
+                <a16:creationId xmlns:a16="http://schemas.microsoft.com/office/drawing/2014/main" id="{BD7FB840-70F2-46C4-B741-793C7BF2EC41}"/>
+              </a:ext>
+            </a:extLst>
+          </p:cNvPr>
+          <p:cNvSpPr>
+            <a:spLocks noGrp="1"/>
+          </p:cNvSpPr>
+          <p:nvPr>
+            <p:ph type="title"/>
+          </p:nvPr>
+        </p:nvSpPr>
+        <p:spPr/>
+        <p:txBody>
+          <a:bodyPr/>
+          <a:lstStyle/>
+          <a:p>
+            <a:r>
+              <a:rPr lang="tr-TR" dirty="0">
+                <a:solidFill>
+                  <a:schemeClr val="bg1"/>
+                </a:solidFill>
+              </a:rPr>
+              <a:t>SORU-CEVAP</a:t>
+            </a:r>
+            <a:endParaRPr lang="en-GB" dirty="0">
+              <a:solidFill>
+                <a:schemeClr val="bg1"/>
+              </a:solidFill>
+            </a:endParaRPr>
+          </a:p>
+        </p:txBody>
+      </p:sp>
+      <p:sp>
+        <p:nvSpPr>
+          <p:cNvPr id="6" name="Başlık 1">
+            <a:extLst>
+              <a:ext uri="{FF2B5EF4-FFF2-40B4-BE49-F238E27FC236}">
+                <a16:creationId xmlns:a16="http://schemas.microsoft.com/office/drawing/2014/main" id="{6DCFB933-51BB-4C0A-84B4-764E7901F572}"/>
+              </a:ext>
+            </a:extLst>
+          </p:cNvPr>
+          <p:cNvSpPr>
+            <a:spLocks noGrp="1"/>
+          </p:cNvSpPr>
+          <p:nvPr/>
+        </p:nvSpPr>
+        <p:spPr>
+          <a:xfrm>
+            <a:off x="11457479" y="6060420"/>
+            <a:ext cx="734521" cy="797580"/>
+          </a:xfrm>
+          <a:prstGeom prst="rect">
+            <a:avLst/>
+          </a:prstGeom>
+        </p:spPr>
+        <p:txBody>
+          <a:bodyPr vert="horz" lIns="91440" tIns="45720" rIns="91440" bIns="45720" rtlCol="0" anchor="t">
+            <a:normAutofit/>
+          </a:bodyPr>
+          <a:lstStyle>
+            <a:lvl1pPr algn="l" defTabSz="457200" rtl="0" eaLnBrk="1" latinLnBrk="0" hangingPunct="1">
+              <a:spcBef>
+                <a:spcPct val="0"/>
+              </a:spcBef>
+              <a:buNone/>
+              <a:defRPr sz="3600" kern="1200">
+                <a:solidFill>
+                  <a:schemeClr val="accent1"/>
+                </a:solidFill>
+                <a:latin typeface="+mj-lt"/>
+                <a:ea typeface="+mj-ea"/>
+                <a:cs typeface="+mj-cs"/>
+              </a:defRPr>
+            </a:lvl1pPr>
+            <a:lvl2pPr eaLnBrk="1" hangingPunct="1">
+              <a:defRPr>
+                <a:solidFill>
+                  <a:schemeClr val="tx2"/>
+                </a:solidFill>
+              </a:defRPr>
+            </a:lvl2pPr>
+            <a:lvl3pPr eaLnBrk="1" hangingPunct="1">
+              <a:defRPr>
+                <a:solidFill>
+                  <a:schemeClr val="tx2"/>
+                </a:solidFill>
+              </a:defRPr>
+            </a:lvl3pPr>
+            <a:lvl4pPr eaLnBrk="1" hangingPunct="1">
+              <a:defRPr>
+                <a:solidFill>
+                  <a:schemeClr val="tx2"/>
+                </a:solidFill>
+              </a:defRPr>
+            </a:lvl4pPr>
+            <a:lvl5pPr eaLnBrk="1" hangingPunct="1">
+              <a:defRPr>
+                <a:solidFill>
+                  <a:schemeClr val="tx2"/>
+                </a:solidFill>
+              </a:defRPr>
+            </a:lvl5pPr>
+            <a:lvl6pPr eaLnBrk="1" hangingPunct="1">
+              <a:defRPr>
+                <a:solidFill>
+                  <a:schemeClr val="tx2"/>
+                </a:solidFill>
+              </a:defRPr>
+            </a:lvl6pPr>
+            <a:lvl7pPr eaLnBrk="1" hangingPunct="1">
+              <a:defRPr>
+                <a:solidFill>
+                  <a:schemeClr val="tx2"/>
+                </a:solidFill>
+              </a:defRPr>
+            </a:lvl7pPr>
+            <a:lvl8pPr eaLnBrk="1" hangingPunct="1">
+              <a:defRPr>
+                <a:solidFill>
+                  <a:schemeClr val="tx2"/>
+                </a:solidFill>
+              </a:defRPr>
+            </a:lvl8pPr>
+            <a:lvl9pPr eaLnBrk="1" hangingPunct="1">
+              <a:defRPr>
+                <a:solidFill>
+                  <a:schemeClr val="tx2"/>
+                </a:solidFill>
+              </a:defRPr>
+            </a:lvl9pPr>
+          </a:lstStyle>
+          <a:p>
+            <a:r>
+              <a:rPr lang="tr-TR" dirty="0">
+                <a:solidFill>
+                  <a:schemeClr val="tx1"/>
+                </a:solidFill>
+              </a:rPr>
+              <a:t>11</a:t>
+            </a:r>
+            <a:endParaRPr lang="en-GB" dirty="0">
+              <a:solidFill>
+                <a:schemeClr val="tx1"/>
+              </a:solidFill>
+            </a:endParaRPr>
+          </a:p>
+        </p:txBody>
+      </p:sp>
+    </p:spTree>
+    <p:extLst>
+      <p:ext uri="{BB962C8B-B14F-4D97-AF65-F5344CB8AC3E}">
+        <p14:creationId xmlns:p14="http://schemas.microsoft.com/office/powerpoint/2010/main" val="2859731721"/>
+      </p:ext>
+    </p:extLst>
+  </p:cSld>
+  <p:clrMapOvr>
+    <a:masterClrMapping/>
+  </p:clrMapOvr>
+</p:sld>
+</file>
+
+<file path=ppt/slides/slide11.xml><?xml version="1.0" encoding="utf-8"?>
+<p:sld xmlns:a="http://schemas.openxmlformats.org/drawingml/2006/main" xmlns:r="http://schemas.openxmlformats.org/officeDocument/2006/relationships" xmlns:p="http://schemas.openxmlformats.org/presentationml/2006/main" showMasterSp="0">
+  <p:cSld>
+    <p:bg>
+      <p:bgPr>
+        <a:solidFill>
+          <a:schemeClr val="accent1"/>
+        </a:solidFill>
+        <a:effectLst/>
+      </p:bgPr>
+    </p:bg>
+    <p:spTree>
+      <p:nvGrpSpPr>
+        <p:cNvPr id="1" name=""/>
+        <p:cNvGrpSpPr/>
+        <p:nvPr/>
+      </p:nvGrpSpPr>
+      <p:grpSpPr>
+        <a:xfrm>
+          <a:off x="0" y="0"/>
+          <a:ext cx="0" cy="0"/>
+          <a:chOff x="0" y="0"/>
+          <a:chExt cx="0" cy="0"/>
+        </a:xfrm>
+      </p:grpSpPr>
+      <p:sp>
+        <p:nvSpPr>
+          <p:cNvPr id="2" name="Başlık 1">
+            <a:extLst>
+              <a:ext uri="{FF2B5EF4-FFF2-40B4-BE49-F238E27FC236}">
+                <a16:creationId xmlns:a16="http://schemas.microsoft.com/office/drawing/2014/main" id="{3C4E64FC-9D9E-4D77-8F04-B6BD1E19A515}"/>
+              </a:ext>
+            </a:extLst>
+          </p:cNvPr>
+          <p:cNvSpPr>
+            <a:spLocks noGrp="1"/>
+          </p:cNvSpPr>
+          <p:nvPr>
+            <p:ph type="title"/>
+          </p:nvPr>
+        </p:nvSpPr>
+        <p:spPr>
+          <a:xfrm>
+            <a:off x="-239860" y="2760712"/>
+            <a:ext cx="12671720" cy="1336575"/>
+          </a:xfrm>
+        </p:spPr>
+        <p:txBody>
+          <a:bodyPr>
+            <a:normAutofit/>
+          </a:bodyPr>
+          <a:lstStyle/>
+          <a:p>
+            <a:pPr algn="ctr"/>
+            <a:r>
+              <a:rPr lang="tr-TR" sz="7200" dirty="0">
+                <a:solidFill>
+                  <a:schemeClr val="bg1"/>
+                </a:solidFill>
+              </a:rPr>
+              <a:t>TEŞEKKÜRLER</a:t>
+            </a:r>
+            <a:endParaRPr lang="en-GB" sz="7200" dirty="0">
+              <a:solidFill>
+                <a:schemeClr val="bg1"/>
+              </a:solidFill>
+            </a:endParaRPr>
+          </a:p>
+        </p:txBody>
+      </p:sp>
+      <p:pic>
+        <p:nvPicPr>
+          <p:cNvPr id="4" name="Resim 3" descr="ok içeren bir resim&#10;&#10;Açıklama otomatik olarak oluşturuldu">
+            <a:extLst>
+              <a:ext uri="{FF2B5EF4-FFF2-40B4-BE49-F238E27FC236}">
+                <a16:creationId xmlns:a16="http://schemas.microsoft.com/office/drawing/2014/main" id="{6CDA42E8-475E-4BCC-9EE0-C9D7D933AFD1}"/>
+              </a:ext>
+            </a:extLst>
+          </p:cNvPr>
+          <p:cNvPicPr>
+            <a:picLocks noChangeAspect="1"/>
+          </p:cNvPicPr>
+          <p:nvPr/>
+        </p:nvPicPr>
+        <p:blipFill>
+          <a:blip r:embed="rId2">
+            <a:extLst>
+              <a:ext uri="{28A0092B-C50C-407E-A947-70E740481C1C}">
+                <a14:useLocalDpi xmlns:a14="http://schemas.microsoft.com/office/drawing/2010/main" val="0"/>
+              </a:ext>
+            </a:extLst>
+          </a:blip>
+          <a:stretch>
+            <a:fillRect/>
+          </a:stretch>
+        </p:blipFill>
+        <p:spPr>
+          <a:xfrm>
+            <a:off x="7855989" y="161327"/>
+            <a:ext cx="1019998" cy="1019998"/>
+          </a:xfrm>
+          <a:prstGeom prst="rect">
+            <a:avLst/>
+          </a:prstGeom>
+        </p:spPr>
+      </p:pic>
+      <p:pic>
+        <p:nvPicPr>
+          <p:cNvPr id="5" name="Resim 4">
+            <a:extLst>
+              <a:ext uri="{FF2B5EF4-FFF2-40B4-BE49-F238E27FC236}">
+                <a16:creationId xmlns:a16="http://schemas.microsoft.com/office/drawing/2014/main" id="{49060DED-1493-4387-8752-6A145831B127}"/>
+              </a:ext>
+            </a:extLst>
+          </p:cNvPr>
+          <p:cNvPicPr>
+            <a:picLocks noChangeAspect="1"/>
+          </p:cNvPicPr>
+          <p:nvPr/>
+        </p:nvPicPr>
+        <p:blipFill>
+          <a:blip r:embed="rId3">
+            <a:extLst>
+              <a:ext uri="{28A0092B-C50C-407E-A947-70E740481C1C}">
+                <a14:useLocalDpi xmlns:a14="http://schemas.microsoft.com/office/drawing/2010/main" val="0"/>
+              </a:ext>
+            </a:extLst>
+          </a:blip>
+          <a:stretch>
+            <a:fillRect/>
+          </a:stretch>
+        </p:blipFill>
+        <p:spPr>
+          <a:xfrm>
+            <a:off x="9224774" y="235203"/>
+            <a:ext cx="2712725" cy="872245"/>
+          </a:xfrm>
+          <a:prstGeom prst="rect">
+            <a:avLst/>
+          </a:prstGeom>
+        </p:spPr>
+      </p:pic>
+      <p:sp>
+        <p:nvSpPr>
+          <p:cNvPr id="7" name="Başlık 1">
+            <a:extLst>
+              <a:ext uri="{FF2B5EF4-FFF2-40B4-BE49-F238E27FC236}">
+                <a16:creationId xmlns:a16="http://schemas.microsoft.com/office/drawing/2014/main" id="{E16C7D50-FE92-4D3D-A532-A854052A4D62}"/>
+              </a:ext>
+            </a:extLst>
+          </p:cNvPr>
+          <p:cNvSpPr>
+            <a:spLocks noGrp="1"/>
+          </p:cNvSpPr>
+          <p:nvPr/>
+        </p:nvSpPr>
+        <p:spPr>
+          <a:xfrm>
+            <a:off x="11457479" y="6060420"/>
+            <a:ext cx="734521" cy="797580"/>
+          </a:xfrm>
+          <a:prstGeom prst="rect">
+            <a:avLst/>
+          </a:prstGeom>
+        </p:spPr>
+        <p:txBody>
+          <a:bodyPr vert="horz" lIns="91440" tIns="45720" rIns="91440" bIns="45720" rtlCol="0" anchor="t">
+            <a:normAutofit/>
+          </a:bodyPr>
+          <a:lstStyle>
+            <a:lvl1pPr algn="l" defTabSz="457200" rtl="0" eaLnBrk="1" latinLnBrk="0" hangingPunct="1">
+              <a:spcBef>
+                <a:spcPct val="0"/>
+              </a:spcBef>
+              <a:buNone/>
+              <a:defRPr sz="3600" kern="1200">
+                <a:solidFill>
+                  <a:schemeClr val="accent1"/>
+                </a:solidFill>
+                <a:latin typeface="+mj-lt"/>
+                <a:ea typeface="+mj-ea"/>
+                <a:cs typeface="+mj-cs"/>
+              </a:defRPr>
+            </a:lvl1pPr>
+            <a:lvl2pPr eaLnBrk="1" hangingPunct="1">
+              <a:defRPr>
+                <a:solidFill>
+                  <a:schemeClr val="tx2"/>
+                </a:solidFill>
+              </a:defRPr>
+            </a:lvl2pPr>
+            <a:lvl3pPr eaLnBrk="1" hangingPunct="1">
+              <a:defRPr>
+                <a:solidFill>
+                  <a:schemeClr val="tx2"/>
+                </a:solidFill>
+              </a:defRPr>
+            </a:lvl3pPr>
+            <a:lvl4pPr eaLnBrk="1" hangingPunct="1">
+              <a:defRPr>
+                <a:solidFill>
+                  <a:schemeClr val="tx2"/>
+                </a:solidFill>
+              </a:defRPr>
+            </a:lvl4pPr>
+            <a:lvl5pPr eaLnBrk="1" hangingPunct="1">
+              <a:defRPr>
+                <a:solidFill>
+                  <a:schemeClr val="tx2"/>
+                </a:solidFill>
+              </a:defRPr>
+            </a:lvl5pPr>
+            <a:lvl6pPr eaLnBrk="1" hangingPunct="1">
+              <a:defRPr>
+                <a:solidFill>
+                  <a:schemeClr val="tx2"/>
+                </a:solidFill>
+              </a:defRPr>
+            </a:lvl6pPr>
+            <a:lvl7pPr eaLnBrk="1" hangingPunct="1">
+              <a:defRPr>
+                <a:solidFill>
+                  <a:schemeClr val="tx2"/>
+                </a:solidFill>
+              </a:defRPr>
+            </a:lvl7pPr>
+            <a:lvl8pPr eaLnBrk="1" hangingPunct="1">
+              <a:defRPr>
+                <a:solidFill>
+                  <a:schemeClr val="tx2"/>
+                </a:solidFill>
+              </a:defRPr>
+            </a:lvl8pPr>
+            <a:lvl9pPr eaLnBrk="1" hangingPunct="1">
+              <a:defRPr>
+                <a:solidFill>
+                  <a:schemeClr val="tx2"/>
+                </a:solidFill>
+              </a:defRPr>
+            </a:lvl9pPr>
+          </a:lstStyle>
+          <a:p>
+            <a:r>
+              <a:rPr lang="tr-TR" dirty="0">
+                <a:solidFill>
+                  <a:schemeClr val="tx1"/>
+                </a:solidFill>
+              </a:rPr>
+              <a:t>12</a:t>
+            </a:r>
+            <a:endParaRPr lang="en-GB" dirty="0">
+              <a:solidFill>
+                <a:schemeClr val="tx1"/>
+              </a:solidFill>
+            </a:endParaRPr>
+          </a:p>
+        </p:txBody>
+      </p:sp>
+    </p:spTree>
+    <p:extLst>
+      <p:ext uri="{BB962C8B-B14F-4D97-AF65-F5344CB8AC3E}">
+        <p14:creationId xmlns:p14="http://schemas.microsoft.com/office/powerpoint/2010/main" val="1109765369"/>
+      </p:ext>
+    </p:extLst>
+  </p:cSld>
+  <p:clrMapOvr>
+    <a:masterClrMapping/>
+  </p:clrMapOvr>
+</p:sld>
+</file>
+
+<file path=ppt/slides/slide2.xml><?xml version="1.0" encoding="utf-8"?>
+<p:sld xmlns:a="http://schemas.openxmlformats.org/drawingml/2006/main" xmlns:r="http://schemas.openxmlformats.org/officeDocument/2006/relationships" xmlns:p="http://schemas.openxmlformats.org/presentationml/2006/main">
+  <p:cSld>
+    <p:bg>
+      <p:bgPr>
+        <a:solidFill>
+          <a:schemeClr val="accent1"/>
+        </a:solidFill>
+        <a:effectLst/>
+      </p:bgPr>
+    </p:bg>
+    <p:spTree>
+      <p:nvGrpSpPr>
+        <p:cNvPr id="1" name=""/>
+        <p:cNvGrpSpPr/>
+        <p:nvPr/>
+      </p:nvGrpSpPr>
+      <p:grpSpPr>
+        <a:xfrm>
+          <a:off x="0" y="0"/>
+          <a:ext cx="0" cy="0"/>
+          <a:chOff x="0" y="0"/>
+          <a:chExt cx="0" cy="0"/>
+        </a:xfrm>
+      </p:grpSpPr>
+      <p:sp>
+        <p:nvSpPr>
+          <p:cNvPr id="2" name="Başlık 1">
+            <a:extLst>
+              <a:ext uri="{FF2B5EF4-FFF2-40B4-BE49-F238E27FC236}">
+                <a16:creationId xmlns:a16="http://schemas.microsoft.com/office/drawing/2014/main" id="{ACB87ED8-A3DD-42EA-8632-FEE30287623B}"/>
+              </a:ext>
+            </a:extLst>
+          </p:cNvPr>
+          <p:cNvSpPr>
+            <a:spLocks noGrp="1"/>
+          </p:cNvSpPr>
+          <p:nvPr>
+            <p:ph type="title"/>
+          </p:nvPr>
+        </p:nvSpPr>
+        <p:spPr>
+          <a:xfrm>
+            <a:off x="673769" y="388219"/>
+            <a:ext cx="8609859" cy="932581"/>
+          </a:xfrm>
+        </p:spPr>
+        <p:txBody>
+          <a:bodyPr>
+            <a:normAutofit fontScale="90000"/>
+          </a:bodyPr>
+          <a:lstStyle/>
+          <a:p>
+            <a:r>
+              <a:rPr lang="tr-TR" sz="5300" dirty="0">
+                <a:solidFill>
+                  <a:schemeClr val="bg1"/>
+                </a:solidFill>
+              </a:rPr>
+              <a:t>İÇERİK</a:t>
+            </a:r>
+            <a:br>
+              <a:rPr lang="tr-TR" dirty="0">
+                <a:solidFill>
+                  <a:schemeClr val="bg1"/>
+                </a:solidFill>
+              </a:rPr>
+            </a:br>
+            <a:br>
+              <a:rPr lang="tr-TR" sz="3100" dirty="0">
+                <a:solidFill>
+                  <a:schemeClr val="bg1"/>
+                </a:solidFill>
+              </a:rPr>
+            </a:br>
+            <a:r>
+              <a:rPr lang="tr-TR" sz="3100" dirty="0">
+                <a:solidFill>
+                  <a:schemeClr val="bg1"/>
+                </a:solidFill>
+              </a:rPr>
+              <a:t>1- Problem tanımı</a:t>
+            </a:r>
+            <a:br>
+              <a:rPr lang="tr-TR" sz="3100" dirty="0">
+                <a:solidFill>
+                  <a:schemeClr val="bg1"/>
+                </a:solidFill>
+              </a:rPr>
+            </a:br>
+            <a:r>
+              <a:rPr lang="tr-TR" sz="3100" dirty="0">
+                <a:solidFill>
+                  <a:schemeClr val="bg1"/>
+                </a:solidFill>
+              </a:rPr>
+              <a:t>2- Yarışmada ilerleme</a:t>
+            </a:r>
+            <a:br>
+              <a:rPr lang="tr-TR" sz="3100" dirty="0">
+                <a:solidFill>
+                  <a:schemeClr val="bg1"/>
+                </a:solidFill>
+              </a:rPr>
+            </a:br>
+            <a:r>
+              <a:rPr lang="tr-TR" sz="3100" dirty="0">
+                <a:solidFill>
+                  <a:schemeClr val="bg1"/>
+                </a:solidFill>
+              </a:rPr>
+              <a:t>	2.1- Veriyi inceleme ve anlama</a:t>
+            </a:r>
+            <a:br>
+              <a:rPr lang="tr-TR" sz="3100" dirty="0">
+                <a:solidFill>
+                  <a:schemeClr val="bg1"/>
+                </a:solidFill>
+              </a:rPr>
+            </a:br>
+            <a:r>
+              <a:rPr lang="tr-TR" sz="3100" dirty="0">
+                <a:solidFill>
+                  <a:schemeClr val="bg1"/>
+                </a:solidFill>
+              </a:rPr>
+              <a:t>	2.2- Öznitelik seçimi ve yeni öznitelikler</a:t>
+            </a:r>
+            <a:br>
+              <a:rPr lang="tr-TR" sz="3100" dirty="0">
+                <a:solidFill>
+                  <a:schemeClr val="bg1"/>
+                </a:solidFill>
+              </a:rPr>
+            </a:br>
+            <a:r>
+              <a:rPr lang="tr-TR" sz="3100" dirty="0">
+                <a:solidFill>
+                  <a:schemeClr val="bg1"/>
+                </a:solidFill>
+              </a:rPr>
+              <a:t>	2.3- Veriyi uygun hale getirme</a:t>
+            </a:r>
+            <a:br>
+              <a:rPr lang="tr-TR" sz="3100" dirty="0">
+                <a:solidFill>
+                  <a:schemeClr val="bg1"/>
+                </a:solidFill>
+              </a:rPr>
+            </a:br>
+            <a:r>
+              <a:rPr lang="tr-TR" sz="3100" dirty="0">
+                <a:solidFill>
+                  <a:schemeClr val="bg1"/>
+                </a:solidFill>
+              </a:rPr>
+              <a:t>	2.4- </a:t>
+            </a:r>
+            <a:r>
+              <a:rPr lang="tr-TR" sz="3200" dirty="0" err="1">
+                <a:solidFill>
+                  <a:schemeClr val="bg1"/>
+                </a:solidFill>
+              </a:rPr>
+              <a:t>Sampling</a:t>
+            </a:r>
+            <a:r>
+              <a:rPr lang="tr-TR" sz="3200" dirty="0">
+                <a:solidFill>
+                  <a:schemeClr val="bg1"/>
+                </a:solidFill>
+              </a:rPr>
+              <a:t> &amp; </a:t>
+            </a:r>
+            <a:r>
+              <a:rPr lang="tr-TR" sz="3200" dirty="0" err="1">
+                <a:solidFill>
+                  <a:schemeClr val="bg1"/>
+                </a:solidFill>
+              </a:rPr>
+              <a:t>Weights</a:t>
+            </a:r>
+            <a:br>
+              <a:rPr lang="tr-TR" sz="3100" dirty="0">
+                <a:solidFill>
+                  <a:schemeClr val="bg1"/>
+                </a:solidFill>
+              </a:rPr>
+            </a:br>
+            <a:r>
+              <a:rPr lang="tr-TR" sz="3100" dirty="0">
+                <a:solidFill>
+                  <a:schemeClr val="bg1"/>
+                </a:solidFill>
+              </a:rPr>
+              <a:t>	2.5- Model</a:t>
+            </a:r>
+            <a:br>
+              <a:rPr lang="tr-TR" sz="3100" dirty="0">
+                <a:solidFill>
+                  <a:schemeClr val="bg1"/>
+                </a:solidFill>
+              </a:rPr>
+            </a:br>
+            <a:r>
+              <a:rPr lang="tr-TR" sz="3100" dirty="0">
+                <a:solidFill>
+                  <a:schemeClr val="bg1"/>
+                </a:solidFill>
+              </a:rPr>
+              <a:t>3- </a:t>
+            </a:r>
+            <a:r>
+              <a:rPr lang="tr-TR" sz="3100" dirty="0" err="1">
+                <a:solidFill>
+                  <a:schemeClr val="bg1"/>
+                </a:solidFill>
+              </a:rPr>
+              <a:t>Tahminleme</a:t>
+            </a:r>
+            <a:r>
+              <a:rPr lang="tr-TR" sz="3100" dirty="0">
+                <a:solidFill>
+                  <a:schemeClr val="bg1"/>
+                </a:solidFill>
+              </a:rPr>
+              <a:t> nasıl işimize yarar?</a:t>
+            </a:r>
+            <a:br>
+              <a:rPr lang="tr-TR" sz="3100" dirty="0">
+                <a:solidFill>
+                  <a:schemeClr val="bg1"/>
+                </a:solidFill>
+              </a:rPr>
+            </a:br>
+            <a:r>
+              <a:rPr lang="tr-TR" sz="3100" dirty="0">
+                <a:solidFill>
+                  <a:schemeClr val="bg1"/>
+                </a:solidFill>
+              </a:rPr>
+              <a:t>4- Soru-Cevap</a:t>
+            </a:r>
+            <a:br>
+              <a:rPr lang="tr-TR" sz="3100" dirty="0">
+                <a:solidFill>
+                  <a:schemeClr val="bg1"/>
+                </a:solidFill>
+              </a:rPr>
+            </a:br>
+            <a:r>
+              <a:rPr lang="tr-TR" sz="3100" dirty="0">
+                <a:solidFill>
+                  <a:schemeClr val="bg1"/>
+                </a:solidFill>
+              </a:rPr>
+              <a:t>5- Bitiş</a:t>
+            </a:r>
+            <a:endParaRPr lang="en-GB" sz="2700" dirty="0">
+              <a:solidFill>
+                <a:schemeClr val="bg1"/>
+              </a:solidFill>
+            </a:endParaRPr>
+          </a:p>
+        </p:txBody>
+      </p:sp>
+      <p:sp>
+        <p:nvSpPr>
+          <p:cNvPr id="5" name="Başlık 1">
+            <a:extLst>
+              <a:ext uri="{FF2B5EF4-FFF2-40B4-BE49-F238E27FC236}">
+                <a16:creationId xmlns:a16="http://schemas.microsoft.com/office/drawing/2014/main" id="{3DE1D225-A685-477D-8B3F-96ED0CFA0263}"/>
+              </a:ext>
+            </a:extLst>
+          </p:cNvPr>
+          <p:cNvSpPr>
+            <a:spLocks noGrp="1"/>
+          </p:cNvSpPr>
+          <p:nvPr/>
+        </p:nvSpPr>
+        <p:spPr>
+          <a:xfrm>
+            <a:off x="11457479" y="6060420"/>
+            <a:ext cx="734521" cy="797580"/>
+          </a:xfrm>
+          <a:prstGeom prst="rect">
+            <a:avLst/>
+          </a:prstGeom>
+        </p:spPr>
+        <p:txBody>
+          <a:bodyPr vert="horz" lIns="91440" tIns="45720" rIns="91440" bIns="45720" rtlCol="0" anchor="t">
+            <a:normAutofit/>
+          </a:bodyPr>
+          <a:lstStyle>
+            <a:lvl1pPr algn="l" defTabSz="457200" rtl="0" eaLnBrk="1" latinLnBrk="0" hangingPunct="1">
+              <a:spcBef>
+                <a:spcPct val="0"/>
+              </a:spcBef>
+              <a:buNone/>
+              <a:defRPr sz="3600" kern="1200">
+                <a:solidFill>
+                  <a:schemeClr val="accent1"/>
+                </a:solidFill>
+                <a:latin typeface="+mj-lt"/>
+                <a:ea typeface="+mj-ea"/>
+                <a:cs typeface="+mj-cs"/>
+              </a:defRPr>
+            </a:lvl1pPr>
+            <a:lvl2pPr eaLnBrk="1" hangingPunct="1">
+              <a:defRPr>
+                <a:solidFill>
+                  <a:schemeClr val="tx2"/>
+                </a:solidFill>
+              </a:defRPr>
+            </a:lvl2pPr>
+            <a:lvl3pPr eaLnBrk="1" hangingPunct="1">
+              <a:defRPr>
+                <a:solidFill>
+                  <a:schemeClr val="tx2"/>
+                </a:solidFill>
+              </a:defRPr>
+            </a:lvl3pPr>
+            <a:lvl4pPr eaLnBrk="1" hangingPunct="1">
+              <a:defRPr>
+                <a:solidFill>
+                  <a:schemeClr val="tx2"/>
+                </a:solidFill>
+              </a:defRPr>
+            </a:lvl4pPr>
+            <a:lvl5pPr eaLnBrk="1" hangingPunct="1">
+              <a:defRPr>
+                <a:solidFill>
+                  <a:schemeClr val="tx2"/>
+                </a:solidFill>
+              </a:defRPr>
+            </a:lvl5pPr>
+            <a:lvl6pPr eaLnBrk="1" hangingPunct="1">
+              <a:defRPr>
+                <a:solidFill>
+                  <a:schemeClr val="tx2"/>
+                </a:solidFill>
+              </a:defRPr>
+            </a:lvl6pPr>
+            <a:lvl7pPr eaLnBrk="1" hangingPunct="1">
+              <a:defRPr>
+                <a:solidFill>
+                  <a:schemeClr val="tx2"/>
+                </a:solidFill>
+              </a:defRPr>
+            </a:lvl7pPr>
+            <a:lvl8pPr eaLnBrk="1" hangingPunct="1">
+              <a:defRPr>
+                <a:solidFill>
+                  <a:schemeClr val="tx2"/>
+                </a:solidFill>
+              </a:defRPr>
+            </a:lvl8pPr>
+            <a:lvl9pPr eaLnBrk="1" hangingPunct="1">
+              <a:defRPr>
+                <a:solidFill>
+                  <a:schemeClr val="tx2"/>
+                </a:solidFill>
+              </a:defRPr>
+            </a:lvl9pPr>
+          </a:lstStyle>
+          <a:p>
+            <a:r>
+              <a:rPr lang="tr-TR" dirty="0">
+                <a:solidFill>
+                  <a:schemeClr val="tx1"/>
+                </a:solidFill>
+              </a:rPr>
+              <a:t>2</a:t>
+            </a:r>
+            <a:endParaRPr lang="en-GB" dirty="0">
+              <a:solidFill>
+                <a:schemeClr val="tx1"/>
+              </a:solidFill>
+            </a:endParaRPr>
+          </a:p>
+        </p:txBody>
+      </p:sp>
+    </p:spTree>
+    <p:extLst>
+      <p:ext uri="{BB962C8B-B14F-4D97-AF65-F5344CB8AC3E}">
+        <p14:creationId xmlns:p14="http://schemas.microsoft.com/office/powerpoint/2010/main" val="443933642"/>
+      </p:ext>
+    </p:extLst>
+  </p:cSld>
+  <p:clrMapOvr>
+    <a:masterClrMapping/>
+  </p:clrMapOvr>
+</p:sld>
+</file>
+
+<file path=ppt/slides/slide3.xml><?xml version="1.0" encoding="utf-8"?>
+<p:sld xmlns:a="http://schemas.openxmlformats.org/drawingml/2006/main" xmlns:r="http://schemas.openxmlformats.org/officeDocument/2006/relationships" xmlns:p="http://schemas.openxmlformats.org/presentationml/2006/main">
+  <p:cSld>
+    <p:bg>
+      <p:bgPr>
+        <a:solidFill>
+          <a:schemeClr val="accent1"/>
+        </a:solidFill>
+        <a:effectLst/>
+      </p:bgPr>
+    </p:bg>
+    <p:spTree>
+      <p:nvGrpSpPr>
+        <p:cNvPr id="1" name=""/>
+        <p:cNvGrpSpPr/>
+        <p:nvPr/>
+      </p:nvGrpSpPr>
+      <p:grpSpPr>
+        <a:xfrm>
+          <a:off x="0" y="0"/>
+          <a:ext cx="0" cy="0"/>
+          <a:chOff x="0" y="0"/>
+          <a:chExt cx="0" cy="0"/>
+        </a:xfrm>
+      </p:grpSpPr>
+      <p:sp>
+        <p:nvSpPr>
+          <p:cNvPr id="2" name="Başlık 1">
+            <a:extLst>
+              <a:ext uri="{FF2B5EF4-FFF2-40B4-BE49-F238E27FC236}">
+                <a16:creationId xmlns:a16="http://schemas.microsoft.com/office/drawing/2014/main" id="{2EA88767-0EDF-49C7-B0A5-957DB506D790}"/>
+              </a:ext>
+            </a:extLst>
+          </p:cNvPr>
+          <p:cNvSpPr>
+            <a:spLocks noGrp="1"/>
+          </p:cNvSpPr>
+          <p:nvPr>
+            <p:ph type="title"/>
+          </p:nvPr>
+        </p:nvSpPr>
+        <p:spPr/>
+        <p:txBody>
+          <a:bodyPr/>
+          <a:lstStyle/>
+          <a:p>
+            <a:r>
+              <a:rPr lang="tr-TR" sz="3600" dirty="0">
+                <a:solidFill>
+                  <a:schemeClr val="bg1"/>
+                </a:solidFill>
+              </a:rPr>
+              <a:t>Problem tanımı</a:t>
+            </a:r>
+            <a:endParaRPr lang="en-GB" dirty="0"/>
+          </a:p>
+        </p:txBody>
+      </p:sp>
+      <p:pic>
+        <p:nvPicPr>
+          <p:cNvPr id="5" name="İçerik Yer Tutucusu 4" descr="tablo içeren bir resim&#10;&#10;Açıklama otomatik olarak oluşturuldu">
+            <a:extLst>
+              <a:ext uri="{FF2B5EF4-FFF2-40B4-BE49-F238E27FC236}">
+                <a16:creationId xmlns:a16="http://schemas.microsoft.com/office/drawing/2014/main" id="{4E010D67-C7B9-4FE5-BD63-028D7AC01E10}"/>
+              </a:ext>
+            </a:extLst>
+          </p:cNvPr>
+          <p:cNvPicPr>
+            <a:picLocks noGrp="1" noChangeAspect="1"/>
+          </p:cNvPicPr>
+          <p:nvPr>
+            <p:ph idx="1"/>
+          </p:nvPr>
+        </p:nvPicPr>
+        <p:blipFill>
+          <a:blip r:embed="rId2">
+            <a:extLst>
+              <a:ext uri="{28A0092B-C50C-407E-A947-70E740481C1C}">
+                <a14:useLocalDpi xmlns:a14="http://schemas.microsoft.com/office/drawing/2010/main" val="0"/>
+              </a:ext>
+            </a:extLst>
+          </a:blip>
+          <a:stretch>
+            <a:fillRect/>
+          </a:stretch>
+        </p:blipFill>
+        <p:spPr>
+          <a:xfrm>
+            <a:off x="1302898" y="1538832"/>
+            <a:ext cx="9586204" cy="4878524"/>
+          </a:xfrm>
+        </p:spPr>
+      </p:pic>
+      <p:sp>
+        <p:nvSpPr>
+          <p:cNvPr id="6" name="Başlık 1">
+            <a:extLst>
+              <a:ext uri="{FF2B5EF4-FFF2-40B4-BE49-F238E27FC236}">
+                <a16:creationId xmlns:a16="http://schemas.microsoft.com/office/drawing/2014/main" id="{2F96676C-442D-412B-96B6-057CAF55146E}"/>
+              </a:ext>
+            </a:extLst>
+          </p:cNvPr>
+          <p:cNvSpPr>
+            <a:spLocks noGrp="1"/>
+          </p:cNvSpPr>
+          <p:nvPr/>
+        </p:nvSpPr>
+        <p:spPr>
+          <a:xfrm>
+            <a:off x="11457479" y="6060420"/>
+            <a:ext cx="734521" cy="797580"/>
+          </a:xfrm>
+          <a:prstGeom prst="rect">
+            <a:avLst/>
+          </a:prstGeom>
+        </p:spPr>
+        <p:txBody>
+          <a:bodyPr vert="horz" lIns="91440" tIns="45720" rIns="91440" bIns="45720" rtlCol="0" anchor="t">
+            <a:normAutofit/>
+          </a:bodyPr>
+          <a:lstStyle>
+            <a:lvl1pPr algn="l" defTabSz="457200" rtl="0" eaLnBrk="1" latinLnBrk="0" hangingPunct="1">
+              <a:spcBef>
+                <a:spcPct val="0"/>
+              </a:spcBef>
+              <a:buNone/>
+              <a:defRPr sz="3600" kern="1200">
+                <a:solidFill>
+                  <a:schemeClr val="accent1"/>
+                </a:solidFill>
+                <a:latin typeface="+mj-lt"/>
+                <a:ea typeface="+mj-ea"/>
+                <a:cs typeface="+mj-cs"/>
+              </a:defRPr>
+            </a:lvl1pPr>
+            <a:lvl2pPr eaLnBrk="1" hangingPunct="1">
+              <a:defRPr>
+                <a:solidFill>
+                  <a:schemeClr val="tx2"/>
+                </a:solidFill>
+              </a:defRPr>
+            </a:lvl2pPr>
+            <a:lvl3pPr eaLnBrk="1" hangingPunct="1">
+              <a:defRPr>
+                <a:solidFill>
+                  <a:schemeClr val="tx2"/>
+                </a:solidFill>
+              </a:defRPr>
+            </a:lvl3pPr>
+            <a:lvl4pPr eaLnBrk="1" hangingPunct="1">
+              <a:defRPr>
+                <a:solidFill>
+                  <a:schemeClr val="tx2"/>
+                </a:solidFill>
+              </a:defRPr>
+            </a:lvl4pPr>
+            <a:lvl5pPr eaLnBrk="1" hangingPunct="1">
+              <a:defRPr>
+                <a:solidFill>
+                  <a:schemeClr val="tx2"/>
+                </a:solidFill>
+              </a:defRPr>
+            </a:lvl5pPr>
+            <a:lvl6pPr eaLnBrk="1" hangingPunct="1">
+              <a:defRPr>
+                <a:solidFill>
+                  <a:schemeClr val="tx2"/>
+                </a:solidFill>
+              </a:defRPr>
+            </a:lvl6pPr>
+            <a:lvl7pPr eaLnBrk="1" hangingPunct="1">
+              <a:defRPr>
+                <a:solidFill>
+                  <a:schemeClr val="tx2"/>
+                </a:solidFill>
+              </a:defRPr>
+            </a:lvl7pPr>
+            <a:lvl8pPr eaLnBrk="1" hangingPunct="1">
+              <a:defRPr>
+                <a:solidFill>
+                  <a:schemeClr val="tx2"/>
+                </a:solidFill>
+              </a:defRPr>
+            </a:lvl8pPr>
+            <a:lvl9pPr eaLnBrk="1" hangingPunct="1">
+              <a:defRPr>
+                <a:solidFill>
+                  <a:schemeClr val="tx2"/>
+                </a:solidFill>
+              </a:defRPr>
+            </a:lvl9pPr>
+          </a:lstStyle>
+          <a:p>
+            <a:r>
+              <a:rPr lang="tr-TR" dirty="0">
+                <a:solidFill>
+                  <a:schemeClr val="tx1"/>
+                </a:solidFill>
+              </a:rPr>
+              <a:t>4</a:t>
+            </a:r>
+            <a:endParaRPr lang="en-GB" dirty="0">
+              <a:solidFill>
+                <a:schemeClr val="tx1"/>
+              </a:solidFill>
+            </a:endParaRPr>
+          </a:p>
+        </p:txBody>
+      </p:sp>
+    </p:spTree>
+    <p:extLst>
+      <p:ext uri="{BB962C8B-B14F-4D97-AF65-F5344CB8AC3E}">
+        <p14:creationId xmlns:p14="http://schemas.microsoft.com/office/powerpoint/2010/main" val="3167731099"/>
+      </p:ext>
+    </p:extLst>
+  </p:cSld>
+  <p:clrMapOvr>
+    <a:masterClrMapping/>
+  </p:clrMapOvr>
+</p:sld>
+</file>
+
+<file path=ppt/slides/slide4.xml><?xml version="1.0" encoding="utf-8"?>
+<p:sld xmlns:a="http://schemas.openxmlformats.org/drawingml/2006/main" xmlns:r="http://schemas.openxmlformats.org/officeDocument/2006/relationships" xmlns:p="http://schemas.openxmlformats.org/presentationml/2006/main">
+  <p:cSld>
+    <p:bg>
+      <p:bgPr>
+        <a:gradFill>
+          <a:gsLst>
+            <a:gs pos="100000">
+              <a:schemeClr val="accent1">
+                <a:lumMod val="5000"/>
+                <a:lumOff val="95000"/>
+              </a:schemeClr>
+            </a:gs>
+            <a:gs pos="100000">
+              <a:schemeClr val="accent1">
+                <a:lumMod val="45000"/>
+                <a:lumOff val="55000"/>
+              </a:schemeClr>
+            </a:gs>
+            <a:gs pos="84831">
+              <a:schemeClr val="accent1">
+                <a:lumMod val="5000"/>
+                <a:lumOff val="95000"/>
+              </a:schemeClr>
+            </a:gs>
+            <a:gs pos="38000">
+              <a:schemeClr val="accent1">
+                <a:lumMod val="45000"/>
+                <a:lumOff val="55000"/>
+              </a:schemeClr>
+            </a:gs>
+            <a:gs pos="72000">
+              <a:schemeClr val="accent1">
+                <a:lumMod val="30000"/>
+                <a:lumOff val="70000"/>
+              </a:schemeClr>
+            </a:gs>
+          </a:gsLst>
+          <a:lin ang="5400000" scaled="1"/>
+        </a:gradFill>
+        <a:effectLst/>
+      </p:bgPr>
+    </p:bg>
+    <p:spTree>
+      <p:nvGrpSpPr>
+        <p:cNvPr id="1" name=""/>
+        <p:cNvGrpSpPr/>
+        <p:nvPr/>
+      </p:nvGrpSpPr>
+      <p:grpSpPr>
+        <a:xfrm>
+          <a:off x="0" y="0"/>
+          <a:ext cx="0" cy="0"/>
+          <a:chOff x="0" y="0"/>
+          <a:chExt cx="0" cy="0"/>
+        </a:xfrm>
+      </p:grpSpPr>
+      <p:sp>
+        <p:nvSpPr>
+          <p:cNvPr id="11" name="Metin kutusu 10">
+            <a:extLst>
+              <a:ext uri="{FF2B5EF4-FFF2-40B4-BE49-F238E27FC236}">
+                <a16:creationId xmlns:a16="http://schemas.microsoft.com/office/drawing/2014/main" id="{3683D5D3-150C-4483-A526-254297AF7A43}"/>
+              </a:ext>
+            </a:extLst>
+          </p:cNvPr>
+          <p:cNvSpPr txBox="1"/>
+          <p:nvPr/>
+        </p:nvSpPr>
+        <p:spPr>
+          <a:xfrm>
+            <a:off x="845789" y="378368"/>
+            <a:ext cx="7337759" cy="646331"/>
+          </a:xfrm>
+          <a:prstGeom prst="rect">
+            <a:avLst/>
+          </a:prstGeom>
+          <a:noFill/>
+        </p:spPr>
+        <p:txBody>
+          <a:bodyPr wrap="square">
+            <a:spAutoFit/>
+          </a:bodyPr>
+          <a:lstStyle/>
+          <a:p>
+            <a:r>
+              <a:rPr lang="tr-TR" sz="3600" dirty="0">
+                <a:solidFill>
+                  <a:schemeClr val="bg1"/>
+                </a:solidFill>
+              </a:rPr>
+              <a:t>Veriyi inceleme ve anlama</a:t>
+            </a:r>
+            <a:endParaRPr lang="en-GB" sz="3600" i="1" dirty="0">
+              <a:solidFill>
+                <a:schemeClr val="bg1"/>
+              </a:solidFill>
+            </a:endParaRPr>
+          </a:p>
+        </p:txBody>
+      </p:sp>
+      <p:pic>
+        <p:nvPicPr>
+          <p:cNvPr id="14" name="Resim 13" descr="ok içeren bir resim&#10;&#10;Açıklama otomatik olarak oluşturuldu">
+            <a:extLst>
+              <a:ext uri="{FF2B5EF4-FFF2-40B4-BE49-F238E27FC236}">
+                <a16:creationId xmlns:a16="http://schemas.microsoft.com/office/drawing/2014/main" id="{4B3AC1B6-3F2E-4A5D-9DBF-910E19C17902}"/>
+              </a:ext>
+            </a:extLst>
+          </p:cNvPr>
+          <p:cNvPicPr>
+            <a:picLocks noChangeAspect="1"/>
+          </p:cNvPicPr>
+          <p:nvPr/>
+        </p:nvPicPr>
+        <p:blipFill>
+          <a:blip r:embed="rId2">
+            <a:extLst>
+              <a:ext uri="{28A0092B-C50C-407E-A947-70E740481C1C}">
+                <a14:useLocalDpi xmlns:a14="http://schemas.microsoft.com/office/drawing/2010/main" val="0"/>
+              </a:ext>
+            </a:extLst>
+          </a:blip>
+          <a:stretch>
+            <a:fillRect/>
+          </a:stretch>
+        </p:blipFill>
+        <p:spPr>
+          <a:xfrm>
+            <a:off x="7490229" y="84325"/>
+            <a:ext cx="1019998" cy="1019998"/>
+          </a:xfrm>
+          <a:prstGeom prst="rect">
+            <a:avLst/>
+          </a:prstGeom>
+        </p:spPr>
+      </p:pic>
+      <p:pic>
+        <p:nvPicPr>
+          <p:cNvPr id="15" name="Resim 14">
+            <a:extLst>
+              <a:ext uri="{FF2B5EF4-FFF2-40B4-BE49-F238E27FC236}">
+                <a16:creationId xmlns:a16="http://schemas.microsoft.com/office/drawing/2014/main" id="{20DBE111-E059-43BA-916D-DE4461E3CA6F}"/>
+              </a:ext>
+            </a:extLst>
+          </p:cNvPr>
+          <p:cNvPicPr>
+            <a:picLocks noChangeAspect="1"/>
+          </p:cNvPicPr>
+          <p:nvPr/>
+        </p:nvPicPr>
+        <p:blipFill>
+          <a:blip r:embed="rId3">
+            <a:extLst>
+              <a:ext uri="{28A0092B-C50C-407E-A947-70E740481C1C}">
+                <a14:useLocalDpi xmlns:a14="http://schemas.microsoft.com/office/drawing/2010/main" val="0"/>
+              </a:ext>
+            </a:extLst>
+          </a:blip>
+          <a:stretch>
+            <a:fillRect/>
+          </a:stretch>
+        </p:blipFill>
+        <p:spPr>
+          <a:xfrm>
+            <a:off x="8859014" y="158201"/>
+            <a:ext cx="2712725" cy="872245"/>
+          </a:xfrm>
+          <a:prstGeom prst="rect">
+            <a:avLst/>
+          </a:prstGeom>
+        </p:spPr>
+      </p:pic>
+      <p:sp>
+        <p:nvSpPr>
+          <p:cNvPr id="20" name="Metin kutusu 19">
+            <a:extLst>
+              <a:ext uri="{FF2B5EF4-FFF2-40B4-BE49-F238E27FC236}">
+                <a16:creationId xmlns:a16="http://schemas.microsoft.com/office/drawing/2014/main" id="{86131008-6D1D-41E3-83E6-664694F17E2D}"/>
+              </a:ext>
+            </a:extLst>
+          </p:cNvPr>
+          <p:cNvSpPr txBox="1"/>
+          <p:nvPr/>
+        </p:nvSpPr>
+        <p:spPr>
+          <a:xfrm>
+            <a:off x="377880" y="4110712"/>
+            <a:ext cx="10458913" cy="2554545"/>
+          </a:xfrm>
+          <a:prstGeom prst="rect">
+            <a:avLst/>
+          </a:prstGeom>
+          <a:noFill/>
+        </p:spPr>
+        <p:txBody>
+          <a:bodyPr wrap="square">
+            <a:spAutoFit/>
+          </a:bodyPr>
+          <a:lstStyle/>
+          <a:p>
+            <a:r>
+              <a:rPr lang="tr-TR" sz="3200" i="1" dirty="0"/>
+              <a:t>-</a:t>
+            </a:r>
+            <a:r>
+              <a:rPr lang="tr-TR" sz="3200" i="1" dirty="0" err="1"/>
+              <a:t>Imbalance</a:t>
+            </a:r>
+            <a:r>
+              <a:rPr lang="tr-TR" sz="3200" i="1" dirty="0"/>
+              <a:t> </a:t>
+            </a:r>
+          </a:p>
+          <a:p>
+            <a:r>
+              <a:rPr lang="tr-TR" sz="3200" i="1" dirty="0"/>
+              <a:t>-Veri dağılımların kontrol edilmesi</a:t>
+            </a:r>
+          </a:p>
+          <a:p>
+            <a:r>
+              <a:rPr lang="tr-TR" sz="3200" i="1" dirty="0"/>
+              <a:t>-Verileri doğrulama</a:t>
+            </a:r>
+          </a:p>
+          <a:p>
+            <a:r>
+              <a:rPr lang="tr-TR" sz="3200" i="1" dirty="0"/>
+              <a:t>	- </a:t>
+            </a:r>
+            <a:r>
+              <a:rPr lang="tr-TR" sz="3200" i="1" dirty="0" err="1"/>
+              <a:t>Price</a:t>
+            </a:r>
+            <a:r>
+              <a:rPr lang="tr-TR" sz="3200" i="1" dirty="0"/>
+              <a:t> &lt; 0</a:t>
+            </a:r>
+          </a:p>
+          <a:p>
+            <a:r>
+              <a:rPr lang="tr-TR" sz="3200" i="1" dirty="0"/>
+              <a:t>	- </a:t>
+            </a:r>
+            <a:r>
+              <a:rPr lang="tr-TR" sz="3200" i="1" dirty="0" err="1"/>
+              <a:t>Startdate</a:t>
+            </a:r>
+            <a:r>
+              <a:rPr lang="tr-TR" sz="3200" i="1" dirty="0"/>
+              <a:t> &lt; </a:t>
+            </a:r>
+            <a:r>
+              <a:rPr lang="tr-TR" sz="3200" i="1" dirty="0" err="1"/>
+              <a:t>Createdate</a:t>
+            </a:r>
+            <a:endParaRPr lang="tr-TR" sz="3200" i="1" dirty="0"/>
+          </a:p>
+        </p:txBody>
+      </p:sp>
+      <p:pic>
+        <p:nvPicPr>
+          <p:cNvPr id="22" name="Resim 21">
+            <a:extLst>
+              <a:ext uri="{FF2B5EF4-FFF2-40B4-BE49-F238E27FC236}">
+                <a16:creationId xmlns:a16="http://schemas.microsoft.com/office/drawing/2014/main" id="{A12F9958-54C7-429E-8F51-7500403618BB}"/>
+              </a:ext>
+            </a:extLst>
+          </p:cNvPr>
+          <p:cNvPicPr>
+            <a:picLocks noChangeAspect="1"/>
+          </p:cNvPicPr>
+          <p:nvPr/>
+        </p:nvPicPr>
+        <p:blipFill>
+          <a:blip r:embed="rId4">
+            <a:extLst>
+              <a:ext uri="{28A0092B-C50C-407E-A947-70E740481C1C}">
+                <a14:useLocalDpi xmlns:a14="http://schemas.microsoft.com/office/drawing/2010/main" val="0"/>
+              </a:ext>
+            </a:extLst>
+          </a:blip>
+          <a:stretch>
+            <a:fillRect/>
+          </a:stretch>
+        </p:blipFill>
+        <p:spPr>
+          <a:xfrm>
+            <a:off x="144390" y="1213438"/>
+            <a:ext cx="4019394" cy="2352213"/>
+          </a:xfrm>
+          <a:prstGeom prst="rect">
+            <a:avLst/>
+          </a:prstGeom>
+        </p:spPr>
+      </p:pic>
+      <p:pic>
+        <p:nvPicPr>
+          <p:cNvPr id="24" name="Resim 23">
+            <a:extLst>
+              <a:ext uri="{FF2B5EF4-FFF2-40B4-BE49-F238E27FC236}">
+                <a16:creationId xmlns:a16="http://schemas.microsoft.com/office/drawing/2014/main" id="{333F1AC5-13BB-47DB-B35A-672DDC345A34}"/>
+              </a:ext>
+            </a:extLst>
+          </p:cNvPr>
+          <p:cNvPicPr>
+            <a:picLocks noChangeAspect="1"/>
+          </p:cNvPicPr>
+          <p:nvPr/>
+        </p:nvPicPr>
+        <p:blipFill>
+          <a:blip r:embed="rId5">
+            <a:extLst>
+              <a:ext uri="{28A0092B-C50C-407E-A947-70E740481C1C}">
+                <a14:useLocalDpi xmlns:a14="http://schemas.microsoft.com/office/drawing/2010/main" val="0"/>
+              </a:ext>
+            </a:extLst>
+          </a:blip>
+          <a:stretch>
+            <a:fillRect/>
+          </a:stretch>
+        </p:blipFill>
+        <p:spPr>
+          <a:xfrm>
+            <a:off x="4277891" y="1191420"/>
+            <a:ext cx="3775471" cy="2352213"/>
+          </a:xfrm>
+          <a:prstGeom prst="rect">
+            <a:avLst/>
+          </a:prstGeom>
+        </p:spPr>
+      </p:pic>
+      <p:pic>
+        <p:nvPicPr>
+          <p:cNvPr id="26" name="Resim 25">
+            <a:extLst>
+              <a:ext uri="{FF2B5EF4-FFF2-40B4-BE49-F238E27FC236}">
+                <a16:creationId xmlns:a16="http://schemas.microsoft.com/office/drawing/2014/main" id="{EE24A831-1D58-4B58-A935-D9A277BC53C7}"/>
+              </a:ext>
+            </a:extLst>
+          </p:cNvPr>
+          <p:cNvPicPr>
+            <a:picLocks noChangeAspect="1"/>
+          </p:cNvPicPr>
+          <p:nvPr/>
+        </p:nvPicPr>
+        <p:blipFill>
+          <a:blip r:embed="rId6">
+            <a:extLst>
+              <a:ext uri="{28A0092B-C50C-407E-A947-70E740481C1C}">
+                <a14:useLocalDpi xmlns:a14="http://schemas.microsoft.com/office/drawing/2010/main" val="0"/>
+              </a:ext>
+            </a:extLst>
+          </a:blip>
+          <a:stretch>
+            <a:fillRect/>
+          </a:stretch>
+        </p:blipFill>
+        <p:spPr>
+          <a:xfrm>
+            <a:off x="8183548" y="1208129"/>
+            <a:ext cx="3751520" cy="2352212"/>
+          </a:xfrm>
+          <a:prstGeom prst="rect">
+            <a:avLst/>
+          </a:prstGeom>
+        </p:spPr>
+      </p:pic>
+      <p:pic>
+        <p:nvPicPr>
+          <p:cNvPr id="28" name="Resim 27">
+            <a:extLst>
+              <a:ext uri="{FF2B5EF4-FFF2-40B4-BE49-F238E27FC236}">
+                <a16:creationId xmlns:a16="http://schemas.microsoft.com/office/drawing/2014/main" id="{DC5CE59A-3013-495B-87FE-85465A228BA7}"/>
+              </a:ext>
+            </a:extLst>
+          </p:cNvPr>
+          <p:cNvPicPr>
+            <a:picLocks noChangeAspect="1"/>
+          </p:cNvPicPr>
+          <p:nvPr/>
+        </p:nvPicPr>
+        <p:blipFill>
+          <a:blip r:embed="rId7">
+            <a:extLst>
+              <a:ext uri="{28A0092B-C50C-407E-A947-70E740481C1C}">
+                <a14:useLocalDpi xmlns:a14="http://schemas.microsoft.com/office/drawing/2010/main" val="0"/>
+              </a:ext>
+            </a:extLst>
+          </a:blip>
+          <a:stretch>
+            <a:fillRect/>
+          </a:stretch>
+        </p:blipFill>
+        <p:spPr>
+          <a:xfrm>
+            <a:off x="7651172" y="3878845"/>
+            <a:ext cx="3806307" cy="2352212"/>
+          </a:xfrm>
+          <a:prstGeom prst="rect">
+            <a:avLst/>
+          </a:prstGeom>
+        </p:spPr>
+      </p:pic>
+      <p:sp>
+        <p:nvSpPr>
+          <p:cNvPr id="12" name="Başlık 1">
+            <a:extLst>
+              <a:ext uri="{FF2B5EF4-FFF2-40B4-BE49-F238E27FC236}">
+                <a16:creationId xmlns:a16="http://schemas.microsoft.com/office/drawing/2014/main" id="{7F92F455-C5A6-4177-AD9B-B4E659E12624}"/>
+              </a:ext>
+            </a:extLst>
+          </p:cNvPr>
+          <p:cNvSpPr>
+            <a:spLocks noGrp="1"/>
+          </p:cNvSpPr>
+          <p:nvPr/>
+        </p:nvSpPr>
+        <p:spPr>
+          <a:xfrm>
+            <a:off x="11457479" y="6060420"/>
+            <a:ext cx="734521" cy="797580"/>
+          </a:xfrm>
+          <a:prstGeom prst="rect">
+            <a:avLst/>
+          </a:prstGeom>
+        </p:spPr>
+        <p:txBody>
+          <a:bodyPr vert="horz" lIns="91440" tIns="45720" rIns="91440" bIns="45720" rtlCol="0" anchor="t">
+            <a:normAutofit/>
+          </a:bodyPr>
+          <a:lstStyle>
+            <a:lvl1pPr algn="l" defTabSz="457200" rtl="0" eaLnBrk="1" latinLnBrk="0" hangingPunct="1">
+              <a:spcBef>
+                <a:spcPct val="0"/>
+              </a:spcBef>
+              <a:buNone/>
+              <a:defRPr sz="3600" kern="1200">
+                <a:solidFill>
+                  <a:schemeClr val="accent1"/>
+                </a:solidFill>
+                <a:latin typeface="+mj-lt"/>
+                <a:ea typeface="+mj-ea"/>
+                <a:cs typeface="+mj-cs"/>
+              </a:defRPr>
+            </a:lvl1pPr>
+            <a:lvl2pPr eaLnBrk="1" hangingPunct="1">
+              <a:defRPr>
+                <a:solidFill>
+                  <a:schemeClr val="tx2"/>
+                </a:solidFill>
+              </a:defRPr>
+            </a:lvl2pPr>
+            <a:lvl3pPr eaLnBrk="1" hangingPunct="1">
+              <a:defRPr>
+                <a:solidFill>
+                  <a:schemeClr val="tx2"/>
+                </a:solidFill>
+              </a:defRPr>
+            </a:lvl3pPr>
+            <a:lvl4pPr eaLnBrk="1" hangingPunct="1">
+              <a:defRPr>
+                <a:solidFill>
+                  <a:schemeClr val="tx2"/>
+                </a:solidFill>
+              </a:defRPr>
+            </a:lvl4pPr>
+            <a:lvl5pPr eaLnBrk="1" hangingPunct="1">
+              <a:defRPr>
+                <a:solidFill>
+                  <a:schemeClr val="tx2"/>
+                </a:solidFill>
+              </a:defRPr>
+            </a:lvl5pPr>
+            <a:lvl6pPr eaLnBrk="1" hangingPunct="1">
+              <a:defRPr>
+                <a:solidFill>
+                  <a:schemeClr val="tx2"/>
+                </a:solidFill>
+              </a:defRPr>
+            </a:lvl6pPr>
+            <a:lvl7pPr eaLnBrk="1" hangingPunct="1">
+              <a:defRPr>
+                <a:solidFill>
+                  <a:schemeClr val="tx2"/>
+                </a:solidFill>
+              </a:defRPr>
+            </a:lvl7pPr>
+            <a:lvl8pPr eaLnBrk="1" hangingPunct="1">
+              <a:defRPr>
+                <a:solidFill>
+                  <a:schemeClr val="tx2"/>
+                </a:solidFill>
+              </a:defRPr>
+            </a:lvl8pPr>
+            <a:lvl9pPr eaLnBrk="1" hangingPunct="1">
+              <a:defRPr>
+                <a:solidFill>
+                  <a:schemeClr val="tx2"/>
+                </a:solidFill>
+              </a:defRPr>
+            </a:lvl9pPr>
+          </a:lstStyle>
+          <a:p>
+            <a:r>
+              <a:rPr lang="tr-TR" dirty="0">
+                <a:solidFill>
+                  <a:schemeClr val="tx1"/>
+                </a:solidFill>
+              </a:rPr>
+              <a:t>5</a:t>
+            </a:r>
+            <a:endParaRPr lang="en-GB" dirty="0">
+              <a:solidFill>
+                <a:schemeClr val="tx1"/>
+              </a:solidFill>
+            </a:endParaRPr>
+          </a:p>
+        </p:txBody>
+      </p:sp>
+    </p:spTree>
+    <p:extLst>
+      <p:ext uri="{BB962C8B-B14F-4D97-AF65-F5344CB8AC3E}">
+        <p14:creationId xmlns:p14="http://schemas.microsoft.com/office/powerpoint/2010/main" val="1250063232"/>
+      </p:ext>
+    </p:extLst>
+  </p:cSld>
+  <p:clrMapOvr>
+    <a:masterClrMapping/>
+  </p:clrMapOvr>
+</p:sld>
+</file>
+
+<file path=ppt/slides/slide5.xml><?xml version="1.0" encoding="utf-8"?>
+<p:sld xmlns:a="http://schemas.openxmlformats.org/drawingml/2006/main" xmlns:r="http://schemas.openxmlformats.org/officeDocument/2006/relationships" xmlns:p="http://schemas.openxmlformats.org/presentationml/2006/main">
+  <p:cSld>
+    <p:bg>
+      <p:bgPr>
+        <a:solidFill>
+          <a:schemeClr val="accent1"/>
+        </a:solidFill>
+        <a:effectLst/>
+      </p:bgPr>
+    </p:bg>
+    <p:spTree>
+      <p:nvGrpSpPr>
+        <p:cNvPr id="1" name=""/>
+        <p:cNvGrpSpPr/>
+        <p:nvPr/>
+      </p:nvGrpSpPr>
+      <p:grpSpPr>
+        <a:xfrm>
+          <a:off x="0" y="0"/>
+          <a:ext cx="0" cy="0"/>
+          <a:chOff x="0" y="0"/>
+          <a:chExt cx="0" cy="0"/>
+        </a:xfrm>
+      </p:grpSpPr>
+      <p:sp>
+        <p:nvSpPr>
+          <p:cNvPr id="2" name="Başlık 1">
+            <a:extLst>
+              <a:ext uri="{FF2B5EF4-FFF2-40B4-BE49-F238E27FC236}">
+                <a16:creationId xmlns:a16="http://schemas.microsoft.com/office/drawing/2014/main" id="{3C4E64FC-9D9E-4D77-8F04-B6BD1E19A515}"/>
+              </a:ext>
+            </a:extLst>
+          </p:cNvPr>
+          <p:cNvSpPr>
+            <a:spLocks noGrp="1"/>
+          </p:cNvSpPr>
+          <p:nvPr>
+            <p:ph type="title"/>
+          </p:nvPr>
+        </p:nvSpPr>
+        <p:spPr>
+          <a:xfrm>
+            <a:off x="195943" y="199462"/>
+            <a:ext cx="8596668" cy="1320800"/>
+          </a:xfrm>
+        </p:spPr>
+        <p:txBody>
+          <a:bodyPr>
+            <a:normAutofit/>
+          </a:bodyPr>
+          <a:lstStyle/>
+          <a:p>
+            <a:r>
+              <a:rPr lang="tr-TR" sz="3600" dirty="0">
+                <a:solidFill>
+                  <a:schemeClr val="bg1"/>
+                </a:solidFill>
+              </a:rPr>
+              <a:t>Öznitelik seçimi ve yeni öznitelikler</a:t>
+            </a:r>
+            <a:endParaRPr lang="en-GB" sz="3600" i="1" dirty="0">
+              <a:solidFill>
+                <a:schemeClr val="bg1"/>
+              </a:solidFill>
+            </a:endParaRPr>
+          </a:p>
+        </p:txBody>
+      </p:sp>
+      <p:sp>
+        <p:nvSpPr>
+          <p:cNvPr id="3" name="İçerik Yer Tutucusu 2">
+            <a:extLst>
+              <a:ext uri="{FF2B5EF4-FFF2-40B4-BE49-F238E27FC236}">
+                <a16:creationId xmlns:a16="http://schemas.microsoft.com/office/drawing/2014/main" id="{F4ED8D6E-BA66-45C9-B360-172B61744E17}"/>
+              </a:ext>
+            </a:extLst>
+          </p:cNvPr>
+          <p:cNvSpPr>
+            <a:spLocks noGrp="1"/>
+          </p:cNvSpPr>
+          <p:nvPr>
+            <p:ph idx="1"/>
+          </p:nvPr>
+        </p:nvSpPr>
+        <p:spPr>
+          <a:xfrm>
+            <a:off x="231584" y="856078"/>
+            <a:ext cx="9078059" cy="4595117"/>
+          </a:xfrm>
+        </p:spPr>
+        <p:txBody>
+          <a:bodyPr>
+            <a:normAutofit/>
+          </a:bodyPr>
+          <a:lstStyle/>
+          <a:p>
+            <a:pPr marL="0" indent="0">
+              <a:buNone/>
+            </a:pPr>
+            <a:r>
+              <a:rPr lang="tr-TR" sz="2800" dirty="0" err="1">
+                <a:solidFill>
+                  <a:schemeClr val="bg1"/>
+                </a:solidFill>
+              </a:rPr>
+              <a:t>Day</a:t>
+            </a:r>
+            <a:r>
+              <a:rPr lang="tr-TR" sz="2800" dirty="0">
+                <a:solidFill>
+                  <a:schemeClr val="bg1"/>
+                </a:solidFill>
+              </a:rPr>
+              <a:t> </a:t>
+            </a:r>
+            <a:r>
+              <a:rPr lang="tr-TR" sz="2800" dirty="0" err="1">
+                <a:solidFill>
+                  <a:schemeClr val="bg1"/>
+                </a:solidFill>
+              </a:rPr>
+              <a:t>interval</a:t>
+            </a:r>
+            <a:r>
+              <a:rPr lang="tr-TR" sz="2800" dirty="0">
+                <a:solidFill>
+                  <a:schemeClr val="bg1"/>
+                </a:solidFill>
+              </a:rPr>
+              <a:t>: </a:t>
+            </a:r>
+            <a:r>
+              <a:rPr lang="tr-TR" sz="2800" dirty="0" err="1">
+                <a:solidFill>
+                  <a:schemeClr val="bg1"/>
+                </a:solidFill>
+              </a:rPr>
+              <a:t>JobStartDate</a:t>
+            </a:r>
+            <a:r>
+              <a:rPr lang="tr-TR" sz="2800" dirty="0">
+                <a:solidFill>
+                  <a:schemeClr val="bg1"/>
+                </a:solidFill>
+              </a:rPr>
+              <a:t> – </a:t>
+            </a:r>
+            <a:r>
+              <a:rPr lang="tr-TR" sz="2800" dirty="0" err="1">
+                <a:solidFill>
+                  <a:schemeClr val="bg1"/>
+                </a:solidFill>
+              </a:rPr>
+              <a:t>JobCreateDate</a:t>
+            </a:r>
+            <a:endParaRPr lang="tr-TR" sz="2800" dirty="0">
+              <a:solidFill>
+                <a:schemeClr val="bg1"/>
+              </a:solidFill>
+            </a:endParaRPr>
+          </a:p>
+          <a:p>
+            <a:pPr marL="0" indent="0">
+              <a:buNone/>
+            </a:pPr>
+            <a:r>
+              <a:rPr lang="tr-TR" sz="2800" dirty="0" err="1">
+                <a:solidFill>
+                  <a:schemeClr val="bg1"/>
+                </a:solidFill>
+              </a:rPr>
+              <a:t>Percentage</a:t>
+            </a:r>
+            <a:r>
+              <a:rPr lang="tr-TR" sz="2800" dirty="0">
+                <a:solidFill>
+                  <a:schemeClr val="bg1"/>
+                </a:solidFill>
+              </a:rPr>
+              <a:t> </a:t>
+            </a:r>
+            <a:r>
+              <a:rPr lang="tr-TR" sz="2800" dirty="0" err="1">
+                <a:solidFill>
+                  <a:schemeClr val="bg1"/>
+                </a:solidFill>
+              </a:rPr>
+              <a:t>filled</a:t>
+            </a:r>
+            <a:r>
+              <a:rPr lang="tr-TR" sz="2800" dirty="0">
+                <a:solidFill>
+                  <a:schemeClr val="bg1"/>
+                </a:solidFill>
+              </a:rPr>
+              <a:t>: Müşteri soruların yüzde kaçını cevapladı</a:t>
+            </a:r>
+          </a:p>
+          <a:p>
+            <a:pPr marL="0" indent="0">
+              <a:buNone/>
+            </a:pPr>
+            <a:r>
+              <a:rPr lang="tr-TR" sz="2800" dirty="0" err="1">
+                <a:solidFill>
+                  <a:schemeClr val="bg1"/>
+                </a:solidFill>
+              </a:rPr>
+              <a:t>Quarter</a:t>
+            </a:r>
+            <a:r>
+              <a:rPr lang="tr-TR" sz="2800" dirty="0">
+                <a:solidFill>
+                  <a:schemeClr val="bg1"/>
+                </a:solidFill>
+              </a:rPr>
+              <a:t>: Tarihler mevsimlere göre gruplandırıldı</a:t>
+            </a:r>
+            <a:endParaRPr lang="en-GB" sz="2800" dirty="0">
+              <a:solidFill>
+                <a:schemeClr val="bg1"/>
+              </a:solidFill>
+            </a:endParaRPr>
+          </a:p>
+        </p:txBody>
+      </p:sp>
+      <p:pic>
+        <p:nvPicPr>
+          <p:cNvPr id="9" name="Resim 8">
+            <a:extLst>
+              <a:ext uri="{FF2B5EF4-FFF2-40B4-BE49-F238E27FC236}">
+                <a16:creationId xmlns:a16="http://schemas.microsoft.com/office/drawing/2014/main" id="{693090CA-4F4F-48E5-A8E5-E4ADBA413A13}"/>
+              </a:ext>
+            </a:extLst>
+          </p:cNvPr>
+          <p:cNvPicPr>
+            <a:picLocks noChangeAspect="1"/>
+          </p:cNvPicPr>
+          <p:nvPr/>
+        </p:nvPicPr>
+        <p:blipFill>
+          <a:blip r:embed="rId2">
+            <a:extLst>
+              <a:ext uri="{28A0092B-C50C-407E-A947-70E740481C1C}">
+                <a14:useLocalDpi xmlns:a14="http://schemas.microsoft.com/office/drawing/2010/main" val="0"/>
+              </a:ext>
+            </a:extLst>
+          </a:blip>
+          <a:stretch>
+            <a:fillRect/>
+          </a:stretch>
+        </p:blipFill>
+        <p:spPr>
+          <a:xfrm>
+            <a:off x="8125819" y="566527"/>
+            <a:ext cx="4066181" cy="2497534"/>
+          </a:xfrm>
+          <a:prstGeom prst="rect">
+            <a:avLst/>
+          </a:prstGeom>
+        </p:spPr>
+      </p:pic>
+      <p:cxnSp>
+        <p:nvCxnSpPr>
+          <p:cNvPr id="13" name="Düz Ok Bağlayıcısı 12">
+            <a:extLst>
+              <a:ext uri="{FF2B5EF4-FFF2-40B4-BE49-F238E27FC236}">
+                <a16:creationId xmlns:a16="http://schemas.microsoft.com/office/drawing/2014/main" id="{9E04B5E6-B420-422B-AFF5-6C54834AE5B1}"/>
+              </a:ext>
+            </a:extLst>
+          </p:cNvPr>
+          <p:cNvCxnSpPr/>
+          <p:nvPr/>
+        </p:nvCxnSpPr>
+        <p:spPr>
+          <a:xfrm>
+            <a:off x="3147141" y="3743802"/>
+            <a:ext cx="725063" cy="0"/>
+          </a:xfrm>
+          <a:prstGeom prst="straightConnector1">
+            <a:avLst/>
+          </a:prstGeom>
+          <a:ln>
+            <a:tailEnd type="triangle"/>
+          </a:ln>
+        </p:spPr>
+        <p:style>
+          <a:lnRef idx="1">
+            <a:schemeClr val="accent1"/>
+          </a:lnRef>
+          <a:fillRef idx="0">
+            <a:schemeClr val="accent1"/>
+          </a:fillRef>
+          <a:effectRef idx="0">
+            <a:schemeClr val="accent1"/>
+          </a:effectRef>
+          <a:fontRef idx="minor">
+            <a:schemeClr val="tx1"/>
+          </a:fontRef>
+        </p:style>
+      </p:cxnSp>
+      <p:pic>
+        <p:nvPicPr>
+          <p:cNvPr id="16" name="Resim 15">
+            <a:extLst>
+              <a:ext uri="{FF2B5EF4-FFF2-40B4-BE49-F238E27FC236}">
+                <a16:creationId xmlns:a16="http://schemas.microsoft.com/office/drawing/2014/main" id="{E947D4AC-EA7B-4B71-B288-C3534436668E}"/>
+              </a:ext>
+            </a:extLst>
+          </p:cNvPr>
+          <p:cNvPicPr>
+            <a:picLocks noChangeAspect="1"/>
+          </p:cNvPicPr>
+          <p:nvPr/>
+        </p:nvPicPr>
+        <p:blipFill>
+          <a:blip r:embed="rId3">
+            <a:extLst>
+              <a:ext uri="{28A0092B-C50C-407E-A947-70E740481C1C}">
+                <a14:useLocalDpi xmlns:a14="http://schemas.microsoft.com/office/drawing/2010/main" val="0"/>
+              </a:ext>
+            </a:extLst>
+          </a:blip>
+          <a:stretch>
+            <a:fillRect/>
+          </a:stretch>
+        </p:blipFill>
+        <p:spPr>
+          <a:xfrm>
+            <a:off x="440046" y="3274121"/>
+            <a:ext cx="5211454" cy="3396228"/>
+          </a:xfrm>
+          <a:prstGeom prst="rect">
+            <a:avLst/>
+          </a:prstGeom>
+        </p:spPr>
+      </p:pic>
+      <p:pic>
+        <p:nvPicPr>
+          <p:cNvPr id="20" name="Resim 19">
+            <a:extLst>
+              <a:ext uri="{FF2B5EF4-FFF2-40B4-BE49-F238E27FC236}">
+                <a16:creationId xmlns:a16="http://schemas.microsoft.com/office/drawing/2014/main" id="{4BCBB829-B2D0-4B27-AD91-E68881CD6BF8}"/>
+              </a:ext>
+            </a:extLst>
+          </p:cNvPr>
+          <p:cNvPicPr>
+            <a:picLocks noChangeAspect="1"/>
+          </p:cNvPicPr>
+          <p:nvPr/>
+        </p:nvPicPr>
+        <p:blipFill>
+          <a:blip r:embed="rId4">
+            <a:extLst>
+              <a:ext uri="{28A0092B-C50C-407E-A947-70E740481C1C}">
+                <a14:useLocalDpi xmlns:a14="http://schemas.microsoft.com/office/drawing/2010/main" val="0"/>
+              </a:ext>
+            </a:extLst>
+          </a:blip>
+          <a:stretch>
+            <a:fillRect/>
+          </a:stretch>
+        </p:blipFill>
+        <p:spPr>
+          <a:xfrm>
+            <a:off x="6255643" y="3309185"/>
+            <a:ext cx="5073936" cy="3307637"/>
+          </a:xfrm>
+          <a:prstGeom prst="rect">
+            <a:avLst/>
+          </a:prstGeom>
+        </p:spPr>
+      </p:pic>
+      <p:sp>
+        <p:nvSpPr>
+          <p:cNvPr id="10" name="Başlık 1">
+            <a:extLst>
+              <a:ext uri="{FF2B5EF4-FFF2-40B4-BE49-F238E27FC236}">
+                <a16:creationId xmlns:a16="http://schemas.microsoft.com/office/drawing/2014/main" id="{B7319CEF-4D5F-42CA-A167-344AF36ED703}"/>
+              </a:ext>
+            </a:extLst>
+          </p:cNvPr>
+          <p:cNvSpPr>
+            <a:spLocks noGrp="1"/>
+          </p:cNvSpPr>
+          <p:nvPr/>
+        </p:nvSpPr>
+        <p:spPr>
+          <a:xfrm>
+            <a:off x="11457479" y="6060420"/>
+            <a:ext cx="734521" cy="797580"/>
+          </a:xfrm>
+          <a:prstGeom prst="rect">
+            <a:avLst/>
+          </a:prstGeom>
+        </p:spPr>
+        <p:txBody>
+          <a:bodyPr vert="horz" lIns="91440" tIns="45720" rIns="91440" bIns="45720" rtlCol="0" anchor="t">
+            <a:normAutofit/>
+          </a:bodyPr>
+          <a:lstStyle>
+            <a:lvl1pPr algn="l" defTabSz="457200" rtl="0" eaLnBrk="1" latinLnBrk="0" hangingPunct="1">
+              <a:spcBef>
+                <a:spcPct val="0"/>
+              </a:spcBef>
+              <a:buNone/>
+              <a:defRPr sz="3600" kern="1200">
+                <a:solidFill>
+                  <a:schemeClr val="accent1"/>
+                </a:solidFill>
+                <a:latin typeface="+mj-lt"/>
+                <a:ea typeface="+mj-ea"/>
+                <a:cs typeface="+mj-cs"/>
+              </a:defRPr>
+            </a:lvl1pPr>
+            <a:lvl2pPr eaLnBrk="1" hangingPunct="1">
+              <a:defRPr>
+                <a:solidFill>
+                  <a:schemeClr val="tx2"/>
+                </a:solidFill>
+              </a:defRPr>
+            </a:lvl2pPr>
+            <a:lvl3pPr eaLnBrk="1" hangingPunct="1">
+              <a:defRPr>
+                <a:solidFill>
+                  <a:schemeClr val="tx2"/>
+                </a:solidFill>
+              </a:defRPr>
+            </a:lvl3pPr>
+            <a:lvl4pPr eaLnBrk="1" hangingPunct="1">
+              <a:defRPr>
+                <a:solidFill>
+                  <a:schemeClr val="tx2"/>
+                </a:solidFill>
+              </a:defRPr>
+            </a:lvl4pPr>
+            <a:lvl5pPr eaLnBrk="1" hangingPunct="1">
+              <a:defRPr>
+                <a:solidFill>
+                  <a:schemeClr val="tx2"/>
+                </a:solidFill>
+              </a:defRPr>
+            </a:lvl5pPr>
+            <a:lvl6pPr eaLnBrk="1" hangingPunct="1">
+              <a:defRPr>
+                <a:solidFill>
+                  <a:schemeClr val="tx2"/>
+                </a:solidFill>
+              </a:defRPr>
+            </a:lvl6pPr>
+            <a:lvl7pPr eaLnBrk="1" hangingPunct="1">
+              <a:defRPr>
+                <a:solidFill>
+                  <a:schemeClr val="tx2"/>
+                </a:solidFill>
+              </a:defRPr>
+            </a:lvl7pPr>
+            <a:lvl8pPr eaLnBrk="1" hangingPunct="1">
+              <a:defRPr>
+                <a:solidFill>
+                  <a:schemeClr val="tx2"/>
+                </a:solidFill>
+              </a:defRPr>
+            </a:lvl8pPr>
+            <a:lvl9pPr eaLnBrk="1" hangingPunct="1">
+              <a:defRPr>
+                <a:solidFill>
+                  <a:schemeClr val="tx2"/>
+                </a:solidFill>
+              </a:defRPr>
+            </a:lvl9pPr>
+          </a:lstStyle>
+          <a:p>
+            <a:r>
+              <a:rPr lang="tr-TR" dirty="0">
+                <a:solidFill>
+                  <a:schemeClr val="tx1"/>
+                </a:solidFill>
+              </a:rPr>
+              <a:t>6</a:t>
+            </a:r>
+            <a:endParaRPr lang="en-GB" dirty="0">
+              <a:solidFill>
+                <a:schemeClr val="tx1"/>
+              </a:solidFill>
+            </a:endParaRPr>
+          </a:p>
+        </p:txBody>
+      </p:sp>
+    </p:spTree>
+    <p:extLst>
+      <p:ext uri="{BB962C8B-B14F-4D97-AF65-F5344CB8AC3E}">
+        <p14:creationId xmlns:p14="http://schemas.microsoft.com/office/powerpoint/2010/main" val="1274313217"/>
+      </p:ext>
+    </p:extLst>
+  </p:cSld>
+  <p:clrMapOvr>
+    <a:masterClrMapping/>
+  </p:clrMapOvr>
+</p:sld>
+</file>
+
+<file path=ppt/slides/slide6.xml><?xml version="1.0" encoding="utf-8"?>
+<p:sld xmlns:a="http://schemas.openxmlformats.org/drawingml/2006/main" xmlns:r="http://schemas.openxmlformats.org/officeDocument/2006/relationships" xmlns:p="http://schemas.openxmlformats.org/presentationml/2006/main">
+  <p:cSld>
+    <p:bg>
+      <p:bgPr>
+        <a:solidFill>
+          <a:schemeClr val="accent1"/>
+        </a:solidFill>
+        <a:effectLst/>
+      </p:bgPr>
+    </p:bg>
+    <p:spTree>
+      <p:nvGrpSpPr>
+        <p:cNvPr id="1" name=""/>
+        <p:cNvGrpSpPr/>
+        <p:nvPr/>
+      </p:nvGrpSpPr>
+      <p:grpSpPr>
+        <a:xfrm>
+          <a:off x="0" y="0"/>
+          <a:ext cx="0" cy="0"/>
+          <a:chOff x="0" y="0"/>
+          <a:chExt cx="0" cy="0"/>
+        </a:xfrm>
+      </p:grpSpPr>
+      <p:sp>
+        <p:nvSpPr>
+          <p:cNvPr id="2" name="Başlık 1">
+            <a:extLst>
+              <a:ext uri="{FF2B5EF4-FFF2-40B4-BE49-F238E27FC236}">
+                <a16:creationId xmlns:a16="http://schemas.microsoft.com/office/drawing/2014/main" id="{3C4E64FC-9D9E-4D77-8F04-B6BD1E19A515}"/>
+              </a:ext>
+            </a:extLst>
+          </p:cNvPr>
+          <p:cNvSpPr>
+            <a:spLocks noGrp="1"/>
+          </p:cNvSpPr>
+          <p:nvPr>
+            <p:ph type="title"/>
+          </p:nvPr>
+        </p:nvSpPr>
+        <p:spPr>
+          <a:xfrm>
+            <a:off x="118534" y="190993"/>
+            <a:ext cx="8596668" cy="1320800"/>
+          </a:xfrm>
+        </p:spPr>
+        <p:txBody>
+          <a:bodyPr/>
+          <a:lstStyle/>
+          <a:p>
+            <a:r>
+              <a:rPr lang="tr-TR" sz="3600" dirty="0">
+                <a:solidFill>
+                  <a:schemeClr val="bg1"/>
+                </a:solidFill>
+              </a:rPr>
+              <a:t>Veriyi uygun hale getirme</a:t>
+            </a:r>
+            <a:br>
+              <a:rPr lang="en-GB" sz="3600" dirty="0"/>
+            </a:br>
+            <a:endParaRPr lang="en-GB" dirty="0"/>
+          </a:p>
+        </p:txBody>
+      </p:sp>
+      <p:graphicFrame>
+        <p:nvGraphicFramePr>
+          <p:cNvPr id="16" name="İçerik Yer Tutucusu 2">
+            <a:extLst>
+              <a:ext uri="{FF2B5EF4-FFF2-40B4-BE49-F238E27FC236}">
+                <a16:creationId xmlns:a16="http://schemas.microsoft.com/office/drawing/2014/main" id="{8177A03C-1A39-4531-A151-8B6DB0297F49}"/>
+              </a:ext>
+            </a:extLst>
+          </p:cNvPr>
+          <p:cNvGraphicFramePr>
+            <a:graphicFrameLocks noGrp="1"/>
+          </p:cNvGraphicFramePr>
+          <p:nvPr>
+            <p:ph idx="1"/>
+            <p:extLst>
+              <p:ext uri="{D42A27DB-BD31-4B8C-83A1-F6EECF244321}">
+                <p14:modId xmlns:p14="http://schemas.microsoft.com/office/powerpoint/2010/main" val="3944011434"/>
+              </p:ext>
+            </p:extLst>
+          </p:nvPr>
+        </p:nvGraphicFramePr>
+        <p:xfrm>
+          <a:off x="1570892" y="451086"/>
+          <a:ext cx="8850820" cy="3323745"/>
+        </p:xfrm>
+        <a:graphic>
+          <a:graphicData uri="http://schemas.openxmlformats.org/drawingml/2006/diagram">
+            <dgm:relIds xmlns:dgm="http://schemas.openxmlformats.org/drawingml/2006/diagram" xmlns:r="http://schemas.openxmlformats.org/officeDocument/2006/relationships" r:dm="rId2" r:lo="rId3" r:qs="rId4" r:cs="rId5"/>
+          </a:graphicData>
+        </a:graphic>
+      </p:graphicFrame>
+      <p:pic>
+        <p:nvPicPr>
+          <p:cNvPr id="11" name="Resim 10">
+            <a:extLst>
+              <a:ext uri="{FF2B5EF4-FFF2-40B4-BE49-F238E27FC236}">
+                <a16:creationId xmlns:a16="http://schemas.microsoft.com/office/drawing/2014/main" id="{6D37A9DA-90FF-4FFC-980F-644244B4B317}"/>
+              </a:ext>
+            </a:extLst>
+          </p:cNvPr>
+          <p:cNvPicPr>
+            <a:picLocks noChangeAspect="1"/>
+          </p:cNvPicPr>
+          <p:nvPr/>
+        </p:nvPicPr>
+        <p:blipFill>
+          <a:blip r:embed="rId7">
+            <a:extLst>
+              <a:ext uri="{28A0092B-C50C-407E-A947-70E740481C1C}">
+                <a14:useLocalDpi xmlns:a14="http://schemas.microsoft.com/office/drawing/2010/main" val="0"/>
+              </a:ext>
+            </a:extLst>
+          </a:blip>
+          <a:stretch>
+            <a:fillRect/>
+          </a:stretch>
+        </p:blipFill>
+        <p:spPr>
+          <a:xfrm>
+            <a:off x="381000" y="3465027"/>
+            <a:ext cx="4825722" cy="2964061"/>
+          </a:xfrm>
+          <a:prstGeom prst="rect">
+            <a:avLst/>
+          </a:prstGeom>
+        </p:spPr>
+      </p:pic>
+      <p:pic>
+        <p:nvPicPr>
+          <p:cNvPr id="12" name="Resim 11">
+            <a:extLst>
+              <a:ext uri="{FF2B5EF4-FFF2-40B4-BE49-F238E27FC236}">
+                <a16:creationId xmlns:a16="http://schemas.microsoft.com/office/drawing/2014/main" id="{FAE04696-0DE1-4375-80DC-979FA68B043D}"/>
+              </a:ext>
+            </a:extLst>
+          </p:cNvPr>
+          <p:cNvPicPr>
+            <a:picLocks noChangeAspect="1"/>
+          </p:cNvPicPr>
+          <p:nvPr/>
+        </p:nvPicPr>
+        <p:blipFill>
+          <a:blip r:embed="rId8">
+            <a:extLst>
+              <a:ext uri="{28A0092B-C50C-407E-A947-70E740481C1C}">
+                <a14:useLocalDpi xmlns:a14="http://schemas.microsoft.com/office/drawing/2010/main" val="0"/>
+              </a:ext>
+            </a:extLst>
+          </a:blip>
+          <a:stretch>
+            <a:fillRect/>
+          </a:stretch>
+        </p:blipFill>
+        <p:spPr>
+          <a:xfrm>
+            <a:off x="6413500" y="3406890"/>
+            <a:ext cx="5050367" cy="3003969"/>
+          </a:xfrm>
+          <a:prstGeom prst="rect">
+            <a:avLst/>
+          </a:prstGeom>
+        </p:spPr>
+      </p:pic>
+      <p:cxnSp>
+        <p:nvCxnSpPr>
+          <p:cNvPr id="13" name="Düz Ok Bağlayıcısı 12">
+            <a:extLst>
+              <a:ext uri="{FF2B5EF4-FFF2-40B4-BE49-F238E27FC236}">
+                <a16:creationId xmlns:a16="http://schemas.microsoft.com/office/drawing/2014/main" id="{452566F1-9471-4CDB-A72E-217A5AF4AE50}"/>
+              </a:ext>
+            </a:extLst>
+          </p:cNvPr>
+          <p:cNvCxnSpPr/>
+          <p:nvPr/>
+        </p:nvCxnSpPr>
+        <p:spPr>
+          <a:xfrm>
+            <a:off x="3632833" y="3968986"/>
+            <a:ext cx="725063" cy="0"/>
+          </a:xfrm>
+          <a:prstGeom prst="straightConnector1">
+            <a:avLst/>
+          </a:prstGeom>
+          <a:ln>
+            <a:tailEnd type="triangle"/>
+          </a:ln>
+        </p:spPr>
+        <p:style>
+          <a:lnRef idx="1">
+            <a:schemeClr val="accent1"/>
+          </a:lnRef>
+          <a:fillRef idx="0">
+            <a:schemeClr val="accent1"/>
+          </a:fillRef>
+          <a:effectRef idx="0">
+            <a:schemeClr val="accent1"/>
+          </a:effectRef>
+          <a:fontRef idx="minor">
+            <a:schemeClr val="tx1"/>
+          </a:fontRef>
+        </p:style>
+      </p:cxnSp>
+      <p:graphicFrame>
+        <p:nvGraphicFramePr>
+          <p:cNvPr id="14" name="Diyagram 13">
+            <a:extLst>
+              <a:ext uri="{FF2B5EF4-FFF2-40B4-BE49-F238E27FC236}">
+                <a16:creationId xmlns:a16="http://schemas.microsoft.com/office/drawing/2014/main" id="{8BDF65F8-506D-4590-8145-88181E8B13F6}"/>
+              </a:ext>
+            </a:extLst>
+          </p:cNvPr>
+          <p:cNvGraphicFramePr/>
+          <p:nvPr>
+            <p:extLst>
+              <p:ext uri="{D42A27DB-BD31-4B8C-83A1-F6EECF244321}">
+                <p14:modId xmlns:p14="http://schemas.microsoft.com/office/powerpoint/2010/main" val="2931371204"/>
+              </p:ext>
+            </p:extLst>
+          </p:nvPr>
+        </p:nvGraphicFramePr>
+        <p:xfrm>
+          <a:off x="5356038" y="4494936"/>
+          <a:ext cx="1057462" cy="800100"/>
+        </p:xfrm>
+        <a:graphic>
+          <a:graphicData uri="http://schemas.openxmlformats.org/drawingml/2006/diagram">
+            <dgm:relIds xmlns:dgm="http://schemas.openxmlformats.org/drawingml/2006/diagram" xmlns:r="http://schemas.openxmlformats.org/officeDocument/2006/relationships" r:dm="rId9" r:lo="rId10" r:qs="rId11" r:cs="rId12"/>
+          </a:graphicData>
+        </a:graphic>
+      </p:graphicFrame>
+      <p:sp>
+        <p:nvSpPr>
+          <p:cNvPr id="10" name="Başlık 1">
+            <a:extLst>
+              <a:ext uri="{FF2B5EF4-FFF2-40B4-BE49-F238E27FC236}">
+                <a16:creationId xmlns:a16="http://schemas.microsoft.com/office/drawing/2014/main" id="{4ED49ED0-B803-47A4-8EFF-6BFDB579C481}"/>
+              </a:ext>
+            </a:extLst>
+          </p:cNvPr>
+          <p:cNvSpPr>
+            <a:spLocks noGrp="1"/>
+          </p:cNvSpPr>
+          <p:nvPr/>
+        </p:nvSpPr>
+        <p:spPr>
+          <a:xfrm>
+            <a:off x="11457479" y="6060420"/>
+            <a:ext cx="734521" cy="797580"/>
+          </a:xfrm>
+          <a:prstGeom prst="rect">
+            <a:avLst/>
+          </a:prstGeom>
+        </p:spPr>
+        <p:txBody>
+          <a:bodyPr vert="horz" lIns="91440" tIns="45720" rIns="91440" bIns="45720" rtlCol="0" anchor="t">
+            <a:normAutofit/>
+          </a:bodyPr>
+          <a:lstStyle>
+            <a:lvl1pPr algn="l" defTabSz="457200" rtl="0" eaLnBrk="1" latinLnBrk="0" hangingPunct="1">
+              <a:spcBef>
+                <a:spcPct val="0"/>
+              </a:spcBef>
+              <a:buNone/>
+              <a:defRPr sz="3600" kern="1200">
+                <a:solidFill>
+                  <a:schemeClr val="accent1"/>
+                </a:solidFill>
+                <a:latin typeface="+mj-lt"/>
+                <a:ea typeface="+mj-ea"/>
+                <a:cs typeface="+mj-cs"/>
+              </a:defRPr>
+            </a:lvl1pPr>
+            <a:lvl2pPr eaLnBrk="1" hangingPunct="1">
+              <a:defRPr>
+                <a:solidFill>
+                  <a:schemeClr val="tx2"/>
+                </a:solidFill>
+              </a:defRPr>
+            </a:lvl2pPr>
+            <a:lvl3pPr eaLnBrk="1" hangingPunct="1">
+              <a:defRPr>
+                <a:solidFill>
+                  <a:schemeClr val="tx2"/>
+                </a:solidFill>
+              </a:defRPr>
+            </a:lvl3pPr>
+            <a:lvl4pPr eaLnBrk="1" hangingPunct="1">
+              <a:defRPr>
+                <a:solidFill>
+                  <a:schemeClr val="tx2"/>
+                </a:solidFill>
+              </a:defRPr>
+            </a:lvl4pPr>
+            <a:lvl5pPr eaLnBrk="1" hangingPunct="1">
+              <a:defRPr>
+                <a:solidFill>
+                  <a:schemeClr val="tx2"/>
+                </a:solidFill>
+              </a:defRPr>
+            </a:lvl5pPr>
+            <a:lvl6pPr eaLnBrk="1" hangingPunct="1">
+              <a:defRPr>
+                <a:solidFill>
+                  <a:schemeClr val="tx2"/>
+                </a:solidFill>
+              </a:defRPr>
+            </a:lvl6pPr>
+            <a:lvl7pPr eaLnBrk="1" hangingPunct="1">
+              <a:defRPr>
+                <a:solidFill>
+                  <a:schemeClr val="tx2"/>
+                </a:solidFill>
+              </a:defRPr>
+            </a:lvl7pPr>
+            <a:lvl8pPr eaLnBrk="1" hangingPunct="1">
+              <a:defRPr>
+                <a:solidFill>
+                  <a:schemeClr val="tx2"/>
+                </a:solidFill>
+              </a:defRPr>
+            </a:lvl8pPr>
+            <a:lvl9pPr eaLnBrk="1" hangingPunct="1">
+              <a:defRPr>
+                <a:solidFill>
+                  <a:schemeClr val="tx2"/>
+                </a:solidFill>
+              </a:defRPr>
+            </a:lvl9pPr>
+          </a:lstStyle>
+          <a:p>
+            <a:r>
+              <a:rPr lang="tr-TR" dirty="0">
+                <a:solidFill>
+                  <a:schemeClr val="tx1"/>
+                </a:solidFill>
+              </a:rPr>
+              <a:t>7</a:t>
+            </a:r>
+            <a:endParaRPr lang="en-GB" dirty="0">
+              <a:solidFill>
+                <a:schemeClr val="tx1"/>
+              </a:solidFill>
+            </a:endParaRPr>
+          </a:p>
+        </p:txBody>
+      </p:sp>
+    </p:spTree>
+    <p:extLst>
+      <p:ext uri="{BB962C8B-B14F-4D97-AF65-F5344CB8AC3E}">
+        <p14:creationId xmlns:p14="http://schemas.microsoft.com/office/powerpoint/2010/main" val="1497735400"/>
+      </p:ext>
+    </p:extLst>
+  </p:cSld>
+  <p:clrMapOvr>
+    <a:masterClrMapping/>
+  </p:clrMapOvr>
+</p:sld>
+</file>
+
+<file path=ppt/slides/slide7.xml><?xml version="1.0" encoding="utf-8"?>
+<p:sld xmlns:a="http://schemas.openxmlformats.org/drawingml/2006/main" xmlns:r="http://schemas.openxmlformats.org/officeDocument/2006/relationships" xmlns:p="http://schemas.openxmlformats.org/presentationml/2006/main">
+  <p:cSld>
+    <p:bg>
+      <p:bgPr>
+        <a:solidFill>
+          <a:schemeClr val="bg1"/>
+        </a:solidFill>
+        <a:effectLst/>
+      </p:bgPr>
+    </p:bg>
+    <p:spTree>
+      <p:nvGrpSpPr>
+        <p:cNvPr id="1" name=""/>
+        <p:cNvGrpSpPr/>
+        <p:nvPr/>
+      </p:nvGrpSpPr>
+      <p:grpSpPr>
+        <a:xfrm>
+          <a:off x="0" y="0"/>
+          <a:ext cx="0" cy="0"/>
+          <a:chOff x="0" y="0"/>
+          <a:chExt cx="0" cy="0"/>
+        </a:xfrm>
+      </p:grpSpPr>
+      <p:sp>
+        <p:nvSpPr>
+          <p:cNvPr id="2" name="Başlık 1">
+            <a:extLst>
+              <a:ext uri="{FF2B5EF4-FFF2-40B4-BE49-F238E27FC236}">
+                <a16:creationId xmlns:a16="http://schemas.microsoft.com/office/drawing/2014/main" id="{3C4E64FC-9D9E-4D77-8F04-B6BD1E19A515}"/>
+              </a:ext>
+            </a:extLst>
+          </p:cNvPr>
+          <p:cNvSpPr>
+            <a:spLocks noGrp="1"/>
+          </p:cNvSpPr>
+          <p:nvPr>
+            <p:ph type="title"/>
+          </p:nvPr>
+        </p:nvSpPr>
+        <p:spPr>
+          <a:xfrm>
+            <a:off x="6343484" y="609600"/>
+            <a:ext cx="2930518" cy="1320800"/>
+          </a:xfrm>
+        </p:spPr>
+        <p:txBody>
+          <a:bodyPr vert="horz" lIns="91440" tIns="45720" rIns="91440" bIns="45720" rtlCol="0" anchor="ctr">
+            <a:normAutofit/>
+          </a:bodyPr>
+          <a:lstStyle/>
+          <a:p>
+            <a:r>
+              <a:rPr lang="en-US"/>
+              <a:t>Sampling &amp; Weights</a:t>
+            </a:r>
+          </a:p>
+        </p:txBody>
+      </p:sp>
+      <p:pic>
+        <p:nvPicPr>
+          <p:cNvPr id="7" name="İçerik Yer Tutucusu 6" descr="metin, ekran görüntüsü, iş kartı, vektör grafikler içeren bir resim&#10;&#10;Açıklama otomatik olarak oluşturuldu">
+            <a:extLst>
+              <a:ext uri="{FF2B5EF4-FFF2-40B4-BE49-F238E27FC236}">
+                <a16:creationId xmlns:a16="http://schemas.microsoft.com/office/drawing/2014/main" id="{53F18C16-4495-4B79-9477-A000353ED368}"/>
+              </a:ext>
+            </a:extLst>
+          </p:cNvPr>
+          <p:cNvPicPr>
+            <a:picLocks noGrp="1" noChangeAspect="1"/>
+          </p:cNvPicPr>
+          <p:nvPr>
+            <p:ph idx="1"/>
+          </p:nvPr>
+        </p:nvPicPr>
+        <p:blipFill>
+          <a:blip r:embed="rId2">
+            <a:extLst>
+              <a:ext uri="{28A0092B-C50C-407E-A947-70E740481C1C}">
+                <a14:useLocalDpi xmlns:a14="http://schemas.microsoft.com/office/drawing/2010/main" val="0"/>
+              </a:ext>
+            </a:extLst>
+          </a:blip>
+          <a:stretch>
+            <a:fillRect/>
+          </a:stretch>
+        </p:blipFill>
+        <p:spPr>
+          <a:xfrm>
+            <a:off x="677333" y="744923"/>
+            <a:ext cx="5421162" cy="2331100"/>
+          </a:xfrm>
+          <a:prstGeom prst="rect">
+            <a:avLst/>
+          </a:prstGeom>
+        </p:spPr>
+      </p:pic>
+      <p:sp>
+        <p:nvSpPr>
+          <p:cNvPr id="9" name="Metin kutusu 8">
+            <a:extLst>
+              <a:ext uri="{FF2B5EF4-FFF2-40B4-BE49-F238E27FC236}">
+                <a16:creationId xmlns:a16="http://schemas.microsoft.com/office/drawing/2014/main" id="{0E7625AA-63DC-4C86-80A4-49DCB8478B8F}"/>
+              </a:ext>
+            </a:extLst>
+          </p:cNvPr>
+          <p:cNvSpPr txBox="1"/>
+          <p:nvPr/>
+        </p:nvSpPr>
+        <p:spPr>
+          <a:xfrm>
+            <a:off x="6343484" y="2160589"/>
+            <a:ext cx="3834989" cy="3880773"/>
+          </a:xfrm>
+          <a:prstGeom prst="rect">
+            <a:avLst/>
+          </a:prstGeom>
+        </p:spPr>
+        <p:txBody>
+          <a:bodyPr vert="horz" lIns="91440" tIns="45720" rIns="91440" bIns="45720" rtlCol="0">
+            <a:normAutofit/>
+          </a:bodyPr>
+          <a:lstStyle/>
+          <a:p>
+            <a:pPr>
+              <a:spcBef>
+                <a:spcPts val="1000"/>
+              </a:spcBef>
+              <a:buClr>
+                <a:schemeClr val="accent1"/>
+              </a:buClr>
+              <a:buSzPct val="80000"/>
+              <a:buFont typeface="Wingdings 3" charset="2"/>
+              <a:buChar char=""/>
+            </a:pPr>
+            <a:r>
+              <a:rPr lang="en-US" sz="2400" dirty="0">
+                <a:solidFill>
+                  <a:schemeClr val="tx1">
+                    <a:lumMod val="75000"/>
+                    <a:lumOff val="25000"/>
+                  </a:schemeClr>
+                </a:solidFill>
+              </a:rPr>
+              <a:t>- </a:t>
+            </a:r>
+            <a:r>
+              <a:rPr lang="en-US" sz="2400" dirty="0" err="1">
+                <a:solidFill>
+                  <a:schemeClr val="tx1">
+                    <a:lumMod val="75000"/>
+                    <a:lumOff val="25000"/>
+                  </a:schemeClr>
+                </a:solidFill>
+              </a:rPr>
+              <a:t>RandomOverSampling</a:t>
+            </a:r>
+            <a:r>
+              <a:rPr lang="en-US" sz="2400" dirty="0">
+                <a:solidFill>
+                  <a:schemeClr val="tx1">
+                    <a:lumMod val="75000"/>
+                    <a:lumOff val="25000"/>
+                  </a:schemeClr>
+                </a:solidFill>
+              </a:rPr>
+              <a:t>, </a:t>
+            </a:r>
+            <a:r>
+              <a:rPr lang="en-US" sz="2400" dirty="0" err="1">
+                <a:solidFill>
+                  <a:schemeClr val="tx1">
+                    <a:lumMod val="75000"/>
+                    <a:lumOff val="25000"/>
+                  </a:schemeClr>
+                </a:solidFill>
+              </a:rPr>
+              <a:t>RandomUnderSampling</a:t>
+            </a:r>
+            <a:r>
+              <a:rPr lang="en-US" sz="2400" dirty="0">
+                <a:solidFill>
+                  <a:schemeClr val="tx1">
+                    <a:lumMod val="75000"/>
+                    <a:lumOff val="25000"/>
+                  </a:schemeClr>
+                </a:solidFill>
+              </a:rPr>
+              <a:t>, </a:t>
+            </a:r>
+            <a:r>
+              <a:rPr lang="en-US" sz="2400" dirty="0" err="1">
+                <a:solidFill>
+                  <a:schemeClr val="tx1">
+                    <a:lumMod val="75000"/>
+                    <a:lumOff val="25000"/>
+                  </a:schemeClr>
+                </a:solidFill>
+              </a:rPr>
+              <a:t>NearMiss</a:t>
+            </a:r>
+            <a:r>
+              <a:rPr lang="en-US" sz="2400" dirty="0">
+                <a:solidFill>
+                  <a:schemeClr val="tx1">
+                    <a:lumMod val="75000"/>
+                    <a:lumOff val="25000"/>
+                  </a:schemeClr>
+                </a:solidFill>
+              </a:rPr>
+              <a:t> </a:t>
+            </a:r>
+            <a:r>
+              <a:rPr lang="en-US" sz="2400" dirty="0" err="1">
+                <a:solidFill>
+                  <a:schemeClr val="tx1">
+                    <a:lumMod val="75000"/>
+                    <a:lumOff val="25000"/>
+                  </a:schemeClr>
+                </a:solidFill>
+              </a:rPr>
+              <a:t>gibi</a:t>
+            </a:r>
+            <a:r>
+              <a:rPr lang="en-US" sz="2400" dirty="0">
+                <a:solidFill>
+                  <a:schemeClr val="tx1">
+                    <a:lumMod val="75000"/>
+                    <a:lumOff val="25000"/>
+                  </a:schemeClr>
+                </a:solidFill>
+              </a:rPr>
+              <a:t> </a:t>
+            </a:r>
+            <a:r>
+              <a:rPr lang="en-US" sz="2400" dirty="0" err="1">
+                <a:solidFill>
+                  <a:schemeClr val="tx1">
+                    <a:lumMod val="75000"/>
+                    <a:lumOff val="25000"/>
+                  </a:schemeClr>
+                </a:solidFill>
+              </a:rPr>
+              <a:t>teknikler</a:t>
+            </a:r>
+            <a:r>
+              <a:rPr lang="en-US" sz="2400" dirty="0">
+                <a:solidFill>
+                  <a:schemeClr val="tx1">
+                    <a:lumMod val="75000"/>
+                    <a:lumOff val="25000"/>
+                  </a:schemeClr>
+                </a:solidFill>
+              </a:rPr>
+              <a:t> </a:t>
+            </a:r>
+            <a:r>
+              <a:rPr lang="en-US" sz="2400" dirty="0" err="1">
+                <a:solidFill>
+                  <a:schemeClr val="tx1">
+                    <a:lumMod val="75000"/>
+                    <a:lumOff val="25000"/>
+                  </a:schemeClr>
+                </a:solidFill>
+              </a:rPr>
+              <a:t>denendi</a:t>
+            </a:r>
+            <a:endParaRPr lang="en-US" sz="2400" dirty="0">
+              <a:solidFill>
+                <a:schemeClr val="tx1">
+                  <a:lumMod val="75000"/>
+                  <a:lumOff val="25000"/>
+                </a:schemeClr>
+              </a:solidFill>
+            </a:endParaRPr>
+          </a:p>
+          <a:p>
+            <a:pPr marL="0" indent="0">
+              <a:spcBef>
+                <a:spcPts val="1000"/>
+              </a:spcBef>
+              <a:buClr>
+                <a:schemeClr val="accent1"/>
+              </a:buClr>
+              <a:buSzPct val="80000"/>
+              <a:buFont typeface="Wingdings 3" charset="2"/>
+              <a:buChar char=""/>
+            </a:pPr>
+            <a:r>
+              <a:rPr lang="en-US" sz="2400" dirty="0">
+                <a:solidFill>
+                  <a:schemeClr val="tx1">
+                    <a:lumMod val="75000"/>
+                    <a:lumOff val="25000"/>
+                  </a:schemeClr>
+                </a:solidFill>
+              </a:rPr>
+              <a:t>- </a:t>
+            </a:r>
+            <a:r>
+              <a:rPr lang="en-US" sz="2400" dirty="0" err="1">
+                <a:solidFill>
+                  <a:schemeClr val="tx1">
+                    <a:lumMod val="75000"/>
+                    <a:lumOff val="25000"/>
+                  </a:schemeClr>
+                </a:solidFill>
+              </a:rPr>
+              <a:t>Modele</a:t>
+            </a:r>
+            <a:r>
+              <a:rPr lang="en-US" sz="2400" dirty="0">
+                <a:solidFill>
+                  <a:schemeClr val="tx1">
+                    <a:lumMod val="75000"/>
+                    <a:lumOff val="25000"/>
+                  </a:schemeClr>
+                </a:solidFill>
+              </a:rPr>
+              <a:t> weights </a:t>
+            </a:r>
+            <a:r>
+              <a:rPr lang="en-US" sz="2400" dirty="0" err="1">
+                <a:solidFill>
+                  <a:schemeClr val="tx1">
+                    <a:lumMod val="75000"/>
+                    <a:lumOff val="25000"/>
+                  </a:schemeClr>
+                </a:solidFill>
+              </a:rPr>
+              <a:t>vererek</a:t>
+            </a:r>
+            <a:r>
+              <a:rPr lang="en-US" sz="2400" dirty="0">
+                <a:solidFill>
+                  <a:schemeClr val="tx1">
+                    <a:lumMod val="75000"/>
+                    <a:lumOff val="25000"/>
+                  </a:schemeClr>
+                </a:solidFill>
+              </a:rPr>
+              <a:t> </a:t>
+            </a:r>
+            <a:r>
+              <a:rPr lang="en-US" sz="2400" dirty="0" err="1">
+                <a:solidFill>
+                  <a:schemeClr val="tx1">
+                    <a:lumMod val="75000"/>
+                    <a:lumOff val="25000"/>
+                  </a:schemeClr>
+                </a:solidFill>
+              </a:rPr>
+              <a:t>denendi</a:t>
+            </a:r>
+            <a:r>
+              <a:rPr lang="en-US" sz="2400" dirty="0">
+                <a:solidFill>
+                  <a:schemeClr val="tx1">
+                    <a:lumMod val="75000"/>
+                    <a:lumOff val="25000"/>
+                  </a:schemeClr>
+                </a:solidFill>
+              </a:rPr>
+              <a:t>, penalty </a:t>
+            </a:r>
+            <a:r>
+              <a:rPr lang="en-US" sz="2400" dirty="0" err="1">
+                <a:solidFill>
+                  <a:schemeClr val="tx1">
+                    <a:lumMod val="75000"/>
+                    <a:lumOff val="25000"/>
+                  </a:schemeClr>
+                </a:solidFill>
+              </a:rPr>
+              <a:t>uygulandı</a:t>
+            </a:r>
+            <a:endParaRPr lang="en-US" sz="2400" dirty="0">
+              <a:solidFill>
+                <a:schemeClr val="tx1">
+                  <a:lumMod val="75000"/>
+                  <a:lumOff val="25000"/>
+                </a:schemeClr>
+              </a:solidFill>
+            </a:endParaRPr>
+          </a:p>
+        </p:txBody>
+      </p:sp>
+      <p:pic>
+        <p:nvPicPr>
+          <p:cNvPr id="4" name="Resim 3" descr="metin içeren bir resim&#10;&#10;Açıklama otomatik olarak oluşturuldu">
+            <a:extLst>
+              <a:ext uri="{FF2B5EF4-FFF2-40B4-BE49-F238E27FC236}">
+                <a16:creationId xmlns:a16="http://schemas.microsoft.com/office/drawing/2014/main" id="{C58E5C5D-1B40-43D4-AE33-EAD5A3D2742B}"/>
+              </a:ext>
+            </a:extLst>
+          </p:cNvPr>
+          <p:cNvPicPr>
+            <a:picLocks noChangeAspect="1"/>
+          </p:cNvPicPr>
+          <p:nvPr/>
+        </p:nvPicPr>
+        <p:blipFill>
+          <a:blip r:embed="rId3">
+            <a:extLst>
+              <a:ext uri="{28A0092B-C50C-407E-A947-70E740481C1C}">
+                <a14:useLocalDpi xmlns:a14="http://schemas.microsoft.com/office/drawing/2010/main" val="0"/>
+              </a:ext>
+            </a:extLst>
+          </a:blip>
+          <a:stretch>
+            <a:fillRect/>
+          </a:stretch>
+        </p:blipFill>
+        <p:spPr>
+          <a:xfrm>
+            <a:off x="677334" y="3561088"/>
+            <a:ext cx="5421162" cy="2358204"/>
+          </a:xfrm>
+          <a:prstGeom prst="rect">
+            <a:avLst/>
+          </a:prstGeom>
+        </p:spPr>
+      </p:pic>
+      <p:sp>
+        <p:nvSpPr>
+          <p:cNvPr id="8" name="Başlık 1">
+            <a:extLst>
+              <a:ext uri="{FF2B5EF4-FFF2-40B4-BE49-F238E27FC236}">
+                <a16:creationId xmlns:a16="http://schemas.microsoft.com/office/drawing/2014/main" id="{E07DE3B0-97B6-4B4C-93B7-A5A071EBFD92}"/>
+              </a:ext>
+            </a:extLst>
+          </p:cNvPr>
+          <p:cNvSpPr>
+            <a:spLocks noGrp="1"/>
+          </p:cNvSpPr>
+          <p:nvPr/>
+        </p:nvSpPr>
+        <p:spPr>
+          <a:xfrm>
+            <a:off x="11457479" y="6060420"/>
+            <a:ext cx="734521" cy="797580"/>
+          </a:xfrm>
+          <a:prstGeom prst="rect">
+            <a:avLst/>
+          </a:prstGeom>
+        </p:spPr>
+        <p:txBody>
+          <a:bodyPr vert="horz" lIns="91440" tIns="45720" rIns="91440" bIns="45720" rtlCol="0" anchor="t">
+            <a:normAutofit/>
+          </a:bodyPr>
+          <a:lstStyle>
+            <a:lvl1pPr algn="l" defTabSz="457200" rtl="0" eaLnBrk="1" latinLnBrk="0" hangingPunct="1">
+              <a:spcBef>
+                <a:spcPct val="0"/>
+              </a:spcBef>
+              <a:buNone/>
+              <a:defRPr sz="3600" kern="1200">
+                <a:solidFill>
+                  <a:schemeClr val="accent1"/>
+                </a:solidFill>
+                <a:latin typeface="+mj-lt"/>
+                <a:ea typeface="+mj-ea"/>
+                <a:cs typeface="+mj-cs"/>
+              </a:defRPr>
+            </a:lvl1pPr>
+            <a:lvl2pPr eaLnBrk="1" hangingPunct="1">
+              <a:defRPr>
+                <a:solidFill>
+                  <a:schemeClr val="tx2"/>
+                </a:solidFill>
+              </a:defRPr>
+            </a:lvl2pPr>
+            <a:lvl3pPr eaLnBrk="1" hangingPunct="1">
+              <a:defRPr>
+                <a:solidFill>
+                  <a:schemeClr val="tx2"/>
+                </a:solidFill>
+              </a:defRPr>
+            </a:lvl3pPr>
+            <a:lvl4pPr eaLnBrk="1" hangingPunct="1">
+              <a:defRPr>
+                <a:solidFill>
+                  <a:schemeClr val="tx2"/>
+                </a:solidFill>
+              </a:defRPr>
+            </a:lvl4pPr>
+            <a:lvl5pPr eaLnBrk="1" hangingPunct="1">
+              <a:defRPr>
+                <a:solidFill>
+                  <a:schemeClr val="tx2"/>
+                </a:solidFill>
+              </a:defRPr>
+            </a:lvl5pPr>
+            <a:lvl6pPr eaLnBrk="1" hangingPunct="1">
+              <a:defRPr>
+                <a:solidFill>
+                  <a:schemeClr val="tx2"/>
+                </a:solidFill>
+              </a:defRPr>
+            </a:lvl6pPr>
+            <a:lvl7pPr eaLnBrk="1" hangingPunct="1">
+              <a:defRPr>
+                <a:solidFill>
+                  <a:schemeClr val="tx2"/>
+                </a:solidFill>
+              </a:defRPr>
+            </a:lvl7pPr>
+            <a:lvl8pPr eaLnBrk="1" hangingPunct="1">
+              <a:defRPr>
+                <a:solidFill>
+                  <a:schemeClr val="tx2"/>
+                </a:solidFill>
+              </a:defRPr>
+            </a:lvl8pPr>
+            <a:lvl9pPr eaLnBrk="1" hangingPunct="1">
+              <a:defRPr>
+                <a:solidFill>
+                  <a:schemeClr val="tx2"/>
+                </a:solidFill>
+              </a:defRPr>
+            </a:lvl9pPr>
+          </a:lstStyle>
+          <a:p>
+            <a:r>
+              <a:rPr lang="tr-TR" dirty="0">
+                <a:solidFill>
+                  <a:schemeClr val="tx1"/>
+                </a:solidFill>
+              </a:rPr>
+              <a:t>8</a:t>
+            </a:r>
+            <a:endParaRPr lang="en-GB" dirty="0">
+              <a:solidFill>
+                <a:schemeClr val="tx1"/>
+              </a:solidFill>
+            </a:endParaRPr>
+          </a:p>
+        </p:txBody>
+      </p:sp>
+    </p:spTree>
+    <p:extLst>
+      <p:ext uri="{BB962C8B-B14F-4D97-AF65-F5344CB8AC3E}">
+        <p14:creationId xmlns:p14="http://schemas.microsoft.com/office/powerpoint/2010/main" val="727815837"/>
+      </p:ext>
+    </p:extLst>
+  </p:cSld>
+  <p:clrMapOvr>
+    <a:masterClrMapping/>
+  </p:clrMapOvr>
+</p:sld>
+</file>
+
+<file path=ppt/slides/slide8.xml><?xml version="1.0" encoding="utf-8"?>
+<p:sld xmlns:a="http://schemas.openxmlformats.org/drawingml/2006/main" xmlns:r="http://schemas.openxmlformats.org/officeDocument/2006/relationships" xmlns:p="http://schemas.openxmlformats.org/presentationml/2006/main">
+  <p:cSld>
+    <p:bg>
+      <p:bgPr>
+        <a:solidFill>
+          <a:schemeClr val="accent1"/>
+        </a:solidFill>
+        <a:effectLst/>
+      </p:bgPr>
+    </p:bg>
+    <p:spTree>
+      <p:nvGrpSpPr>
+        <p:cNvPr id="1" name=""/>
+        <p:cNvGrpSpPr/>
+        <p:nvPr/>
+      </p:nvGrpSpPr>
+      <p:grpSpPr>
+        <a:xfrm>
+          <a:off x="0" y="0"/>
+          <a:ext cx="0" cy="0"/>
+          <a:chOff x="0" y="0"/>
+          <a:chExt cx="0" cy="0"/>
+        </a:xfrm>
+      </p:grpSpPr>
+      <p:sp>
+        <p:nvSpPr>
+          <p:cNvPr id="2" name="Başlık 1">
+            <a:extLst>
+              <a:ext uri="{FF2B5EF4-FFF2-40B4-BE49-F238E27FC236}">
+                <a16:creationId xmlns:a16="http://schemas.microsoft.com/office/drawing/2014/main" id="{3C4E64FC-9D9E-4D77-8F04-B6BD1E19A515}"/>
+              </a:ext>
+            </a:extLst>
+          </p:cNvPr>
+          <p:cNvSpPr>
+            <a:spLocks noGrp="1"/>
+          </p:cNvSpPr>
+          <p:nvPr>
+            <p:ph type="title"/>
+          </p:nvPr>
+        </p:nvSpPr>
+        <p:spPr>
+          <a:xfrm>
+            <a:off x="101601" y="-61976"/>
+            <a:ext cx="8596668" cy="1320800"/>
+          </a:xfrm>
+        </p:spPr>
+        <p:txBody>
+          <a:bodyPr/>
+          <a:lstStyle/>
+          <a:p>
+            <a:r>
+              <a:rPr lang="tr-TR" sz="3600" dirty="0">
+                <a:solidFill>
+                  <a:schemeClr val="bg1"/>
+                </a:solidFill>
+              </a:rPr>
+              <a:t>Model</a:t>
+            </a:r>
+            <a:endParaRPr lang="en-GB" dirty="0">
+              <a:solidFill>
+                <a:schemeClr val="bg1"/>
+              </a:solidFill>
+            </a:endParaRPr>
+          </a:p>
+        </p:txBody>
+      </p:sp>
+      <p:pic>
+        <p:nvPicPr>
+          <p:cNvPr id="11" name="Resim 10" descr="metin içeren bir resim&#10;&#10;Açıklama otomatik olarak oluşturuldu">
+            <a:extLst>
+              <a:ext uri="{FF2B5EF4-FFF2-40B4-BE49-F238E27FC236}">
+                <a16:creationId xmlns:a16="http://schemas.microsoft.com/office/drawing/2014/main" id="{ED544E57-C414-465E-9638-670BB0AB6C52}"/>
+              </a:ext>
+            </a:extLst>
+          </p:cNvPr>
+          <p:cNvPicPr>
+            <a:picLocks noChangeAspect="1"/>
+          </p:cNvPicPr>
+          <p:nvPr/>
+        </p:nvPicPr>
+        <p:blipFill>
+          <a:blip r:embed="rId2">
+            <a:extLst>
+              <a:ext uri="{28A0092B-C50C-407E-A947-70E740481C1C}">
+                <a14:useLocalDpi xmlns:a14="http://schemas.microsoft.com/office/drawing/2010/main" val="0"/>
+              </a:ext>
+            </a:extLst>
+          </a:blip>
+          <a:stretch>
+            <a:fillRect/>
+          </a:stretch>
+        </p:blipFill>
+        <p:spPr>
+          <a:xfrm>
+            <a:off x="9699037" y="1102228"/>
+            <a:ext cx="2391362" cy="2125654"/>
+          </a:xfrm>
+          <a:prstGeom prst="rect">
+            <a:avLst/>
+          </a:prstGeom>
+        </p:spPr>
+      </p:pic>
+      <p:pic>
+        <p:nvPicPr>
+          <p:cNvPr id="13" name="Resim 12">
+            <a:extLst>
+              <a:ext uri="{FF2B5EF4-FFF2-40B4-BE49-F238E27FC236}">
+                <a16:creationId xmlns:a16="http://schemas.microsoft.com/office/drawing/2014/main" id="{7F90510D-BEB2-4037-9D0D-5B302115B7B5}"/>
+              </a:ext>
+            </a:extLst>
+          </p:cNvPr>
+          <p:cNvPicPr>
+            <a:picLocks noChangeAspect="1"/>
+          </p:cNvPicPr>
+          <p:nvPr/>
+        </p:nvPicPr>
+        <p:blipFill>
+          <a:blip r:embed="rId3">
+            <a:extLst>
+              <a:ext uri="{28A0092B-C50C-407E-A947-70E740481C1C}">
+                <a14:useLocalDpi xmlns:a14="http://schemas.microsoft.com/office/drawing/2010/main" val="0"/>
+              </a:ext>
+            </a:extLst>
+          </a:blip>
+          <a:stretch>
+            <a:fillRect/>
+          </a:stretch>
+        </p:blipFill>
+        <p:spPr>
+          <a:xfrm>
+            <a:off x="-823712" y="-145656"/>
+            <a:ext cx="4622899" cy="2147918"/>
+          </a:xfrm>
+          <a:prstGeom prst="rect">
+            <a:avLst/>
+          </a:prstGeom>
+        </p:spPr>
+      </p:pic>
+      <p:sp>
+        <p:nvSpPr>
+          <p:cNvPr id="15" name="Metin kutusu 14">
+            <a:extLst>
+              <a:ext uri="{FF2B5EF4-FFF2-40B4-BE49-F238E27FC236}">
+                <a16:creationId xmlns:a16="http://schemas.microsoft.com/office/drawing/2014/main" id="{F7E1485C-54C1-4D49-B9BC-27E36F1A44A4}"/>
+              </a:ext>
+            </a:extLst>
+          </p:cNvPr>
+          <p:cNvSpPr txBox="1"/>
+          <p:nvPr/>
+        </p:nvSpPr>
+        <p:spPr>
+          <a:xfrm>
+            <a:off x="11634" y="1258824"/>
+            <a:ext cx="5716511" cy="2062103"/>
+          </a:xfrm>
+          <a:prstGeom prst="rect">
+            <a:avLst/>
+          </a:prstGeom>
+          <a:noFill/>
+        </p:spPr>
+        <p:txBody>
+          <a:bodyPr wrap="square">
+            <a:spAutoFit/>
+          </a:bodyPr>
+          <a:lstStyle/>
+          <a:p>
+            <a:pPr marL="285750" indent="-285750">
+              <a:buFontTx/>
+              <a:buChar char="-"/>
+            </a:pPr>
+            <a:r>
+              <a:rPr lang="tr-TR" sz="3200" dirty="0" err="1">
+                <a:solidFill>
+                  <a:schemeClr val="bg1"/>
+                </a:solidFill>
+              </a:rPr>
+              <a:t>Tree</a:t>
+            </a:r>
+            <a:r>
+              <a:rPr lang="tr-TR" sz="3200" dirty="0">
+                <a:solidFill>
+                  <a:schemeClr val="bg1"/>
+                </a:solidFill>
+              </a:rPr>
+              <a:t> </a:t>
+            </a:r>
+            <a:r>
+              <a:rPr lang="tr-TR" sz="3200" dirty="0" err="1">
+                <a:solidFill>
+                  <a:schemeClr val="bg1"/>
+                </a:solidFill>
+              </a:rPr>
+              <a:t>based</a:t>
+            </a:r>
+            <a:endParaRPr lang="tr-TR" sz="3200" dirty="0">
+              <a:solidFill>
+                <a:schemeClr val="bg1"/>
+              </a:solidFill>
+            </a:endParaRPr>
+          </a:p>
+          <a:p>
+            <a:pPr marL="285750" indent="-285750">
+              <a:buFontTx/>
+              <a:buChar char="-"/>
+            </a:pPr>
+            <a:r>
+              <a:rPr lang="tr-TR" sz="3200" dirty="0">
+                <a:solidFill>
+                  <a:schemeClr val="bg1"/>
+                </a:solidFill>
+              </a:rPr>
+              <a:t>GPU</a:t>
+            </a:r>
+          </a:p>
+          <a:p>
+            <a:pPr marL="285750" indent="-285750">
+              <a:buFontTx/>
+              <a:buChar char="-"/>
+            </a:pPr>
+            <a:r>
+              <a:rPr lang="tr-TR" sz="3200" dirty="0">
+                <a:solidFill>
+                  <a:schemeClr val="bg1"/>
+                </a:solidFill>
+              </a:rPr>
+              <a:t>Handling </a:t>
+            </a:r>
+          </a:p>
+          <a:p>
+            <a:r>
+              <a:rPr lang="tr-TR" sz="3200" dirty="0" err="1">
+                <a:solidFill>
+                  <a:schemeClr val="bg1"/>
+                </a:solidFill>
+              </a:rPr>
+              <a:t>Imbalance</a:t>
+            </a:r>
+            <a:r>
+              <a:rPr lang="tr-TR" sz="3200" dirty="0">
+                <a:solidFill>
+                  <a:schemeClr val="bg1"/>
+                </a:solidFill>
+              </a:rPr>
+              <a:t> </a:t>
+            </a:r>
+            <a:r>
+              <a:rPr lang="tr-TR" sz="3200" dirty="0" err="1">
+                <a:solidFill>
+                  <a:schemeClr val="bg1"/>
+                </a:solidFill>
+              </a:rPr>
+              <a:t>dataset</a:t>
+            </a:r>
+            <a:endParaRPr lang="tr-TR" sz="3200" dirty="0">
+              <a:solidFill>
+                <a:schemeClr val="bg1"/>
+              </a:solidFill>
+            </a:endParaRPr>
+          </a:p>
+        </p:txBody>
+      </p:sp>
+      <p:pic>
+        <p:nvPicPr>
+          <p:cNvPr id="4" name="Resim 3" descr="tablo içeren bir resim&#10;&#10;Açıklama otomatik olarak oluşturuldu">
+            <a:extLst>
+              <a:ext uri="{FF2B5EF4-FFF2-40B4-BE49-F238E27FC236}">
+                <a16:creationId xmlns:a16="http://schemas.microsoft.com/office/drawing/2014/main" id="{CD77EABD-505F-46C3-AD4D-7C8B78662B0D}"/>
+              </a:ext>
+            </a:extLst>
+          </p:cNvPr>
+          <p:cNvPicPr>
+            <a:picLocks noChangeAspect="1"/>
+          </p:cNvPicPr>
+          <p:nvPr/>
+        </p:nvPicPr>
+        <p:blipFill>
+          <a:blip r:embed="rId4">
+            <a:extLst>
+              <a:ext uri="{28A0092B-C50C-407E-A947-70E740481C1C}">
+                <a14:useLocalDpi xmlns:a14="http://schemas.microsoft.com/office/drawing/2010/main" val="0"/>
+              </a:ext>
+            </a:extLst>
+          </a:blip>
+          <a:stretch>
+            <a:fillRect/>
+          </a:stretch>
+        </p:blipFill>
+        <p:spPr>
+          <a:xfrm>
+            <a:off x="7616446" y="4372514"/>
+            <a:ext cx="4473953" cy="2364473"/>
+          </a:xfrm>
+          <a:prstGeom prst="rect">
+            <a:avLst/>
+          </a:prstGeom>
+        </p:spPr>
+      </p:pic>
+      <p:sp>
+        <p:nvSpPr>
+          <p:cNvPr id="10" name="Metin kutusu 9">
+            <a:extLst>
+              <a:ext uri="{FF2B5EF4-FFF2-40B4-BE49-F238E27FC236}">
+                <a16:creationId xmlns:a16="http://schemas.microsoft.com/office/drawing/2014/main" id="{5BDE9D91-0F26-4CD0-9F67-7828597F7BAE}"/>
+              </a:ext>
+            </a:extLst>
+          </p:cNvPr>
+          <p:cNvSpPr txBox="1"/>
+          <p:nvPr/>
+        </p:nvSpPr>
+        <p:spPr>
+          <a:xfrm>
+            <a:off x="8324474" y="3696539"/>
+            <a:ext cx="5577119" cy="584775"/>
+          </a:xfrm>
+          <a:prstGeom prst="rect">
+            <a:avLst/>
+          </a:prstGeom>
+          <a:noFill/>
+        </p:spPr>
+        <p:txBody>
+          <a:bodyPr wrap="square">
+            <a:spAutoFit/>
+          </a:bodyPr>
+          <a:lstStyle/>
+          <a:p>
+            <a:r>
+              <a:rPr lang="tr-TR" sz="3200" dirty="0" err="1">
+                <a:solidFill>
+                  <a:schemeClr val="bg1"/>
+                </a:solidFill>
+              </a:rPr>
+              <a:t>Confusion</a:t>
+            </a:r>
+            <a:r>
+              <a:rPr lang="tr-TR" sz="3200" dirty="0">
+                <a:solidFill>
+                  <a:schemeClr val="bg1"/>
+                </a:solidFill>
+              </a:rPr>
+              <a:t> </a:t>
+            </a:r>
+            <a:r>
+              <a:rPr lang="tr-TR" sz="3200" dirty="0" err="1">
+                <a:solidFill>
+                  <a:schemeClr val="bg1"/>
+                </a:solidFill>
+              </a:rPr>
+              <a:t>Matrix</a:t>
+            </a:r>
+            <a:endParaRPr lang="tr-TR" sz="3200" dirty="0">
+              <a:solidFill>
+                <a:schemeClr val="bg1"/>
+              </a:solidFill>
+            </a:endParaRPr>
+          </a:p>
+        </p:txBody>
+      </p:sp>
+      <p:sp>
+        <p:nvSpPr>
+          <p:cNvPr id="12" name="Metin kutusu 11">
+            <a:extLst>
+              <a:ext uri="{FF2B5EF4-FFF2-40B4-BE49-F238E27FC236}">
+                <a16:creationId xmlns:a16="http://schemas.microsoft.com/office/drawing/2014/main" id="{B9EBF3AE-4BCE-4A51-B65A-39E928A5B169}"/>
+              </a:ext>
+            </a:extLst>
+          </p:cNvPr>
+          <p:cNvSpPr txBox="1"/>
+          <p:nvPr/>
+        </p:nvSpPr>
+        <p:spPr>
+          <a:xfrm>
+            <a:off x="9853422" y="343528"/>
+            <a:ext cx="5577119" cy="584775"/>
+          </a:xfrm>
+          <a:prstGeom prst="rect">
+            <a:avLst/>
+          </a:prstGeom>
+          <a:noFill/>
+        </p:spPr>
+        <p:txBody>
+          <a:bodyPr wrap="square">
+            <a:spAutoFit/>
+          </a:bodyPr>
+          <a:lstStyle/>
+          <a:p>
+            <a:r>
+              <a:rPr lang="tr-TR" sz="3200" dirty="0">
+                <a:solidFill>
+                  <a:schemeClr val="bg1"/>
+                </a:solidFill>
+              </a:rPr>
+              <a:t>CV </a:t>
+            </a:r>
+            <a:r>
+              <a:rPr lang="tr-TR" sz="3200" dirty="0" err="1">
+                <a:solidFill>
+                  <a:schemeClr val="bg1"/>
+                </a:solidFill>
+              </a:rPr>
+              <a:t>Scores</a:t>
+            </a:r>
+            <a:endParaRPr lang="tr-TR" sz="3200" dirty="0">
+              <a:solidFill>
+                <a:schemeClr val="bg1"/>
+              </a:solidFill>
+            </a:endParaRPr>
+          </a:p>
+        </p:txBody>
+      </p:sp>
+      <p:pic>
+        <p:nvPicPr>
+          <p:cNvPr id="6" name="Resim 5" descr="metin, cihaz, metre içeren bir resim&#10;&#10;Açıklama otomatik olarak oluşturuldu">
+            <a:extLst>
+              <a:ext uri="{FF2B5EF4-FFF2-40B4-BE49-F238E27FC236}">
+                <a16:creationId xmlns:a16="http://schemas.microsoft.com/office/drawing/2014/main" id="{0A2E3B98-01AE-405C-B1AD-95C4503F7926}"/>
+              </a:ext>
+            </a:extLst>
+          </p:cNvPr>
+          <p:cNvPicPr>
+            <a:picLocks noChangeAspect="1"/>
+          </p:cNvPicPr>
+          <p:nvPr/>
+        </p:nvPicPr>
+        <p:blipFill>
+          <a:blip r:embed="rId5">
+            <a:extLst>
+              <a:ext uri="{28A0092B-C50C-407E-A947-70E740481C1C}">
+                <a14:useLocalDpi xmlns:a14="http://schemas.microsoft.com/office/drawing/2010/main" val="0"/>
+              </a:ext>
+            </a:extLst>
+          </a:blip>
+          <a:stretch>
+            <a:fillRect/>
+          </a:stretch>
+        </p:blipFill>
+        <p:spPr>
+          <a:xfrm>
+            <a:off x="444608" y="4471094"/>
+            <a:ext cx="6220652" cy="2265893"/>
+          </a:xfrm>
+          <a:prstGeom prst="rect">
+            <a:avLst/>
+          </a:prstGeom>
+        </p:spPr>
+      </p:pic>
+      <p:sp>
+        <p:nvSpPr>
+          <p:cNvPr id="14" name="Metin kutusu 13">
+            <a:extLst>
+              <a:ext uri="{FF2B5EF4-FFF2-40B4-BE49-F238E27FC236}">
+                <a16:creationId xmlns:a16="http://schemas.microsoft.com/office/drawing/2014/main" id="{62695675-BAFC-489A-92CA-DEC6644186A4}"/>
+              </a:ext>
+            </a:extLst>
+          </p:cNvPr>
+          <p:cNvSpPr txBox="1"/>
+          <p:nvPr/>
+        </p:nvSpPr>
+        <p:spPr>
+          <a:xfrm>
+            <a:off x="5780320" y="343528"/>
+            <a:ext cx="5577119" cy="584775"/>
+          </a:xfrm>
+          <a:prstGeom prst="rect">
+            <a:avLst/>
+          </a:prstGeom>
+          <a:noFill/>
+        </p:spPr>
+        <p:txBody>
+          <a:bodyPr wrap="square">
+            <a:spAutoFit/>
+          </a:bodyPr>
+          <a:lstStyle/>
+          <a:p>
+            <a:r>
+              <a:rPr lang="tr-TR" sz="3200" dirty="0">
+                <a:solidFill>
+                  <a:schemeClr val="bg1"/>
+                </a:solidFill>
+              </a:rPr>
+              <a:t>Best </a:t>
+            </a:r>
+            <a:r>
+              <a:rPr lang="tr-TR" sz="3200" dirty="0" err="1">
+                <a:solidFill>
+                  <a:schemeClr val="bg1"/>
+                </a:solidFill>
+              </a:rPr>
+              <a:t>Params</a:t>
+            </a:r>
+            <a:endParaRPr lang="tr-TR" sz="3200" dirty="0">
+              <a:solidFill>
+                <a:schemeClr val="bg1"/>
+              </a:solidFill>
+            </a:endParaRPr>
+          </a:p>
+        </p:txBody>
+      </p:sp>
+      <p:sp>
+        <p:nvSpPr>
+          <p:cNvPr id="16" name="Metin kutusu 15">
+            <a:extLst>
+              <a:ext uri="{FF2B5EF4-FFF2-40B4-BE49-F238E27FC236}">
+                <a16:creationId xmlns:a16="http://schemas.microsoft.com/office/drawing/2014/main" id="{5B16C017-E628-4D41-95C1-E1F4E374F03D}"/>
+              </a:ext>
+            </a:extLst>
+          </p:cNvPr>
+          <p:cNvSpPr txBox="1"/>
+          <p:nvPr/>
+        </p:nvSpPr>
+        <p:spPr>
+          <a:xfrm>
+            <a:off x="1684580" y="3787739"/>
+            <a:ext cx="5577119" cy="584775"/>
+          </a:xfrm>
+          <a:prstGeom prst="rect">
+            <a:avLst/>
+          </a:prstGeom>
+          <a:noFill/>
+        </p:spPr>
+        <p:txBody>
+          <a:bodyPr wrap="square">
+            <a:spAutoFit/>
+          </a:bodyPr>
+          <a:lstStyle/>
+          <a:p>
+            <a:r>
+              <a:rPr lang="tr-TR" sz="3200" dirty="0" err="1">
+                <a:solidFill>
+                  <a:schemeClr val="bg1"/>
+                </a:solidFill>
+              </a:rPr>
+              <a:t>Classification</a:t>
+            </a:r>
+            <a:r>
+              <a:rPr lang="tr-TR" sz="3200" dirty="0">
+                <a:solidFill>
+                  <a:schemeClr val="bg1"/>
+                </a:solidFill>
+              </a:rPr>
+              <a:t> Report</a:t>
+            </a:r>
+          </a:p>
+        </p:txBody>
+      </p:sp>
+      <p:pic>
+        <p:nvPicPr>
+          <p:cNvPr id="9" name="Resim 8" descr="tablo içeren bir resim&#10;&#10;Açıklama otomatik olarak oluşturuldu">
+            <a:extLst>
+              <a:ext uri="{FF2B5EF4-FFF2-40B4-BE49-F238E27FC236}">
+                <a16:creationId xmlns:a16="http://schemas.microsoft.com/office/drawing/2014/main" id="{FCA8A2EA-B82F-47A4-AF04-4D39798F0A20}"/>
+              </a:ext>
+            </a:extLst>
+          </p:cNvPr>
+          <p:cNvPicPr>
+            <a:picLocks noChangeAspect="1"/>
+          </p:cNvPicPr>
+          <p:nvPr/>
+        </p:nvPicPr>
+        <p:blipFill>
+          <a:blip r:embed="rId6">
+            <a:extLst>
+              <a:ext uri="{28A0092B-C50C-407E-A947-70E740481C1C}">
+                <a14:useLocalDpi xmlns:a14="http://schemas.microsoft.com/office/drawing/2010/main" val="0"/>
+              </a:ext>
+            </a:extLst>
+          </a:blip>
+          <a:stretch>
+            <a:fillRect/>
+          </a:stretch>
+        </p:blipFill>
+        <p:spPr>
+          <a:xfrm>
+            <a:off x="7050098" y="897323"/>
+            <a:ext cx="2436421" cy="2125653"/>
+          </a:xfrm>
+          <a:prstGeom prst="rect">
+            <a:avLst/>
+          </a:prstGeom>
+        </p:spPr>
+      </p:pic>
+      <p:pic>
+        <p:nvPicPr>
+          <p:cNvPr id="19" name="Resim 18" descr="tablo içeren bir resim&#10;&#10;Açıklama otomatik olarak oluşturuldu">
+            <a:extLst>
+              <a:ext uri="{FF2B5EF4-FFF2-40B4-BE49-F238E27FC236}">
+                <a16:creationId xmlns:a16="http://schemas.microsoft.com/office/drawing/2014/main" id="{D9029BD8-4747-40A6-A541-F4E06971D633}"/>
+              </a:ext>
+            </a:extLst>
+          </p:cNvPr>
+          <p:cNvPicPr>
+            <a:picLocks noChangeAspect="1"/>
+          </p:cNvPicPr>
+          <p:nvPr/>
+        </p:nvPicPr>
+        <p:blipFill>
+          <a:blip r:embed="rId7">
+            <a:extLst>
+              <a:ext uri="{28A0092B-C50C-407E-A947-70E740481C1C}">
+                <a14:useLocalDpi xmlns:a14="http://schemas.microsoft.com/office/drawing/2010/main" val="0"/>
+              </a:ext>
+            </a:extLst>
+          </a:blip>
+          <a:stretch>
+            <a:fillRect/>
+          </a:stretch>
+        </p:blipFill>
+        <p:spPr>
+          <a:xfrm>
+            <a:off x="3558636" y="897323"/>
+            <a:ext cx="3416535" cy="2125652"/>
+          </a:xfrm>
+          <a:prstGeom prst="rect">
+            <a:avLst/>
+          </a:prstGeom>
+        </p:spPr>
+      </p:pic>
+      <p:sp>
+        <p:nvSpPr>
+          <p:cNvPr id="17" name="Başlık 1">
+            <a:extLst>
+              <a:ext uri="{FF2B5EF4-FFF2-40B4-BE49-F238E27FC236}">
+                <a16:creationId xmlns:a16="http://schemas.microsoft.com/office/drawing/2014/main" id="{9550CD77-7567-4DAB-B59F-609091A6652E}"/>
+              </a:ext>
+            </a:extLst>
+          </p:cNvPr>
+          <p:cNvSpPr>
+            <a:spLocks noGrp="1"/>
+          </p:cNvSpPr>
+          <p:nvPr/>
+        </p:nvSpPr>
+        <p:spPr>
+          <a:xfrm>
+            <a:off x="0" y="6161004"/>
+            <a:ext cx="734521" cy="797580"/>
+          </a:xfrm>
+          <a:prstGeom prst="rect">
+            <a:avLst/>
+          </a:prstGeom>
+        </p:spPr>
+        <p:txBody>
+          <a:bodyPr vert="horz" lIns="91440" tIns="45720" rIns="91440" bIns="45720" rtlCol="0" anchor="t">
+            <a:normAutofit/>
+          </a:bodyPr>
+          <a:lstStyle>
+            <a:lvl1pPr algn="l" defTabSz="457200" rtl="0" eaLnBrk="1" latinLnBrk="0" hangingPunct="1">
+              <a:spcBef>
+                <a:spcPct val="0"/>
+              </a:spcBef>
+              <a:buNone/>
+              <a:defRPr sz="3600" kern="1200">
+                <a:solidFill>
+                  <a:schemeClr val="accent1"/>
+                </a:solidFill>
+                <a:latin typeface="+mj-lt"/>
+                <a:ea typeface="+mj-ea"/>
+                <a:cs typeface="+mj-cs"/>
+              </a:defRPr>
+            </a:lvl1pPr>
+            <a:lvl2pPr eaLnBrk="1" hangingPunct="1">
+              <a:defRPr>
+                <a:solidFill>
+                  <a:schemeClr val="tx2"/>
+                </a:solidFill>
+              </a:defRPr>
+            </a:lvl2pPr>
+            <a:lvl3pPr eaLnBrk="1" hangingPunct="1">
+              <a:defRPr>
+                <a:solidFill>
+                  <a:schemeClr val="tx2"/>
+                </a:solidFill>
+              </a:defRPr>
+            </a:lvl3pPr>
+            <a:lvl4pPr eaLnBrk="1" hangingPunct="1">
+              <a:defRPr>
+                <a:solidFill>
+                  <a:schemeClr val="tx2"/>
+                </a:solidFill>
+              </a:defRPr>
+            </a:lvl4pPr>
+            <a:lvl5pPr eaLnBrk="1" hangingPunct="1">
+              <a:defRPr>
+                <a:solidFill>
+                  <a:schemeClr val="tx2"/>
+                </a:solidFill>
+              </a:defRPr>
+            </a:lvl5pPr>
+            <a:lvl6pPr eaLnBrk="1" hangingPunct="1">
+              <a:defRPr>
+                <a:solidFill>
+                  <a:schemeClr val="tx2"/>
+                </a:solidFill>
+              </a:defRPr>
+            </a:lvl6pPr>
+            <a:lvl7pPr eaLnBrk="1" hangingPunct="1">
+              <a:defRPr>
+                <a:solidFill>
+                  <a:schemeClr val="tx2"/>
+                </a:solidFill>
+              </a:defRPr>
+            </a:lvl7pPr>
+            <a:lvl8pPr eaLnBrk="1" hangingPunct="1">
+              <a:defRPr>
+                <a:solidFill>
+                  <a:schemeClr val="tx2"/>
+                </a:solidFill>
+              </a:defRPr>
+            </a:lvl8pPr>
+            <a:lvl9pPr eaLnBrk="1" hangingPunct="1">
+              <a:defRPr>
+                <a:solidFill>
+                  <a:schemeClr val="tx2"/>
+                </a:solidFill>
+              </a:defRPr>
+            </a:lvl9pPr>
+          </a:lstStyle>
+          <a:p>
+            <a:r>
+              <a:rPr lang="tr-TR" dirty="0">
+                <a:solidFill>
+                  <a:schemeClr val="tx1"/>
+                </a:solidFill>
+              </a:rPr>
+              <a:t>9</a:t>
+            </a:r>
+            <a:endParaRPr lang="en-GB" dirty="0">
+              <a:solidFill>
+                <a:schemeClr val="tx1"/>
+              </a:solidFill>
+            </a:endParaRPr>
+          </a:p>
+        </p:txBody>
+      </p:sp>
+    </p:spTree>
+    <p:extLst>
+      <p:ext uri="{BB962C8B-B14F-4D97-AF65-F5344CB8AC3E}">
+        <p14:creationId xmlns:p14="http://schemas.microsoft.com/office/powerpoint/2010/main" val="1639173547"/>
+      </p:ext>
+    </p:extLst>
+  </p:cSld>
+  <p:clrMapOvr>
+    <a:masterClrMapping/>
+  </p:clrMapOvr>
+</p:sld>
+</file>
+
+<file path=ppt/slides/slide9.xml><?xml version="1.0" encoding="utf-8"?>
 <p:sld xmlns:a="http://schemas.openxmlformats.org/drawingml/2006/main" xmlns:r="http://schemas.openxmlformats.org/officeDocument/2006/relationships" xmlns:p="http://schemas.openxmlformats.org/presentationml/2006/main">
   <p:cSld>
     <p:bg>
@@ -13299,4539 +17113,6 @@
     <p:extLst>
       <p:ext uri="{BB962C8B-B14F-4D97-AF65-F5344CB8AC3E}">
         <p14:creationId xmlns:p14="http://schemas.microsoft.com/office/powerpoint/2010/main" val="324570721"/>
-      </p:ext>
-    </p:extLst>
-  </p:cSld>
-  <p:clrMapOvr>
-    <a:masterClrMapping/>
-  </p:clrMapOvr>
-</p:sld>
-</file>
-
-<file path=ppt/slides/slide11.xml><?xml version="1.0" encoding="utf-8"?>
-<p:sld xmlns:a="http://schemas.openxmlformats.org/drawingml/2006/main" xmlns:r="http://schemas.openxmlformats.org/officeDocument/2006/relationships" xmlns:p="http://schemas.openxmlformats.org/presentationml/2006/main" showMasterSp="0">
-  <p:cSld>
-    <p:bg>
-      <p:bgPr>
-        <a:solidFill>
-          <a:schemeClr val="accent1"/>
-        </a:solidFill>
-        <a:effectLst/>
-      </p:bgPr>
-    </p:bg>
-    <p:spTree>
-      <p:nvGrpSpPr>
-        <p:cNvPr id="1" name=""/>
-        <p:cNvGrpSpPr/>
-        <p:nvPr/>
-      </p:nvGrpSpPr>
-      <p:grpSpPr>
-        <a:xfrm>
-          <a:off x="0" y="0"/>
-          <a:ext cx="0" cy="0"/>
-          <a:chOff x="0" y="0"/>
-          <a:chExt cx="0" cy="0"/>
-        </a:xfrm>
-      </p:grpSpPr>
-      <p:pic>
-        <p:nvPicPr>
-          <p:cNvPr id="7" name="İçerik Yer Tutucusu 6">
-            <a:extLst>
-              <a:ext uri="{FF2B5EF4-FFF2-40B4-BE49-F238E27FC236}">
-                <a16:creationId xmlns:a16="http://schemas.microsoft.com/office/drawing/2014/main" id="{0006A4BF-F6FD-463A-85F2-4075B76A1DC1}"/>
-              </a:ext>
-            </a:extLst>
-          </p:cNvPr>
-          <p:cNvPicPr>
-            <a:picLocks noGrp="1" noChangeAspect="1"/>
-          </p:cNvPicPr>
-          <p:nvPr>
-            <p:ph idx="1"/>
-          </p:nvPr>
-        </p:nvPicPr>
-        <p:blipFill>
-          <a:blip r:embed="rId2">
-            <a:extLst>
-              <a:ext uri="{28A0092B-C50C-407E-A947-70E740481C1C}">
-                <a14:useLocalDpi xmlns:a14="http://schemas.microsoft.com/office/drawing/2010/main" val="0"/>
-              </a:ext>
-            </a:extLst>
-          </a:blip>
-          <a:stretch>
-            <a:fillRect/>
-          </a:stretch>
-        </p:blipFill>
-        <p:spPr>
-          <a:xfrm>
-            <a:off x="3785302" y="1386865"/>
-            <a:ext cx="4621395" cy="4621395"/>
-          </a:xfrm>
-        </p:spPr>
-      </p:pic>
-      <p:sp>
-        <p:nvSpPr>
-          <p:cNvPr id="5" name="Başlık 4">
-            <a:extLst>
-              <a:ext uri="{FF2B5EF4-FFF2-40B4-BE49-F238E27FC236}">
-                <a16:creationId xmlns:a16="http://schemas.microsoft.com/office/drawing/2014/main" id="{BD7FB840-70F2-46C4-B741-793C7BF2EC41}"/>
-              </a:ext>
-            </a:extLst>
-          </p:cNvPr>
-          <p:cNvSpPr>
-            <a:spLocks noGrp="1"/>
-          </p:cNvSpPr>
-          <p:nvPr>
-            <p:ph type="title"/>
-          </p:nvPr>
-        </p:nvSpPr>
-        <p:spPr/>
-        <p:txBody>
-          <a:bodyPr/>
-          <a:lstStyle/>
-          <a:p>
-            <a:r>
-              <a:rPr lang="tr-TR" dirty="0">
-                <a:solidFill>
-                  <a:schemeClr val="bg1"/>
-                </a:solidFill>
-              </a:rPr>
-              <a:t>SORU-CEVAP</a:t>
-            </a:r>
-            <a:endParaRPr lang="en-GB" dirty="0">
-              <a:solidFill>
-                <a:schemeClr val="bg1"/>
-              </a:solidFill>
-            </a:endParaRPr>
-          </a:p>
-        </p:txBody>
-      </p:sp>
-      <p:sp>
-        <p:nvSpPr>
-          <p:cNvPr id="6" name="Başlık 1">
-            <a:extLst>
-              <a:ext uri="{FF2B5EF4-FFF2-40B4-BE49-F238E27FC236}">
-                <a16:creationId xmlns:a16="http://schemas.microsoft.com/office/drawing/2014/main" id="{6DCFB933-51BB-4C0A-84B4-764E7901F572}"/>
-              </a:ext>
-            </a:extLst>
-          </p:cNvPr>
-          <p:cNvSpPr>
-            <a:spLocks noGrp="1"/>
-          </p:cNvSpPr>
-          <p:nvPr/>
-        </p:nvSpPr>
-        <p:spPr>
-          <a:xfrm>
-            <a:off x="11457479" y="6060420"/>
-            <a:ext cx="734521" cy="797580"/>
-          </a:xfrm>
-          <a:prstGeom prst="rect">
-            <a:avLst/>
-          </a:prstGeom>
-        </p:spPr>
-        <p:txBody>
-          <a:bodyPr vert="horz" lIns="91440" tIns="45720" rIns="91440" bIns="45720" rtlCol="0" anchor="t">
-            <a:normAutofit/>
-          </a:bodyPr>
-          <a:lstStyle>
-            <a:lvl1pPr algn="l" defTabSz="457200" rtl="0" eaLnBrk="1" latinLnBrk="0" hangingPunct="1">
-              <a:spcBef>
-                <a:spcPct val="0"/>
-              </a:spcBef>
-              <a:buNone/>
-              <a:defRPr sz="3600" kern="1200">
-                <a:solidFill>
-                  <a:schemeClr val="accent1"/>
-                </a:solidFill>
-                <a:latin typeface="+mj-lt"/>
-                <a:ea typeface="+mj-ea"/>
-                <a:cs typeface="+mj-cs"/>
-              </a:defRPr>
-            </a:lvl1pPr>
-            <a:lvl2pPr eaLnBrk="1" hangingPunct="1">
-              <a:defRPr>
-                <a:solidFill>
-                  <a:schemeClr val="tx2"/>
-                </a:solidFill>
-              </a:defRPr>
-            </a:lvl2pPr>
-            <a:lvl3pPr eaLnBrk="1" hangingPunct="1">
-              <a:defRPr>
-                <a:solidFill>
-                  <a:schemeClr val="tx2"/>
-                </a:solidFill>
-              </a:defRPr>
-            </a:lvl3pPr>
-            <a:lvl4pPr eaLnBrk="1" hangingPunct="1">
-              <a:defRPr>
-                <a:solidFill>
-                  <a:schemeClr val="tx2"/>
-                </a:solidFill>
-              </a:defRPr>
-            </a:lvl4pPr>
-            <a:lvl5pPr eaLnBrk="1" hangingPunct="1">
-              <a:defRPr>
-                <a:solidFill>
-                  <a:schemeClr val="tx2"/>
-                </a:solidFill>
-              </a:defRPr>
-            </a:lvl5pPr>
-            <a:lvl6pPr eaLnBrk="1" hangingPunct="1">
-              <a:defRPr>
-                <a:solidFill>
-                  <a:schemeClr val="tx2"/>
-                </a:solidFill>
-              </a:defRPr>
-            </a:lvl6pPr>
-            <a:lvl7pPr eaLnBrk="1" hangingPunct="1">
-              <a:defRPr>
-                <a:solidFill>
-                  <a:schemeClr val="tx2"/>
-                </a:solidFill>
-              </a:defRPr>
-            </a:lvl7pPr>
-            <a:lvl8pPr eaLnBrk="1" hangingPunct="1">
-              <a:defRPr>
-                <a:solidFill>
-                  <a:schemeClr val="tx2"/>
-                </a:solidFill>
-              </a:defRPr>
-            </a:lvl8pPr>
-            <a:lvl9pPr eaLnBrk="1" hangingPunct="1">
-              <a:defRPr>
-                <a:solidFill>
-                  <a:schemeClr val="tx2"/>
-                </a:solidFill>
-              </a:defRPr>
-            </a:lvl9pPr>
-          </a:lstStyle>
-          <a:p>
-            <a:r>
-              <a:rPr lang="tr-TR" dirty="0">
-                <a:solidFill>
-                  <a:schemeClr val="tx1"/>
-                </a:solidFill>
-              </a:rPr>
-              <a:t>11</a:t>
-            </a:r>
-            <a:endParaRPr lang="en-GB" dirty="0">
-              <a:solidFill>
-                <a:schemeClr val="tx1"/>
-              </a:solidFill>
-            </a:endParaRPr>
-          </a:p>
-        </p:txBody>
-      </p:sp>
-    </p:spTree>
-    <p:extLst>
-      <p:ext uri="{BB962C8B-B14F-4D97-AF65-F5344CB8AC3E}">
-        <p14:creationId xmlns:p14="http://schemas.microsoft.com/office/powerpoint/2010/main" val="2859731721"/>
-      </p:ext>
-    </p:extLst>
-  </p:cSld>
-  <p:clrMapOvr>
-    <a:masterClrMapping/>
-  </p:clrMapOvr>
-</p:sld>
-</file>
-
-<file path=ppt/slides/slide12.xml><?xml version="1.0" encoding="utf-8"?>
-<p:sld xmlns:a="http://schemas.openxmlformats.org/drawingml/2006/main" xmlns:r="http://schemas.openxmlformats.org/officeDocument/2006/relationships" xmlns:p="http://schemas.openxmlformats.org/presentationml/2006/main" showMasterSp="0">
-  <p:cSld>
-    <p:bg>
-      <p:bgPr>
-        <a:solidFill>
-          <a:schemeClr val="accent1"/>
-        </a:solidFill>
-        <a:effectLst/>
-      </p:bgPr>
-    </p:bg>
-    <p:spTree>
-      <p:nvGrpSpPr>
-        <p:cNvPr id="1" name=""/>
-        <p:cNvGrpSpPr/>
-        <p:nvPr/>
-      </p:nvGrpSpPr>
-      <p:grpSpPr>
-        <a:xfrm>
-          <a:off x="0" y="0"/>
-          <a:ext cx="0" cy="0"/>
-          <a:chOff x="0" y="0"/>
-          <a:chExt cx="0" cy="0"/>
-        </a:xfrm>
-      </p:grpSpPr>
-      <p:sp>
-        <p:nvSpPr>
-          <p:cNvPr id="2" name="Başlık 1">
-            <a:extLst>
-              <a:ext uri="{FF2B5EF4-FFF2-40B4-BE49-F238E27FC236}">
-                <a16:creationId xmlns:a16="http://schemas.microsoft.com/office/drawing/2014/main" id="{3C4E64FC-9D9E-4D77-8F04-B6BD1E19A515}"/>
-              </a:ext>
-            </a:extLst>
-          </p:cNvPr>
-          <p:cNvSpPr>
-            <a:spLocks noGrp="1"/>
-          </p:cNvSpPr>
-          <p:nvPr>
-            <p:ph type="title"/>
-          </p:nvPr>
-        </p:nvSpPr>
-        <p:spPr>
-          <a:xfrm>
-            <a:off x="-239860" y="2760712"/>
-            <a:ext cx="12671720" cy="1336575"/>
-          </a:xfrm>
-        </p:spPr>
-        <p:txBody>
-          <a:bodyPr>
-            <a:normAutofit/>
-          </a:bodyPr>
-          <a:lstStyle/>
-          <a:p>
-            <a:pPr algn="ctr"/>
-            <a:r>
-              <a:rPr lang="tr-TR" sz="7200" dirty="0">
-                <a:solidFill>
-                  <a:schemeClr val="bg1"/>
-                </a:solidFill>
-              </a:rPr>
-              <a:t>TEŞEKKÜRLER</a:t>
-            </a:r>
-            <a:endParaRPr lang="en-GB" sz="7200" dirty="0">
-              <a:solidFill>
-                <a:schemeClr val="bg1"/>
-              </a:solidFill>
-            </a:endParaRPr>
-          </a:p>
-        </p:txBody>
-      </p:sp>
-      <p:pic>
-        <p:nvPicPr>
-          <p:cNvPr id="4" name="Resim 3" descr="ok içeren bir resim&#10;&#10;Açıklama otomatik olarak oluşturuldu">
-            <a:extLst>
-              <a:ext uri="{FF2B5EF4-FFF2-40B4-BE49-F238E27FC236}">
-                <a16:creationId xmlns:a16="http://schemas.microsoft.com/office/drawing/2014/main" id="{6CDA42E8-475E-4BCC-9EE0-C9D7D933AFD1}"/>
-              </a:ext>
-            </a:extLst>
-          </p:cNvPr>
-          <p:cNvPicPr>
-            <a:picLocks noChangeAspect="1"/>
-          </p:cNvPicPr>
-          <p:nvPr/>
-        </p:nvPicPr>
-        <p:blipFill>
-          <a:blip r:embed="rId2">
-            <a:extLst>
-              <a:ext uri="{28A0092B-C50C-407E-A947-70E740481C1C}">
-                <a14:useLocalDpi xmlns:a14="http://schemas.microsoft.com/office/drawing/2010/main" val="0"/>
-              </a:ext>
-            </a:extLst>
-          </a:blip>
-          <a:stretch>
-            <a:fillRect/>
-          </a:stretch>
-        </p:blipFill>
-        <p:spPr>
-          <a:xfrm>
-            <a:off x="7855989" y="161327"/>
-            <a:ext cx="1019998" cy="1019998"/>
-          </a:xfrm>
-          <a:prstGeom prst="rect">
-            <a:avLst/>
-          </a:prstGeom>
-        </p:spPr>
-      </p:pic>
-      <p:pic>
-        <p:nvPicPr>
-          <p:cNvPr id="5" name="Resim 4">
-            <a:extLst>
-              <a:ext uri="{FF2B5EF4-FFF2-40B4-BE49-F238E27FC236}">
-                <a16:creationId xmlns:a16="http://schemas.microsoft.com/office/drawing/2014/main" id="{49060DED-1493-4387-8752-6A145831B127}"/>
-              </a:ext>
-            </a:extLst>
-          </p:cNvPr>
-          <p:cNvPicPr>
-            <a:picLocks noChangeAspect="1"/>
-          </p:cNvPicPr>
-          <p:nvPr/>
-        </p:nvPicPr>
-        <p:blipFill>
-          <a:blip r:embed="rId3">
-            <a:extLst>
-              <a:ext uri="{28A0092B-C50C-407E-A947-70E740481C1C}">
-                <a14:useLocalDpi xmlns:a14="http://schemas.microsoft.com/office/drawing/2010/main" val="0"/>
-              </a:ext>
-            </a:extLst>
-          </a:blip>
-          <a:stretch>
-            <a:fillRect/>
-          </a:stretch>
-        </p:blipFill>
-        <p:spPr>
-          <a:xfrm>
-            <a:off x="9224774" y="235203"/>
-            <a:ext cx="2712725" cy="872245"/>
-          </a:xfrm>
-          <a:prstGeom prst="rect">
-            <a:avLst/>
-          </a:prstGeom>
-        </p:spPr>
-      </p:pic>
-      <p:sp>
-        <p:nvSpPr>
-          <p:cNvPr id="7" name="Başlık 1">
-            <a:extLst>
-              <a:ext uri="{FF2B5EF4-FFF2-40B4-BE49-F238E27FC236}">
-                <a16:creationId xmlns:a16="http://schemas.microsoft.com/office/drawing/2014/main" id="{E16C7D50-FE92-4D3D-A532-A854052A4D62}"/>
-              </a:ext>
-            </a:extLst>
-          </p:cNvPr>
-          <p:cNvSpPr>
-            <a:spLocks noGrp="1"/>
-          </p:cNvSpPr>
-          <p:nvPr/>
-        </p:nvSpPr>
-        <p:spPr>
-          <a:xfrm>
-            <a:off x="11457479" y="6060420"/>
-            <a:ext cx="734521" cy="797580"/>
-          </a:xfrm>
-          <a:prstGeom prst="rect">
-            <a:avLst/>
-          </a:prstGeom>
-        </p:spPr>
-        <p:txBody>
-          <a:bodyPr vert="horz" lIns="91440" tIns="45720" rIns="91440" bIns="45720" rtlCol="0" anchor="t">
-            <a:normAutofit/>
-          </a:bodyPr>
-          <a:lstStyle>
-            <a:lvl1pPr algn="l" defTabSz="457200" rtl="0" eaLnBrk="1" latinLnBrk="0" hangingPunct="1">
-              <a:spcBef>
-                <a:spcPct val="0"/>
-              </a:spcBef>
-              <a:buNone/>
-              <a:defRPr sz="3600" kern="1200">
-                <a:solidFill>
-                  <a:schemeClr val="accent1"/>
-                </a:solidFill>
-                <a:latin typeface="+mj-lt"/>
-                <a:ea typeface="+mj-ea"/>
-                <a:cs typeface="+mj-cs"/>
-              </a:defRPr>
-            </a:lvl1pPr>
-            <a:lvl2pPr eaLnBrk="1" hangingPunct="1">
-              <a:defRPr>
-                <a:solidFill>
-                  <a:schemeClr val="tx2"/>
-                </a:solidFill>
-              </a:defRPr>
-            </a:lvl2pPr>
-            <a:lvl3pPr eaLnBrk="1" hangingPunct="1">
-              <a:defRPr>
-                <a:solidFill>
-                  <a:schemeClr val="tx2"/>
-                </a:solidFill>
-              </a:defRPr>
-            </a:lvl3pPr>
-            <a:lvl4pPr eaLnBrk="1" hangingPunct="1">
-              <a:defRPr>
-                <a:solidFill>
-                  <a:schemeClr val="tx2"/>
-                </a:solidFill>
-              </a:defRPr>
-            </a:lvl4pPr>
-            <a:lvl5pPr eaLnBrk="1" hangingPunct="1">
-              <a:defRPr>
-                <a:solidFill>
-                  <a:schemeClr val="tx2"/>
-                </a:solidFill>
-              </a:defRPr>
-            </a:lvl5pPr>
-            <a:lvl6pPr eaLnBrk="1" hangingPunct="1">
-              <a:defRPr>
-                <a:solidFill>
-                  <a:schemeClr val="tx2"/>
-                </a:solidFill>
-              </a:defRPr>
-            </a:lvl6pPr>
-            <a:lvl7pPr eaLnBrk="1" hangingPunct="1">
-              <a:defRPr>
-                <a:solidFill>
-                  <a:schemeClr val="tx2"/>
-                </a:solidFill>
-              </a:defRPr>
-            </a:lvl7pPr>
-            <a:lvl8pPr eaLnBrk="1" hangingPunct="1">
-              <a:defRPr>
-                <a:solidFill>
-                  <a:schemeClr val="tx2"/>
-                </a:solidFill>
-              </a:defRPr>
-            </a:lvl8pPr>
-            <a:lvl9pPr eaLnBrk="1" hangingPunct="1">
-              <a:defRPr>
-                <a:solidFill>
-                  <a:schemeClr val="tx2"/>
-                </a:solidFill>
-              </a:defRPr>
-            </a:lvl9pPr>
-          </a:lstStyle>
-          <a:p>
-            <a:r>
-              <a:rPr lang="tr-TR" dirty="0">
-                <a:solidFill>
-                  <a:schemeClr val="tx1"/>
-                </a:solidFill>
-              </a:rPr>
-              <a:t>12</a:t>
-            </a:r>
-            <a:endParaRPr lang="en-GB" dirty="0">
-              <a:solidFill>
-                <a:schemeClr val="tx1"/>
-              </a:solidFill>
-            </a:endParaRPr>
-          </a:p>
-        </p:txBody>
-      </p:sp>
-    </p:spTree>
-    <p:extLst>
-      <p:ext uri="{BB962C8B-B14F-4D97-AF65-F5344CB8AC3E}">
-        <p14:creationId xmlns:p14="http://schemas.microsoft.com/office/powerpoint/2010/main" val="1109765369"/>
-      </p:ext>
-    </p:extLst>
-  </p:cSld>
-  <p:clrMapOvr>
-    <a:masterClrMapping/>
-  </p:clrMapOvr>
-</p:sld>
-</file>
-
-<file path=ppt/slides/slide2.xml><?xml version="1.0" encoding="utf-8"?>
-<p:sld xmlns:a="http://schemas.openxmlformats.org/drawingml/2006/main" xmlns:r="http://schemas.openxmlformats.org/officeDocument/2006/relationships" xmlns:p="http://schemas.openxmlformats.org/presentationml/2006/main">
-  <p:cSld>
-    <p:bg>
-      <p:bgPr>
-        <a:solidFill>
-          <a:schemeClr val="accent1"/>
-        </a:solidFill>
-        <a:effectLst/>
-      </p:bgPr>
-    </p:bg>
-    <p:spTree>
-      <p:nvGrpSpPr>
-        <p:cNvPr id="1" name=""/>
-        <p:cNvGrpSpPr/>
-        <p:nvPr/>
-      </p:nvGrpSpPr>
-      <p:grpSpPr>
-        <a:xfrm>
-          <a:off x="0" y="0"/>
-          <a:ext cx="0" cy="0"/>
-          <a:chOff x="0" y="0"/>
-          <a:chExt cx="0" cy="0"/>
-        </a:xfrm>
-      </p:grpSpPr>
-      <p:sp>
-        <p:nvSpPr>
-          <p:cNvPr id="2" name="Başlık 1">
-            <a:extLst>
-              <a:ext uri="{FF2B5EF4-FFF2-40B4-BE49-F238E27FC236}">
-                <a16:creationId xmlns:a16="http://schemas.microsoft.com/office/drawing/2014/main" id="{ACB87ED8-A3DD-42EA-8632-FEE30287623B}"/>
-              </a:ext>
-            </a:extLst>
-          </p:cNvPr>
-          <p:cNvSpPr>
-            <a:spLocks noGrp="1"/>
-          </p:cNvSpPr>
-          <p:nvPr>
-            <p:ph type="title"/>
-          </p:nvPr>
-        </p:nvSpPr>
-        <p:spPr>
-          <a:xfrm>
-            <a:off x="673769" y="388219"/>
-            <a:ext cx="8609859" cy="932581"/>
-          </a:xfrm>
-        </p:spPr>
-        <p:txBody>
-          <a:bodyPr>
-            <a:normAutofit fontScale="90000"/>
-          </a:bodyPr>
-          <a:lstStyle/>
-          <a:p>
-            <a:r>
-              <a:rPr lang="tr-TR" sz="5300" dirty="0">
-                <a:solidFill>
-                  <a:schemeClr val="bg1"/>
-                </a:solidFill>
-              </a:rPr>
-              <a:t>İÇERİK</a:t>
-            </a:r>
-            <a:br>
-              <a:rPr lang="tr-TR" dirty="0">
-                <a:solidFill>
-                  <a:schemeClr val="bg1"/>
-                </a:solidFill>
-              </a:rPr>
-            </a:br>
-            <a:br>
-              <a:rPr lang="tr-TR" dirty="0">
-                <a:solidFill>
-                  <a:schemeClr val="bg1"/>
-                </a:solidFill>
-              </a:rPr>
-            </a:br>
-            <a:r>
-              <a:rPr lang="tr-TR" sz="3100" dirty="0">
-                <a:solidFill>
-                  <a:schemeClr val="bg1"/>
-                </a:solidFill>
-              </a:rPr>
-              <a:t>1- Biz kimiz?</a:t>
-            </a:r>
-            <a:br>
-              <a:rPr lang="tr-TR" sz="3100" dirty="0">
-                <a:solidFill>
-                  <a:schemeClr val="bg1"/>
-                </a:solidFill>
-              </a:rPr>
-            </a:br>
-            <a:r>
-              <a:rPr lang="tr-TR" sz="3100" dirty="0">
-                <a:solidFill>
-                  <a:schemeClr val="bg1"/>
-                </a:solidFill>
-              </a:rPr>
-              <a:t>2- Problem tanımı</a:t>
-            </a:r>
-            <a:br>
-              <a:rPr lang="tr-TR" sz="3100" dirty="0">
-                <a:solidFill>
-                  <a:schemeClr val="bg1"/>
-                </a:solidFill>
-              </a:rPr>
-            </a:br>
-            <a:r>
-              <a:rPr lang="tr-TR" sz="3100" dirty="0">
-                <a:solidFill>
-                  <a:schemeClr val="bg1"/>
-                </a:solidFill>
-              </a:rPr>
-              <a:t>3- Yarışmada ilerleme</a:t>
-            </a:r>
-            <a:br>
-              <a:rPr lang="tr-TR" sz="3100" dirty="0">
-                <a:solidFill>
-                  <a:schemeClr val="bg1"/>
-                </a:solidFill>
-              </a:rPr>
-            </a:br>
-            <a:r>
-              <a:rPr lang="tr-TR" sz="3100" dirty="0">
-                <a:solidFill>
-                  <a:schemeClr val="bg1"/>
-                </a:solidFill>
-              </a:rPr>
-              <a:t>	3.1- Veriyi inceleme ve anlama</a:t>
-            </a:r>
-            <a:br>
-              <a:rPr lang="tr-TR" sz="3100" dirty="0">
-                <a:solidFill>
-                  <a:schemeClr val="bg1"/>
-                </a:solidFill>
-              </a:rPr>
-            </a:br>
-            <a:r>
-              <a:rPr lang="tr-TR" sz="3100" dirty="0">
-                <a:solidFill>
-                  <a:schemeClr val="bg1"/>
-                </a:solidFill>
-              </a:rPr>
-              <a:t>	3.2- Öznitelik seçimi ve yeni öznitelikler</a:t>
-            </a:r>
-            <a:br>
-              <a:rPr lang="tr-TR" sz="3100" dirty="0">
-                <a:solidFill>
-                  <a:schemeClr val="bg1"/>
-                </a:solidFill>
-              </a:rPr>
-            </a:br>
-            <a:r>
-              <a:rPr lang="tr-TR" sz="3100" dirty="0">
-                <a:solidFill>
-                  <a:schemeClr val="bg1"/>
-                </a:solidFill>
-              </a:rPr>
-              <a:t>	3.3- Veriyi uygun hale getirme</a:t>
-            </a:r>
-            <a:br>
-              <a:rPr lang="tr-TR" sz="3100" dirty="0">
-                <a:solidFill>
-                  <a:schemeClr val="bg1"/>
-                </a:solidFill>
-              </a:rPr>
-            </a:br>
-            <a:r>
-              <a:rPr lang="tr-TR" sz="3100" dirty="0">
-                <a:solidFill>
-                  <a:schemeClr val="bg1"/>
-                </a:solidFill>
-              </a:rPr>
-              <a:t>	3.4- </a:t>
-            </a:r>
-            <a:r>
-              <a:rPr lang="tr-TR" sz="3200" dirty="0" err="1">
-                <a:solidFill>
-                  <a:schemeClr val="bg1"/>
-                </a:solidFill>
-              </a:rPr>
-              <a:t>Sampling</a:t>
-            </a:r>
-            <a:r>
-              <a:rPr lang="tr-TR" sz="3200" dirty="0">
-                <a:solidFill>
-                  <a:schemeClr val="bg1"/>
-                </a:solidFill>
-              </a:rPr>
-              <a:t> &amp; </a:t>
-            </a:r>
-            <a:r>
-              <a:rPr lang="tr-TR" sz="3200" dirty="0" err="1">
-                <a:solidFill>
-                  <a:schemeClr val="bg1"/>
-                </a:solidFill>
-              </a:rPr>
-              <a:t>Weights</a:t>
-            </a:r>
-            <a:br>
-              <a:rPr lang="tr-TR" sz="3100" dirty="0">
-                <a:solidFill>
-                  <a:schemeClr val="bg1"/>
-                </a:solidFill>
-              </a:rPr>
-            </a:br>
-            <a:r>
-              <a:rPr lang="tr-TR" sz="3100" dirty="0">
-                <a:solidFill>
-                  <a:schemeClr val="bg1"/>
-                </a:solidFill>
-              </a:rPr>
-              <a:t>	3.5- Model</a:t>
-            </a:r>
-            <a:br>
-              <a:rPr lang="tr-TR" sz="3100" dirty="0">
-                <a:solidFill>
-                  <a:schemeClr val="bg1"/>
-                </a:solidFill>
-              </a:rPr>
-            </a:br>
-            <a:r>
-              <a:rPr lang="tr-TR" sz="3100" dirty="0">
-                <a:solidFill>
-                  <a:schemeClr val="bg1"/>
-                </a:solidFill>
-              </a:rPr>
-              <a:t>4- </a:t>
-            </a:r>
-            <a:r>
-              <a:rPr lang="tr-TR" sz="3100" dirty="0" err="1">
-                <a:solidFill>
-                  <a:schemeClr val="bg1"/>
-                </a:solidFill>
-              </a:rPr>
-              <a:t>Tahminleme</a:t>
-            </a:r>
-            <a:r>
-              <a:rPr lang="tr-TR" sz="3100" dirty="0">
-                <a:solidFill>
-                  <a:schemeClr val="bg1"/>
-                </a:solidFill>
-              </a:rPr>
-              <a:t> nasıl işimize yarar?</a:t>
-            </a:r>
-            <a:br>
-              <a:rPr lang="tr-TR" sz="3100" dirty="0">
-                <a:solidFill>
-                  <a:schemeClr val="bg1"/>
-                </a:solidFill>
-              </a:rPr>
-            </a:br>
-            <a:r>
-              <a:rPr lang="tr-TR" sz="3100" dirty="0">
-                <a:solidFill>
-                  <a:schemeClr val="bg1"/>
-                </a:solidFill>
-              </a:rPr>
-              <a:t>5- Soru-Cevap</a:t>
-            </a:r>
-            <a:br>
-              <a:rPr lang="tr-TR" sz="3100" dirty="0">
-                <a:solidFill>
-                  <a:schemeClr val="bg1"/>
-                </a:solidFill>
-              </a:rPr>
-            </a:br>
-            <a:r>
-              <a:rPr lang="tr-TR" sz="3100" dirty="0">
-                <a:solidFill>
-                  <a:schemeClr val="bg1"/>
-                </a:solidFill>
-              </a:rPr>
-              <a:t>6- Bitiş</a:t>
-            </a:r>
-            <a:endParaRPr lang="en-GB" sz="2700" dirty="0">
-              <a:solidFill>
-                <a:schemeClr val="bg1"/>
-              </a:solidFill>
-            </a:endParaRPr>
-          </a:p>
-        </p:txBody>
-      </p:sp>
-      <p:sp>
-        <p:nvSpPr>
-          <p:cNvPr id="5" name="Başlık 1">
-            <a:extLst>
-              <a:ext uri="{FF2B5EF4-FFF2-40B4-BE49-F238E27FC236}">
-                <a16:creationId xmlns:a16="http://schemas.microsoft.com/office/drawing/2014/main" id="{3DE1D225-A685-477D-8B3F-96ED0CFA0263}"/>
-              </a:ext>
-            </a:extLst>
-          </p:cNvPr>
-          <p:cNvSpPr>
-            <a:spLocks noGrp="1"/>
-          </p:cNvSpPr>
-          <p:nvPr/>
-        </p:nvSpPr>
-        <p:spPr>
-          <a:xfrm>
-            <a:off x="11457479" y="6060420"/>
-            <a:ext cx="734521" cy="797580"/>
-          </a:xfrm>
-          <a:prstGeom prst="rect">
-            <a:avLst/>
-          </a:prstGeom>
-        </p:spPr>
-        <p:txBody>
-          <a:bodyPr vert="horz" lIns="91440" tIns="45720" rIns="91440" bIns="45720" rtlCol="0" anchor="t">
-            <a:normAutofit/>
-          </a:bodyPr>
-          <a:lstStyle>
-            <a:lvl1pPr algn="l" defTabSz="457200" rtl="0" eaLnBrk="1" latinLnBrk="0" hangingPunct="1">
-              <a:spcBef>
-                <a:spcPct val="0"/>
-              </a:spcBef>
-              <a:buNone/>
-              <a:defRPr sz="3600" kern="1200">
-                <a:solidFill>
-                  <a:schemeClr val="accent1"/>
-                </a:solidFill>
-                <a:latin typeface="+mj-lt"/>
-                <a:ea typeface="+mj-ea"/>
-                <a:cs typeface="+mj-cs"/>
-              </a:defRPr>
-            </a:lvl1pPr>
-            <a:lvl2pPr eaLnBrk="1" hangingPunct="1">
-              <a:defRPr>
-                <a:solidFill>
-                  <a:schemeClr val="tx2"/>
-                </a:solidFill>
-              </a:defRPr>
-            </a:lvl2pPr>
-            <a:lvl3pPr eaLnBrk="1" hangingPunct="1">
-              <a:defRPr>
-                <a:solidFill>
-                  <a:schemeClr val="tx2"/>
-                </a:solidFill>
-              </a:defRPr>
-            </a:lvl3pPr>
-            <a:lvl4pPr eaLnBrk="1" hangingPunct="1">
-              <a:defRPr>
-                <a:solidFill>
-                  <a:schemeClr val="tx2"/>
-                </a:solidFill>
-              </a:defRPr>
-            </a:lvl4pPr>
-            <a:lvl5pPr eaLnBrk="1" hangingPunct="1">
-              <a:defRPr>
-                <a:solidFill>
-                  <a:schemeClr val="tx2"/>
-                </a:solidFill>
-              </a:defRPr>
-            </a:lvl5pPr>
-            <a:lvl6pPr eaLnBrk="1" hangingPunct="1">
-              <a:defRPr>
-                <a:solidFill>
-                  <a:schemeClr val="tx2"/>
-                </a:solidFill>
-              </a:defRPr>
-            </a:lvl6pPr>
-            <a:lvl7pPr eaLnBrk="1" hangingPunct="1">
-              <a:defRPr>
-                <a:solidFill>
-                  <a:schemeClr val="tx2"/>
-                </a:solidFill>
-              </a:defRPr>
-            </a:lvl7pPr>
-            <a:lvl8pPr eaLnBrk="1" hangingPunct="1">
-              <a:defRPr>
-                <a:solidFill>
-                  <a:schemeClr val="tx2"/>
-                </a:solidFill>
-              </a:defRPr>
-            </a:lvl8pPr>
-            <a:lvl9pPr eaLnBrk="1" hangingPunct="1">
-              <a:defRPr>
-                <a:solidFill>
-                  <a:schemeClr val="tx2"/>
-                </a:solidFill>
-              </a:defRPr>
-            </a:lvl9pPr>
-          </a:lstStyle>
-          <a:p>
-            <a:r>
-              <a:rPr lang="tr-TR" dirty="0">
-                <a:solidFill>
-                  <a:schemeClr val="tx1"/>
-                </a:solidFill>
-              </a:rPr>
-              <a:t>2</a:t>
-            </a:r>
-            <a:endParaRPr lang="en-GB" dirty="0">
-              <a:solidFill>
-                <a:schemeClr val="tx1"/>
-              </a:solidFill>
-            </a:endParaRPr>
-          </a:p>
-        </p:txBody>
-      </p:sp>
-    </p:spTree>
-    <p:extLst>
-      <p:ext uri="{BB962C8B-B14F-4D97-AF65-F5344CB8AC3E}">
-        <p14:creationId xmlns:p14="http://schemas.microsoft.com/office/powerpoint/2010/main" val="443933642"/>
-      </p:ext>
-    </p:extLst>
-  </p:cSld>
-  <p:clrMapOvr>
-    <a:masterClrMapping/>
-  </p:clrMapOvr>
-</p:sld>
-</file>
-
-<file path=ppt/slides/slide3.xml><?xml version="1.0" encoding="utf-8"?>
-<p:sld xmlns:a="http://schemas.openxmlformats.org/drawingml/2006/main" xmlns:r="http://schemas.openxmlformats.org/officeDocument/2006/relationships" xmlns:p="http://schemas.openxmlformats.org/presentationml/2006/main">
-  <p:cSld>
-    <p:bg>
-      <p:bgPr>
-        <a:solidFill>
-          <a:schemeClr val="accent1"/>
-        </a:solidFill>
-        <a:effectLst/>
-      </p:bgPr>
-    </p:bg>
-    <p:spTree>
-      <p:nvGrpSpPr>
-        <p:cNvPr id="1" name=""/>
-        <p:cNvGrpSpPr/>
-        <p:nvPr/>
-      </p:nvGrpSpPr>
-      <p:grpSpPr>
-        <a:xfrm>
-          <a:off x="0" y="0"/>
-          <a:ext cx="0" cy="0"/>
-          <a:chOff x="0" y="0"/>
-          <a:chExt cx="0" cy="0"/>
-        </a:xfrm>
-      </p:grpSpPr>
-      <p:sp>
-        <p:nvSpPr>
-          <p:cNvPr id="2" name="Başlık 1">
-            <a:extLst>
-              <a:ext uri="{FF2B5EF4-FFF2-40B4-BE49-F238E27FC236}">
-                <a16:creationId xmlns:a16="http://schemas.microsoft.com/office/drawing/2014/main" id="{B81532E1-C102-47C9-ABBB-F5F0CA385D5F}"/>
-              </a:ext>
-            </a:extLst>
-          </p:cNvPr>
-          <p:cNvSpPr>
-            <a:spLocks noGrp="1"/>
-          </p:cNvSpPr>
-          <p:nvPr>
-            <p:ph type="title"/>
-          </p:nvPr>
-        </p:nvSpPr>
-        <p:spPr>
-          <a:xfrm>
-            <a:off x="471638" y="3602254"/>
-            <a:ext cx="9461634" cy="846221"/>
-          </a:xfrm>
-        </p:spPr>
-        <p:txBody>
-          <a:bodyPr>
-            <a:noAutofit/>
-          </a:bodyPr>
-          <a:lstStyle/>
-          <a:p>
-            <a:r>
-              <a:rPr lang="tr-TR" sz="2000" dirty="0">
-                <a:solidFill>
-                  <a:srgbClr val="FFFFFF"/>
-                </a:solidFill>
-              </a:rPr>
-              <a:t>Alper Temel</a:t>
-            </a:r>
-            <a:br>
-              <a:rPr lang="tr-TR" sz="2000" dirty="0">
-                <a:solidFill>
-                  <a:srgbClr val="FFFFFF"/>
-                </a:solidFill>
-              </a:rPr>
-            </a:br>
-            <a:r>
-              <a:rPr lang="tr-TR" sz="2000" dirty="0">
-                <a:solidFill>
-                  <a:srgbClr val="FFFFFF"/>
-                </a:solidFill>
-              </a:rPr>
-              <a:t>Bilgisayar Mühendisliği</a:t>
-            </a:r>
-            <a:br>
-              <a:rPr lang="tr-TR" sz="2000" dirty="0">
-                <a:solidFill>
-                  <a:srgbClr val="FFFFFF"/>
-                </a:solidFill>
-              </a:rPr>
-            </a:br>
-            <a:r>
-              <a:rPr lang="tr-TR" sz="2000" dirty="0">
-                <a:solidFill>
-                  <a:srgbClr val="FFFFFF"/>
-                </a:solidFill>
-              </a:rPr>
-              <a:t>3. Sınıf Öğrencisi</a:t>
-            </a:r>
-            <a:endParaRPr lang="en-GB" sz="2000" dirty="0"/>
-          </a:p>
-        </p:txBody>
-      </p:sp>
-      <p:pic>
-        <p:nvPicPr>
-          <p:cNvPr id="5" name="İçerik Yer Tutucusu 4" descr="gök, açık hava, su, kişi içeren bir resim&#10;&#10;Açıklama otomatik olarak oluşturuldu">
-            <a:extLst>
-              <a:ext uri="{FF2B5EF4-FFF2-40B4-BE49-F238E27FC236}">
-                <a16:creationId xmlns:a16="http://schemas.microsoft.com/office/drawing/2014/main" id="{8F1E7D39-451F-42F6-99A3-9679C158587B}"/>
-              </a:ext>
-            </a:extLst>
-          </p:cNvPr>
-          <p:cNvPicPr>
-            <a:picLocks noGrp="1" noChangeAspect="1"/>
-          </p:cNvPicPr>
-          <p:nvPr>
-            <p:ph idx="1"/>
-          </p:nvPr>
-        </p:nvPicPr>
-        <p:blipFill>
-          <a:blip r:embed="rId2">
-            <a:extLst>
-              <a:ext uri="{28A0092B-C50C-407E-A947-70E740481C1C}">
-                <a14:useLocalDpi xmlns:a14="http://schemas.microsoft.com/office/drawing/2010/main" val="0"/>
-              </a:ext>
-            </a:extLst>
-          </a:blip>
-          <a:stretch>
-            <a:fillRect/>
-          </a:stretch>
-        </p:blipFill>
-        <p:spPr>
-          <a:xfrm>
-            <a:off x="588406" y="1603068"/>
-            <a:ext cx="1825932" cy="1825932"/>
-          </a:xfrm>
-          <a:effectLst>
-            <a:softEdge rad="0"/>
-          </a:effectLst>
-        </p:spPr>
-      </p:pic>
-      <p:sp>
-        <p:nvSpPr>
-          <p:cNvPr id="6" name="Başlık 1">
-            <a:extLst>
-              <a:ext uri="{FF2B5EF4-FFF2-40B4-BE49-F238E27FC236}">
-                <a16:creationId xmlns:a16="http://schemas.microsoft.com/office/drawing/2014/main" id="{E30D92F7-6F23-44BF-9541-5AE575864678}"/>
-              </a:ext>
-            </a:extLst>
-          </p:cNvPr>
-          <p:cNvSpPr txBox="1">
-            <a:spLocks/>
-          </p:cNvSpPr>
-          <p:nvPr/>
-        </p:nvSpPr>
-        <p:spPr>
-          <a:xfrm>
-            <a:off x="-68366" y="131399"/>
-            <a:ext cx="12260366" cy="2403107"/>
-          </a:xfrm>
-          <a:prstGeom prst="rect">
-            <a:avLst/>
-          </a:prstGeom>
-        </p:spPr>
-        <p:txBody>
-          <a:bodyPr vert="horz" lIns="91440" tIns="45720" rIns="91440" bIns="45720" rtlCol="0" anchor="t">
-            <a:normAutofit/>
-          </a:bodyPr>
-          <a:lstStyle>
-            <a:lvl1pPr algn="l" defTabSz="457200" rtl="0" eaLnBrk="1" latinLnBrk="0" hangingPunct="1">
-              <a:spcBef>
-                <a:spcPct val="0"/>
-              </a:spcBef>
-              <a:buNone/>
-              <a:defRPr sz="3600" kern="1200">
-                <a:solidFill>
-                  <a:schemeClr val="accent1"/>
-                </a:solidFill>
-                <a:latin typeface="+mj-lt"/>
-                <a:ea typeface="+mj-ea"/>
-                <a:cs typeface="+mj-cs"/>
-              </a:defRPr>
-            </a:lvl1pPr>
-            <a:lvl2pPr eaLnBrk="1" hangingPunct="1">
-              <a:defRPr>
-                <a:solidFill>
-                  <a:schemeClr val="tx2"/>
-                </a:solidFill>
-              </a:defRPr>
-            </a:lvl2pPr>
-            <a:lvl3pPr eaLnBrk="1" hangingPunct="1">
-              <a:defRPr>
-                <a:solidFill>
-                  <a:schemeClr val="tx2"/>
-                </a:solidFill>
-              </a:defRPr>
-            </a:lvl3pPr>
-            <a:lvl4pPr eaLnBrk="1" hangingPunct="1">
-              <a:defRPr>
-                <a:solidFill>
-                  <a:schemeClr val="tx2"/>
-                </a:solidFill>
-              </a:defRPr>
-            </a:lvl4pPr>
-            <a:lvl5pPr eaLnBrk="1" hangingPunct="1">
-              <a:defRPr>
-                <a:solidFill>
-                  <a:schemeClr val="tx2"/>
-                </a:solidFill>
-              </a:defRPr>
-            </a:lvl5pPr>
-            <a:lvl6pPr eaLnBrk="1" hangingPunct="1">
-              <a:defRPr>
-                <a:solidFill>
-                  <a:schemeClr val="tx2"/>
-                </a:solidFill>
-              </a:defRPr>
-            </a:lvl6pPr>
-            <a:lvl7pPr eaLnBrk="1" hangingPunct="1">
-              <a:defRPr>
-                <a:solidFill>
-                  <a:schemeClr val="tx2"/>
-                </a:solidFill>
-              </a:defRPr>
-            </a:lvl7pPr>
-            <a:lvl8pPr eaLnBrk="1" hangingPunct="1">
-              <a:defRPr>
-                <a:solidFill>
-                  <a:schemeClr val="tx2"/>
-                </a:solidFill>
-              </a:defRPr>
-            </a:lvl8pPr>
-            <a:lvl9pPr eaLnBrk="1" hangingPunct="1">
-              <a:defRPr>
-                <a:solidFill>
-                  <a:schemeClr val="tx2"/>
-                </a:solidFill>
-              </a:defRPr>
-            </a:lvl9pPr>
-          </a:lstStyle>
-          <a:p>
-            <a:pPr algn="ctr"/>
-            <a:r>
-              <a:rPr lang="tr-TR" sz="8000" dirty="0" err="1">
-                <a:solidFill>
-                  <a:srgbClr val="FFFFFF"/>
-                </a:solidFill>
-              </a:rPr>
-              <a:t>Kekhosta</a:t>
-            </a:r>
-            <a:r>
-              <a:rPr lang="tr-TR" sz="8000" i="1" dirty="0">
-                <a:solidFill>
-                  <a:srgbClr val="FFFFFF"/>
-                </a:solidFill>
-              </a:rPr>
-              <a:t> kimdir</a:t>
-            </a:r>
-            <a:endParaRPr lang="en-GB" sz="8000" i="1" dirty="0"/>
-          </a:p>
-        </p:txBody>
-      </p:sp>
-      <p:pic>
-        <p:nvPicPr>
-          <p:cNvPr id="12" name="Resim 11">
-            <a:extLst>
-              <a:ext uri="{FF2B5EF4-FFF2-40B4-BE49-F238E27FC236}">
-                <a16:creationId xmlns:a16="http://schemas.microsoft.com/office/drawing/2014/main" id="{965C937C-FC8E-41C4-98EE-F9ECA73D0C80}"/>
-              </a:ext>
-            </a:extLst>
-          </p:cNvPr>
-          <p:cNvPicPr>
-            <a:picLocks noChangeAspect="1"/>
-          </p:cNvPicPr>
-          <p:nvPr/>
-        </p:nvPicPr>
-        <p:blipFill>
-          <a:blip r:embed="rId3">
-            <a:extLst>
-              <a:ext uri="{28A0092B-C50C-407E-A947-70E740481C1C}">
-                <a14:useLocalDpi xmlns:a14="http://schemas.microsoft.com/office/drawing/2010/main" val="0"/>
-              </a:ext>
-            </a:extLst>
-          </a:blip>
-          <a:stretch>
-            <a:fillRect/>
-          </a:stretch>
-        </p:blipFill>
-        <p:spPr>
-          <a:xfrm>
-            <a:off x="637785" y="4818404"/>
-            <a:ext cx="1627341" cy="1627341"/>
-          </a:xfrm>
-          <a:prstGeom prst="rect">
-            <a:avLst/>
-          </a:prstGeom>
-        </p:spPr>
-      </p:pic>
-      <p:sp>
-        <p:nvSpPr>
-          <p:cNvPr id="16" name="Metin kutusu 15">
-            <a:extLst>
-              <a:ext uri="{FF2B5EF4-FFF2-40B4-BE49-F238E27FC236}">
-                <a16:creationId xmlns:a16="http://schemas.microsoft.com/office/drawing/2014/main" id="{65133ACE-30F9-492D-AC8A-2F2D7F804080}"/>
-              </a:ext>
-            </a:extLst>
-          </p:cNvPr>
-          <p:cNvSpPr txBox="1"/>
-          <p:nvPr/>
-        </p:nvSpPr>
-        <p:spPr>
-          <a:xfrm>
-            <a:off x="3920979" y="3629159"/>
-            <a:ext cx="6738992" cy="1015663"/>
-          </a:xfrm>
-          <a:prstGeom prst="rect">
-            <a:avLst/>
-          </a:prstGeom>
-          <a:noFill/>
-        </p:spPr>
-        <p:txBody>
-          <a:bodyPr wrap="square">
-            <a:spAutoFit/>
-          </a:bodyPr>
-          <a:lstStyle/>
-          <a:p>
-            <a:r>
-              <a:rPr lang="tr-TR" sz="2000" dirty="0">
-                <a:solidFill>
-                  <a:srgbClr val="FFFFFF"/>
-                </a:solidFill>
-              </a:rPr>
-              <a:t>Semih Demir</a:t>
-            </a:r>
-            <a:br>
-              <a:rPr lang="tr-TR" sz="2000" dirty="0">
-                <a:solidFill>
-                  <a:srgbClr val="FFFFFF"/>
-                </a:solidFill>
-              </a:rPr>
-            </a:br>
-            <a:r>
-              <a:rPr lang="tr-TR" sz="2000" dirty="0">
-                <a:solidFill>
-                  <a:srgbClr val="FFFFFF"/>
-                </a:solidFill>
-              </a:rPr>
-              <a:t>Bilgisayar Mühendisliği</a:t>
-            </a:r>
-            <a:br>
-              <a:rPr lang="tr-TR" sz="2000" dirty="0">
-                <a:solidFill>
-                  <a:srgbClr val="FFFFFF"/>
-                </a:solidFill>
-              </a:rPr>
-            </a:br>
-            <a:r>
-              <a:rPr lang="tr-TR" sz="2000" dirty="0">
-                <a:solidFill>
-                  <a:srgbClr val="FFFFFF"/>
-                </a:solidFill>
-              </a:rPr>
-              <a:t>3. Sınıf Öğrencisi</a:t>
-            </a:r>
-            <a:endParaRPr lang="en-GB" sz="2000" dirty="0"/>
-          </a:p>
-        </p:txBody>
-      </p:sp>
-      <p:pic>
-        <p:nvPicPr>
-          <p:cNvPr id="18" name="Resim 17" descr="metin içeren bir resim&#10;&#10;Açıklama otomatik olarak oluşturuldu">
-            <a:extLst>
-              <a:ext uri="{FF2B5EF4-FFF2-40B4-BE49-F238E27FC236}">
-                <a16:creationId xmlns:a16="http://schemas.microsoft.com/office/drawing/2014/main" id="{6301D8A1-3CDF-4407-AF85-7FF299836E19}"/>
-              </a:ext>
-            </a:extLst>
-          </p:cNvPr>
-          <p:cNvPicPr>
-            <a:picLocks noChangeAspect="1"/>
-          </p:cNvPicPr>
-          <p:nvPr/>
-        </p:nvPicPr>
-        <p:blipFill>
-          <a:blip r:embed="rId4">
-            <a:extLst>
-              <a:ext uri="{28A0092B-C50C-407E-A947-70E740481C1C}">
-                <a14:useLocalDpi xmlns:a14="http://schemas.microsoft.com/office/drawing/2010/main" val="0"/>
-              </a:ext>
-            </a:extLst>
-          </a:blip>
-          <a:stretch>
-            <a:fillRect/>
-          </a:stretch>
-        </p:blipFill>
-        <p:spPr>
-          <a:xfrm>
-            <a:off x="3751699" y="5041306"/>
-            <a:ext cx="2590292" cy="1181536"/>
-          </a:xfrm>
-          <a:prstGeom prst="rect">
-            <a:avLst/>
-          </a:prstGeom>
-        </p:spPr>
-      </p:pic>
-      <p:sp>
-        <p:nvSpPr>
-          <p:cNvPr id="21" name="Metin kutusu 20">
-            <a:extLst>
-              <a:ext uri="{FF2B5EF4-FFF2-40B4-BE49-F238E27FC236}">
-                <a16:creationId xmlns:a16="http://schemas.microsoft.com/office/drawing/2014/main" id="{A245E714-F99E-4B69-88B8-04A4C0C0E797}"/>
-              </a:ext>
-            </a:extLst>
-          </p:cNvPr>
-          <p:cNvSpPr txBox="1"/>
-          <p:nvPr/>
-        </p:nvSpPr>
-        <p:spPr>
-          <a:xfrm>
-            <a:off x="7323598" y="3658609"/>
-            <a:ext cx="6738992" cy="1015663"/>
-          </a:xfrm>
-          <a:prstGeom prst="rect">
-            <a:avLst/>
-          </a:prstGeom>
-          <a:noFill/>
-        </p:spPr>
-        <p:txBody>
-          <a:bodyPr wrap="square">
-            <a:spAutoFit/>
-          </a:bodyPr>
-          <a:lstStyle/>
-          <a:p>
-            <a:r>
-              <a:rPr lang="tr-TR" sz="2000" dirty="0">
-                <a:solidFill>
-                  <a:srgbClr val="FFFFFF"/>
-                </a:solidFill>
-              </a:rPr>
-              <a:t>Doğukan Ali Gündoğan</a:t>
-            </a:r>
-            <a:br>
-              <a:rPr lang="tr-TR" sz="2000" dirty="0">
-                <a:solidFill>
-                  <a:srgbClr val="FFFFFF"/>
-                </a:solidFill>
-              </a:rPr>
-            </a:br>
-            <a:r>
-              <a:rPr lang="tr-TR" sz="2000" dirty="0">
-                <a:solidFill>
-                  <a:srgbClr val="FFFFFF"/>
-                </a:solidFill>
-              </a:rPr>
-              <a:t>Bilgisayar Mühendisliği</a:t>
-            </a:r>
-            <a:br>
-              <a:rPr lang="tr-TR" sz="2000" dirty="0">
-                <a:solidFill>
-                  <a:srgbClr val="FFFFFF"/>
-                </a:solidFill>
-              </a:rPr>
-            </a:br>
-            <a:r>
-              <a:rPr lang="tr-TR" sz="2000" dirty="0">
-                <a:solidFill>
-                  <a:srgbClr val="FFFFFF"/>
-                </a:solidFill>
-              </a:rPr>
-              <a:t>3. Sınıf Öğrencisi</a:t>
-            </a:r>
-            <a:endParaRPr lang="en-GB" sz="2000" dirty="0"/>
-          </a:p>
-        </p:txBody>
-      </p:sp>
-      <p:pic>
-        <p:nvPicPr>
-          <p:cNvPr id="22" name="Resim 21">
-            <a:extLst>
-              <a:ext uri="{FF2B5EF4-FFF2-40B4-BE49-F238E27FC236}">
-                <a16:creationId xmlns:a16="http://schemas.microsoft.com/office/drawing/2014/main" id="{FD79CA06-2C94-40AD-BE16-C2887D526E78}"/>
-              </a:ext>
-            </a:extLst>
-          </p:cNvPr>
-          <p:cNvPicPr>
-            <a:picLocks noChangeAspect="1"/>
-          </p:cNvPicPr>
-          <p:nvPr/>
-        </p:nvPicPr>
-        <p:blipFill>
-          <a:blip r:embed="rId3">
-            <a:extLst>
-              <a:ext uri="{28A0092B-C50C-407E-A947-70E740481C1C}">
-                <a14:useLocalDpi xmlns:a14="http://schemas.microsoft.com/office/drawing/2010/main" val="0"/>
-              </a:ext>
-            </a:extLst>
-          </a:blip>
-          <a:stretch>
-            <a:fillRect/>
-          </a:stretch>
-        </p:blipFill>
-        <p:spPr>
-          <a:xfrm>
-            <a:off x="7594050" y="4841167"/>
-            <a:ext cx="1627341" cy="1627341"/>
-          </a:xfrm>
-          <a:prstGeom prst="rect">
-            <a:avLst/>
-          </a:prstGeom>
-        </p:spPr>
-      </p:pic>
-      <p:pic>
-        <p:nvPicPr>
-          <p:cNvPr id="26" name="Resim 25" descr="metin, kişi, adam, duvar içeren bir resim&#10;&#10;Açıklama otomatik olarak oluşturuldu">
-            <a:extLst>
-              <a:ext uri="{FF2B5EF4-FFF2-40B4-BE49-F238E27FC236}">
-                <a16:creationId xmlns:a16="http://schemas.microsoft.com/office/drawing/2014/main" id="{4DC02A3B-7893-41A2-A834-3BA650047702}"/>
-              </a:ext>
-            </a:extLst>
-          </p:cNvPr>
-          <p:cNvPicPr>
-            <a:picLocks noChangeAspect="1"/>
-          </p:cNvPicPr>
-          <p:nvPr/>
-        </p:nvPicPr>
-        <p:blipFill>
-          <a:blip r:embed="rId5">
-            <a:extLst>
-              <a:ext uri="{28A0092B-C50C-407E-A947-70E740481C1C}">
-                <a14:useLocalDpi xmlns:a14="http://schemas.microsoft.com/office/drawing/2010/main" val="0"/>
-              </a:ext>
-            </a:extLst>
-          </a:blip>
-          <a:stretch>
-            <a:fillRect/>
-          </a:stretch>
-        </p:blipFill>
-        <p:spPr>
-          <a:xfrm>
-            <a:off x="4133879" y="1603068"/>
-            <a:ext cx="1825932" cy="1839928"/>
-          </a:xfrm>
-          <a:prstGeom prst="rect">
-            <a:avLst/>
-          </a:prstGeom>
-        </p:spPr>
-      </p:pic>
-      <p:pic>
-        <p:nvPicPr>
-          <p:cNvPr id="28" name="Resim 27" descr="kişi, adam, iç mekan, genç içeren bir resim&#10;&#10;Açıklama otomatik olarak oluşturuldu">
-            <a:extLst>
-              <a:ext uri="{FF2B5EF4-FFF2-40B4-BE49-F238E27FC236}">
-                <a16:creationId xmlns:a16="http://schemas.microsoft.com/office/drawing/2014/main" id="{512ECF1E-DACA-494B-A076-8A16840916C3}"/>
-              </a:ext>
-            </a:extLst>
-          </p:cNvPr>
-          <p:cNvPicPr>
-            <a:picLocks noChangeAspect="1"/>
-          </p:cNvPicPr>
-          <p:nvPr/>
-        </p:nvPicPr>
-        <p:blipFill>
-          <a:blip r:embed="rId6">
-            <a:extLst>
-              <a:ext uri="{28A0092B-C50C-407E-A947-70E740481C1C}">
-                <a14:useLocalDpi xmlns:a14="http://schemas.microsoft.com/office/drawing/2010/main" val="0"/>
-              </a:ext>
-            </a:extLst>
-          </a:blip>
-          <a:stretch>
-            <a:fillRect/>
-          </a:stretch>
-        </p:blipFill>
-        <p:spPr>
-          <a:xfrm>
-            <a:off x="7495508" y="1604577"/>
-            <a:ext cx="1824423" cy="1824423"/>
-          </a:xfrm>
-          <a:prstGeom prst="rect">
-            <a:avLst/>
-          </a:prstGeom>
-        </p:spPr>
-      </p:pic>
-      <p:sp>
-        <p:nvSpPr>
-          <p:cNvPr id="14" name="Başlık 1">
-            <a:extLst>
-              <a:ext uri="{FF2B5EF4-FFF2-40B4-BE49-F238E27FC236}">
-                <a16:creationId xmlns:a16="http://schemas.microsoft.com/office/drawing/2014/main" id="{FD42A4C5-1F70-425E-804E-F08A9291C825}"/>
-              </a:ext>
-            </a:extLst>
-          </p:cNvPr>
-          <p:cNvSpPr>
-            <a:spLocks noGrp="1"/>
-          </p:cNvSpPr>
-          <p:nvPr/>
-        </p:nvSpPr>
-        <p:spPr>
-          <a:xfrm>
-            <a:off x="11457479" y="6060420"/>
-            <a:ext cx="734521" cy="797580"/>
-          </a:xfrm>
-          <a:prstGeom prst="rect">
-            <a:avLst/>
-          </a:prstGeom>
-        </p:spPr>
-        <p:txBody>
-          <a:bodyPr vert="horz" lIns="91440" tIns="45720" rIns="91440" bIns="45720" rtlCol="0" anchor="t">
-            <a:normAutofit/>
-          </a:bodyPr>
-          <a:lstStyle>
-            <a:lvl1pPr algn="l" defTabSz="457200" rtl="0" eaLnBrk="1" latinLnBrk="0" hangingPunct="1">
-              <a:spcBef>
-                <a:spcPct val="0"/>
-              </a:spcBef>
-              <a:buNone/>
-              <a:defRPr sz="3600" kern="1200">
-                <a:solidFill>
-                  <a:schemeClr val="accent1"/>
-                </a:solidFill>
-                <a:latin typeface="+mj-lt"/>
-                <a:ea typeface="+mj-ea"/>
-                <a:cs typeface="+mj-cs"/>
-              </a:defRPr>
-            </a:lvl1pPr>
-            <a:lvl2pPr eaLnBrk="1" hangingPunct="1">
-              <a:defRPr>
-                <a:solidFill>
-                  <a:schemeClr val="tx2"/>
-                </a:solidFill>
-              </a:defRPr>
-            </a:lvl2pPr>
-            <a:lvl3pPr eaLnBrk="1" hangingPunct="1">
-              <a:defRPr>
-                <a:solidFill>
-                  <a:schemeClr val="tx2"/>
-                </a:solidFill>
-              </a:defRPr>
-            </a:lvl3pPr>
-            <a:lvl4pPr eaLnBrk="1" hangingPunct="1">
-              <a:defRPr>
-                <a:solidFill>
-                  <a:schemeClr val="tx2"/>
-                </a:solidFill>
-              </a:defRPr>
-            </a:lvl4pPr>
-            <a:lvl5pPr eaLnBrk="1" hangingPunct="1">
-              <a:defRPr>
-                <a:solidFill>
-                  <a:schemeClr val="tx2"/>
-                </a:solidFill>
-              </a:defRPr>
-            </a:lvl5pPr>
-            <a:lvl6pPr eaLnBrk="1" hangingPunct="1">
-              <a:defRPr>
-                <a:solidFill>
-                  <a:schemeClr val="tx2"/>
-                </a:solidFill>
-              </a:defRPr>
-            </a:lvl6pPr>
-            <a:lvl7pPr eaLnBrk="1" hangingPunct="1">
-              <a:defRPr>
-                <a:solidFill>
-                  <a:schemeClr val="tx2"/>
-                </a:solidFill>
-              </a:defRPr>
-            </a:lvl7pPr>
-            <a:lvl8pPr eaLnBrk="1" hangingPunct="1">
-              <a:defRPr>
-                <a:solidFill>
-                  <a:schemeClr val="tx2"/>
-                </a:solidFill>
-              </a:defRPr>
-            </a:lvl8pPr>
-            <a:lvl9pPr eaLnBrk="1" hangingPunct="1">
-              <a:defRPr>
-                <a:solidFill>
-                  <a:schemeClr val="tx2"/>
-                </a:solidFill>
-              </a:defRPr>
-            </a:lvl9pPr>
-          </a:lstStyle>
-          <a:p>
-            <a:r>
-              <a:rPr lang="tr-TR" dirty="0">
-                <a:solidFill>
-                  <a:schemeClr val="tx1"/>
-                </a:solidFill>
-              </a:rPr>
-              <a:t>3</a:t>
-            </a:r>
-            <a:endParaRPr lang="en-GB" dirty="0">
-              <a:solidFill>
-                <a:schemeClr val="tx1"/>
-              </a:solidFill>
-            </a:endParaRPr>
-          </a:p>
-        </p:txBody>
-      </p:sp>
-    </p:spTree>
-    <p:extLst>
-      <p:ext uri="{BB962C8B-B14F-4D97-AF65-F5344CB8AC3E}">
-        <p14:creationId xmlns:p14="http://schemas.microsoft.com/office/powerpoint/2010/main" val="1699626009"/>
-      </p:ext>
-    </p:extLst>
-  </p:cSld>
-  <p:clrMapOvr>
-    <a:masterClrMapping/>
-  </p:clrMapOvr>
-</p:sld>
-</file>
-
-<file path=ppt/slides/slide4.xml><?xml version="1.0" encoding="utf-8"?>
-<p:sld xmlns:a="http://schemas.openxmlformats.org/drawingml/2006/main" xmlns:r="http://schemas.openxmlformats.org/officeDocument/2006/relationships" xmlns:p="http://schemas.openxmlformats.org/presentationml/2006/main">
-  <p:cSld>
-    <p:bg>
-      <p:bgPr>
-        <a:solidFill>
-          <a:schemeClr val="accent1"/>
-        </a:solidFill>
-        <a:effectLst/>
-      </p:bgPr>
-    </p:bg>
-    <p:spTree>
-      <p:nvGrpSpPr>
-        <p:cNvPr id="1" name=""/>
-        <p:cNvGrpSpPr/>
-        <p:nvPr/>
-      </p:nvGrpSpPr>
-      <p:grpSpPr>
-        <a:xfrm>
-          <a:off x="0" y="0"/>
-          <a:ext cx="0" cy="0"/>
-          <a:chOff x="0" y="0"/>
-          <a:chExt cx="0" cy="0"/>
-        </a:xfrm>
-      </p:grpSpPr>
-      <p:sp>
-        <p:nvSpPr>
-          <p:cNvPr id="2" name="Başlık 1">
-            <a:extLst>
-              <a:ext uri="{FF2B5EF4-FFF2-40B4-BE49-F238E27FC236}">
-                <a16:creationId xmlns:a16="http://schemas.microsoft.com/office/drawing/2014/main" id="{2EA88767-0EDF-49C7-B0A5-957DB506D790}"/>
-              </a:ext>
-            </a:extLst>
-          </p:cNvPr>
-          <p:cNvSpPr>
-            <a:spLocks noGrp="1"/>
-          </p:cNvSpPr>
-          <p:nvPr>
-            <p:ph type="title"/>
-          </p:nvPr>
-        </p:nvSpPr>
-        <p:spPr/>
-        <p:txBody>
-          <a:bodyPr/>
-          <a:lstStyle/>
-          <a:p>
-            <a:r>
-              <a:rPr lang="tr-TR" sz="3600" dirty="0">
-                <a:solidFill>
-                  <a:schemeClr val="bg1"/>
-                </a:solidFill>
-              </a:rPr>
-              <a:t>Problem tanımı</a:t>
-            </a:r>
-            <a:endParaRPr lang="en-GB" dirty="0"/>
-          </a:p>
-        </p:txBody>
-      </p:sp>
-      <p:pic>
-        <p:nvPicPr>
-          <p:cNvPr id="5" name="İçerik Yer Tutucusu 4" descr="tablo içeren bir resim&#10;&#10;Açıklama otomatik olarak oluşturuldu">
-            <a:extLst>
-              <a:ext uri="{FF2B5EF4-FFF2-40B4-BE49-F238E27FC236}">
-                <a16:creationId xmlns:a16="http://schemas.microsoft.com/office/drawing/2014/main" id="{4E010D67-C7B9-4FE5-BD63-028D7AC01E10}"/>
-              </a:ext>
-            </a:extLst>
-          </p:cNvPr>
-          <p:cNvPicPr>
-            <a:picLocks noGrp="1" noChangeAspect="1"/>
-          </p:cNvPicPr>
-          <p:nvPr>
-            <p:ph idx="1"/>
-          </p:nvPr>
-        </p:nvPicPr>
-        <p:blipFill>
-          <a:blip r:embed="rId2">
-            <a:extLst>
-              <a:ext uri="{28A0092B-C50C-407E-A947-70E740481C1C}">
-                <a14:useLocalDpi xmlns:a14="http://schemas.microsoft.com/office/drawing/2010/main" val="0"/>
-              </a:ext>
-            </a:extLst>
-          </a:blip>
-          <a:stretch>
-            <a:fillRect/>
-          </a:stretch>
-        </p:blipFill>
-        <p:spPr>
-          <a:xfrm>
-            <a:off x="1302898" y="1538832"/>
-            <a:ext cx="9586204" cy="4878524"/>
-          </a:xfrm>
-        </p:spPr>
-      </p:pic>
-      <p:sp>
-        <p:nvSpPr>
-          <p:cNvPr id="6" name="Başlık 1">
-            <a:extLst>
-              <a:ext uri="{FF2B5EF4-FFF2-40B4-BE49-F238E27FC236}">
-                <a16:creationId xmlns:a16="http://schemas.microsoft.com/office/drawing/2014/main" id="{2F96676C-442D-412B-96B6-057CAF55146E}"/>
-              </a:ext>
-            </a:extLst>
-          </p:cNvPr>
-          <p:cNvSpPr>
-            <a:spLocks noGrp="1"/>
-          </p:cNvSpPr>
-          <p:nvPr/>
-        </p:nvSpPr>
-        <p:spPr>
-          <a:xfrm>
-            <a:off x="11457479" y="6060420"/>
-            <a:ext cx="734521" cy="797580"/>
-          </a:xfrm>
-          <a:prstGeom prst="rect">
-            <a:avLst/>
-          </a:prstGeom>
-        </p:spPr>
-        <p:txBody>
-          <a:bodyPr vert="horz" lIns="91440" tIns="45720" rIns="91440" bIns="45720" rtlCol="0" anchor="t">
-            <a:normAutofit/>
-          </a:bodyPr>
-          <a:lstStyle>
-            <a:lvl1pPr algn="l" defTabSz="457200" rtl="0" eaLnBrk="1" latinLnBrk="0" hangingPunct="1">
-              <a:spcBef>
-                <a:spcPct val="0"/>
-              </a:spcBef>
-              <a:buNone/>
-              <a:defRPr sz="3600" kern="1200">
-                <a:solidFill>
-                  <a:schemeClr val="accent1"/>
-                </a:solidFill>
-                <a:latin typeface="+mj-lt"/>
-                <a:ea typeface="+mj-ea"/>
-                <a:cs typeface="+mj-cs"/>
-              </a:defRPr>
-            </a:lvl1pPr>
-            <a:lvl2pPr eaLnBrk="1" hangingPunct="1">
-              <a:defRPr>
-                <a:solidFill>
-                  <a:schemeClr val="tx2"/>
-                </a:solidFill>
-              </a:defRPr>
-            </a:lvl2pPr>
-            <a:lvl3pPr eaLnBrk="1" hangingPunct="1">
-              <a:defRPr>
-                <a:solidFill>
-                  <a:schemeClr val="tx2"/>
-                </a:solidFill>
-              </a:defRPr>
-            </a:lvl3pPr>
-            <a:lvl4pPr eaLnBrk="1" hangingPunct="1">
-              <a:defRPr>
-                <a:solidFill>
-                  <a:schemeClr val="tx2"/>
-                </a:solidFill>
-              </a:defRPr>
-            </a:lvl4pPr>
-            <a:lvl5pPr eaLnBrk="1" hangingPunct="1">
-              <a:defRPr>
-                <a:solidFill>
-                  <a:schemeClr val="tx2"/>
-                </a:solidFill>
-              </a:defRPr>
-            </a:lvl5pPr>
-            <a:lvl6pPr eaLnBrk="1" hangingPunct="1">
-              <a:defRPr>
-                <a:solidFill>
-                  <a:schemeClr val="tx2"/>
-                </a:solidFill>
-              </a:defRPr>
-            </a:lvl6pPr>
-            <a:lvl7pPr eaLnBrk="1" hangingPunct="1">
-              <a:defRPr>
-                <a:solidFill>
-                  <a:schemeClr val="tx2"/>
-                </a:solidFill>
-              </a:defRPr>
-            </a:lvl7pPr>
-            <a:lvl8pPr eaLnBrk="1" hangingPunct="1">
-              <a:defRPr>
-                <a:solidFill>
-                  <a:schemeClr val="tx2"/>
-                </a:solidFill>
-              </a:defRPr>
-            </a:lvl8pPr>
-            <a:lvl9pPr eaLnBrk="1" hangingPunct="1">
-              <a:defRPr>
-                <a:solidFill>
-                  <a:schemeClr val="tx2"/>
-                </a:solidFill>
-              </a:defRPr>
-            </a:lvl9pPr>
-          </a:lstStyle>
-          <a:p>
-            <a:r>
-              <a:rPr lang="tr-TR" dirty="0">
-                <a:solidFill>
-                  <a:schemeClr val="tx1"/>
-                </a:solidFill>
-              </a:rPr>
-              <a:t>4</a:t>
-            </a:r>
-            <a:endParaRPr lang="en-GB" dirty="0">
-              <a:solidFill>
-                <a:schemeClr val="tx1"/>
-              </a:solidFill>
-            </a:endParaRPr>
-          </a:p>
-        </p:txBody>
-      </p:sp>
-    </p:spTree>
-    <p:extLst>
-      <p:ext uri="{BB962C8B-B14F-4D97-AF65-F5344CB8AC3E}">
-        <p14:creationId xmlns:p14="http://schemas.microsoft.com/office/powerpoint/2010/main" val="3167731099"/>
-      </p:ext>
-    </p:extLst>
-  </p:cSld>
-  <p:clrMapOvr>
-    <a:masterClrMapping/>
-  </p:clrMapOvr>
-</p:sld>
-</file>
-
-<file path=ppt/slides/slide5.xml><?xml version="1.0" encoding="utf-8"?>
-<p:sld xmlns:a="http://schemas.openxmlformats.org/drawingml/2006/main" xmlns:r="http://schemas.openxmlformats.org/officeDocument/2006/relationships" xmlns:p="http://schemas.openxmlformats.org/presentationml/2006/main">
-  <p:cSld>
-    <p:bg>
-      <p:bgPr>
-        <a:gradFill>
-          <a:gsLst>
-            <a:gs pos="100000">
-              <a:schemeClr val="accent1">
-                <a:lumMod val="5000"/>
-                <a:lumOff val="95000"/>
-              </a:schemeClr>
-            </a:gs>
-            <a:gs pos="100000">
-              <a:schemeClr val="accent1">
-                <a:lumMod val="45000"/>
-                <a:lumOff val="55000"/>
-              </a:schemeClr>
-            </a:gs>
-            <a:gs pos="84831">
-              <a:schemeClr val="accent1">
-                <a:lumMod val="5000"/>
-                <a:lumOff val="95000"/>
-              </a:schemeClr>
-            </a:gs>
-            <a:gs pos="38000">
-              <a:schemeClr val="accent1">
-                <a:lumMod val="45000"/>
-                <a:lumOff val="55000"/>
-              </a:schemeClr>
-            </a:gs>
-            <a:gs pos="72000">
-              <a:schemeClr val="accent1">
-                <a:lumMod val="30000"/>
-                <a:lumOff val="70000"/>
-              </a:schemeClr>
-            </a:gs>
-          </a:gsLst>
-          <a:lin ang="5400000" scaled="1"/>
-        </a:gradFill>
-        <a:effectLst/>
-      </p:bgPr>
-    </p:bg>
-    <p:spTree>
-      <p:nvGrpSpPr>
-        <p:cNvPr id="1" name=""/>
-        <p:cNvGrpSpPr/>
-        <p:nvPr/>
-      </p:nvGrpSpPr>
-      <p:grpSpPr>
-        <a:xfrm>
-          <a:off x="0" y="0"/>
-          <a:ext cx="0" cy="0"/>
-          <a:chOff x="0" y="0"/>
-          <a:chExt cx="0" cy="0"/>
-        </a:xfrm>
-      </p:grpSpPr>
-      <p:sp>
-        <p:nvSpPr>
-          <p:cNvPr id="11" name="Metin kutusu 10">
-            <a:extLst>
-              <a:ext uri="{FF2B5EF4-FFF2-40B4-BE49-F238E27FC236}">
-                <a16:creationId xmlns:a16="http://schemas.microsoft.com/office/drawing/2014/main" id="{3683D5D3-150C-4483-A526-254297AF7A43}"/>
-              </a:ext>
-            </a:extLst>
-          </p:cNvPr>
-          <p:cNvSpPr txBox="1"/>
-          <p:nvPr/>
-        </p:nvSpPr>
-        <p:spPr>
-          <a:xfrm>
-            <a:off x="845789" y="378368"/>
-            <a:ext cx="7337759" cy="646331"/>
-          </a:xfrm>
-          <a:prstGeom prst="rect">
-            <a:avLst/>
-          </a:prstGeom>
-          <a:noFill/>
-        </p:spPr>
-        <p:txBody>
-          <a:bodyPr wrap="square">
-            <a:spAutoFit/>
-          </a:bodyPr>
-          <a:lstStyle/>
-          <a:p>
-            <a:r>
-              <a:rPr lang="tr-TR" sz="3600" dirty="0">
-                <a:solidFill>
-                  <a:schemeClr val="bg1"/>
-                </a:solidFill>
-              </a:rPr>
-              <a:t>Veriyi inceleme ve anlama</a:t>
-            </a:r>
-            <a:endParaRPr lang="en-GB" sz="3600" i="1" dirty="0">
-              <a:solidFill>
-                <a:schemeClr val="bg1"/>
-              </a:solidFill>
-            </a:endParaRPr>
-          </a:p>
-        </p:txBody>
-      </p:sp>
-      <p:pic>
-        <p:nvPicPr>
-          <p:cNvPr id="14" name="Resim 13" descr="ok içeren bir resim&#10;&#10;Açıklama otomatik olarak oluşturuldu">
-            <a:extLst>
-              <a:ext uri="{FF2B5EF4-FFF2-40B4-BE49-F238E27FC236}">
-                <a16:creationId xmlns:a16="http://schemas.microsoft.com/office/drawing/2014/main" id="{4B3AC1B6-3F2E-4A5D-9DBF-910E19C17902}"/>
-              </a:ext>
-            </a:extLst>
-          </p:cNvPr>
-          <p:cNvPicPr>
-            <a:picLocks noChangeAspect="1"/>
-          </p:cNvPicPr>
-          <p:nvPr/>
-        </p:nvPicPr>
-        <p:blipFill>
-          <a:blip r:embed="rId2">
-            <a:extLst>
-              <a:ext uri="{28A0092B-C50C-407E-A947-70E740481C1C}">
-                <a14:useLocalDpi xmlns:a14="http://schemas.microsoft.com/office/drawing/2010/main" val="0"/>
-              </a:ext>
-            </a:extLst>
-          </a:blip>
-          <a:stretch>
-            <a:fillRect/>
-          </a:stretch>
-        </p:blipFill>
-        <p:spPr>
-          <a:xfrm>
-            <a:off x="7490229" y="84325"/>
-            <a:ext cx="1019998" cy="1019998"/>
-          </a:xfrm>
-          <a:prstGeom prst="rect">
-            <a:avLst/>
-          </a:prstGeom>
-        </p:spPr>
-      </p:pic>
-      <p:pic>
-        <p:nvPicPr>
-          <p:cNvPr id="15" name="Resim 14">
-            <a:extLst>
-              <a:ext uri="{FF2B5EF4-FFF2-40B4-BE49-F238E27FC236}">
-                <a16:creationId xmlns:a16="http://schemas.microsoft.com/office/drawing/2014/main" id="{20DBE111-E059-43BA-916D-DE4461E3CA6F}"/>
-              </a:ext>
-            </a:extLst>
-          </p:cNvPr>
-          <p:cNvPicPr>
-            <a:picLocks noChangeAspect="1"/>
-          </p:cNvPicPr>
-          <p:nvPr/>
-        </p:nvPicPr>
-        <p:blipFill>
-          <a:blip r:embed="rId3">
-            <a:extLst>
-              <a:ext uri="{28A0092B-C50C-407E-A947-70E740481C1C}">
-                <a14:useLocalDpi xmlns:a14="http://schemas.microsoft.com/office/drawing/2010/main" val="0"/>
-              </a:ext>
-            </a:extLst>
-          </a:blip>
-          <a:stretch>
-            <a:fillRect/>
-          </a:stretch>
-        </p:blipFill>
-        <p:spPr>
-          <a:xfrm>
-            <a:off x="8859014" y="158201"/>
-            <a:ext cx="2712725" cy="872245"/>
-          </a:xfrm>
-          <a:prstGeom prst="rect">
-            <a:avLst/>
-          </a:prstGeom>
-        </p:spPr>
-      </p:pic>
-      <p:sp>
-        <p:nvSpPr>
-          <p:cNvPr id="20" name="Metin kutusu 19">
-            <a:extLst>
-              <a:ext uri="{FF2B5EF4-FFF2-40B4-BE49-F238E27FC236}">
-                <a16:creationId xmlns:a16="http://schemas.microsoft.com/office/drawing/2014/main" id="{86131008-6D1D-41E3-83E6-664694F17E2D}"/>
-              </a:ext>
-            </a:extLst>
-          </p:cNvPr>
-          <p:cNvSpPr txBox="1"/>
-          <p:nvPr/>
-        </p:nvSpPr>
-        <p:spPr>
-          <a:xfrm>
-            <a:off x="377880" y="4110712"/>
-            <a:ext cx="10458913" cy="2554545"/>
-          </a:xfrm>
-          <a:prstGeom prst="rect">
-            <a:avLst/>
-          </a:prstGeom>
-          <a:noFill/>
-        </p:spPr>
-        <p:txBody>
-          <a:bodyPr wrap="square">
-            <a:spAutoFit/>
-          </a:bodyPr>
-          <a:lstStyle/>
-          <a:p>
-            <a:r>
-              <a:rPr lang="tr-TR" sz="3200" i="1" dirty="0"/>
-              <a:t>-</a:t>
-            </a:r>
-            <a:r>
-              <a:rPr lang="tr-TR" sz="3200" i="1" dirty="0" err="1"/>
-              <a:t>Imbalance</a:t>
-            </a:r>
-            <a:r>
-              <a:rPr lang="tr-TR" sz="3200" i="1" dirty="0"/>
-              <a:t> </a:t>
-            </a:r>
-          </a:p>
-          <a:p>
-            <a:r>
-              <a:rPr lang="tr-TR" sz="3200" i="1" dirty="0"/>
-              <a:t>-Veri dağılımların kontrol edilmesi</a:t>
-            </a:r>
-          </a:p>
-          <a:p>
-            <a:r>
-              <a:rPr lang="tr-TR" sz="3200" i="1" dirty="0"/>
-              <a:t>-Verileri doğrulama</a:t>
-            </a:r>
-          </a:p>
-          <a:p>
-            <a:r>
-              <a:rPr lang="tr-TR" sz="3200" i="1" dirty="0"/>
-              <a:t>	- </a:t>
-            </a:r>
-            <a:r>
-              <a:rPr lang="tr-TR" sz="3200" i="1" dirty="0" err="1"/>
-              <a:t>Price</a:t>
-            </a:r>
-            <a:r>
-              <a:rPr lang="tr-TR" sz="3200" i="1" dirty="0"/>
-              <a:t> &lt; 0</a:t>
-            </a:r>
-          </a:p>
-          <a:p>
-            <a:r>
-              <a:rPr lang="tr-TR" sz="3200" i="1" dirty="0"/>
-              <a:t>	- </a:t>
-            </a:r>
-            <a:r>
-              <a:rPr lang="tr-TR" sz="3200" i="1" dirty="0" err="1"/>
-              <a:t>Startdate</a:t>
-            </a:r>
-            <a:r>
-              <a:rPr lang="tr-TR" sz="3200" i="1" dirty="0"/>
-              <a:t> &lt; </a:t>
-            </a:r>
-            <a:r>
-              <a:rPr lang="tr-TR" sz="3200" i="1" dirty="0" err="1"/>
-              <a:t>Createdate</a:t>
-            </a:r>
-            <a:endParaRPr lang="tr-TR" sz="3200" i="1" dirty="0"/>
-          </a:p>
-        </p:txBody>
-      </p:sp>
-      <p:pic>
-        <p:nvPicPr>
-          <p:cNvPr id="22" name="Resim 21">
-            <a:extLst>
-              <a:ext uri="{FF2B5EF4-FFF2-40B4-BE49-F238E27FC236}">
-                <a16:creationId xmlns:a16="http://schemas.microsoft.com/office/drawing/2014/main" id="{A12F9958-54C7-429E-8F51-7500403618BB}"/>
-              </a:ext>
-            </a:extLst>
-          </p:cNvPr>
-          <p:cNvPicPr>
-            <a:picLocks noChangeAspect="1"/>
-          </p:cNvPicPr>
-          <p:nvPr/>
-        </p:nvPicPr>
-        <p:blipFill>
-          <a:blip r:embed="rId4">
-            <a:extLst>
-              <a:ext uri="{28A0092B-C50C-407E-A947-70E740481C1C}">
-                <a14:useLocalDpi xmlns:a14="http://schemas.microsoft.com/office/drawing/2010/main" val="0"/>
-              </a:ext>
-            </a:extLst>
-          </a:blip>
-          <a:stretch>
-            <a:fillRect/>
-          </a:stretch>
-        </p:blipFill>
-        <p:spPr>
-          <a:xfrm>
-            <a:off x="144390" y="1213438"/>
-            <a:ext cx="4019394" cy="2352213"/>
-          </a:xfrm>
-          <a:prstGeom prst="rect">
-            <a:avLst/>
-          </a:prstGeom>
-        </p:spPr>
-      </p:pic>
-      <p:pic>
-        <p:nvPicPr>
-          <p:cNvPr id="24" name="Resim 23">
-            <a:extLst>
-              <a:ext uri="{FF2B5EF4-FFF2-40B4-BE49-F238E27FC236}">
-                <a16:creationId xmlns:a16="http://schemas.microsoft.com/office/drawing/2014/main" id="{333F1AC5-13BB-47DB-B35A-672DDC345A34}"/>
-              </a:ext>
-            </a:extLst>
-          </p:cNvPr>
-          <p:cNvPicPr>
-            <a:picLocks noChangeAspect="1"/>
-          </p:cNvPicPr>
-          <p:nvPr/>
-        </p:nvPicPr>
-        <p:blipFill>
-          <a:blip r:embed="rId5">
-            <a:extLst>
-              <a:ext uri="{28A0092B-C50C-407E-A947-70E740481C1C}">
-                <a14:useLocalDpi xmlns:a14="http://schemas.microsoft.com/office/drawing/2010/main" val="0"/>
-              </a:ext>
-            </a:extLst>
-          </a:blip>
-          <a:stretch>
-            <a:fillRect/>
-          </a:stretch>
-        </p:blipFill>
-        <p:spPr>
-          <a:xfrm>
-            <a:off x="4277891" y="1191420"/>
-            <a:ext cx="3775471" cy="2352213"/>
-          </a:xfrm>
-          <a:prstGeom prst="rect">
-            <a:avLst/>
-          </a:prstGeom>
-        </p:spPr>
-      </p:pic>
-      <p:pic>
-        <p:nvPicPr>
-          <p:cNvPr id="26" name="Resim 25">
-            <a:extLst>
-              <a:ext uri="{FF2B5EF4-FFF2-40B4-BE49-F238E27FC236}">
-                <a16:creationId xmlns:a16="http://schemas.microsoft.com/office/drawing/2014/main" id="{EE24A831-1D58-4B58-A935-D9A277BC53C7}"/>
-              </a:ext>
-            </a:extLst>
-          </p:cNvPr>
-          <p:cNvPicPr>
-            <a:picLocks noChangeAspect="1"/>
-          </p:cNvPicPr>
-          <p:nvPr/>
-        </p:nvPicPr>
-        <p:blipFill>
-          <a:blip r:embed="rId6">
-            <a:extLst>
-              <a:ext uri="{28A0092B-C50C-407E-A947-70E740481C1C}">
-                <a14:useLocalDpi xmlns:a14="http://schemas.microsoft.com/office/drawing/2010/main" val="0"/>
-              </a:ext>
-            </a:extLst>
-          </a:blip>
-          <a:stretch>
-            <a:fillRect/>
-          </a:stretch>
-        </p:blipFill>
-        <p:spPr>
-          <a:xfrm>
-            <a:off x="8183548" y="1208129"/>
-            <a:ext cx="3751520" cy="2352212"/>
-          </a:xfrm>
-          <a:prstGeom prst="rect">
-            <a:avLst/>
-          </a:prstGeom>
-        </p:spPr>
-      </p:pic>
-      <p:pic>
-        <p:nvPicPr>
-          <p:cNvPr id="28" name="Resim 27">
-            <a:extLst>
-              <a:ext uri="{FF2B5EF4-FFF2-40B4-BE49-F238E27FC236}">
-                <a16:creationId xmlns:a16="http://schemas.microsoft.com/office/drawing/2014/main" id="{DC5CE59A-3013-495B-87FE-85465A228BA7}"/>
-              </a:ext>
-            </a:extLst>
-          </p:cNvPr>
-          <p:cNvPicPr>
-            <a:picLocks noChangeAspect="1"/>
-          </p:cNvPicPr>
-          <p:nvPr/>
-        </p:nvPicPr>
-        <p:blipFill>
-          <a:blip r:embed="rId7">
-            <a:extLst>
-              <a:ext uri="{28A0092B-C50C-407E-A947-70E740481C1C}">
-                <a14:useLocalDpi xmlns:a14="http://schemas.microsoft.com/office/drawing/2010/main" val="0"/>
-              </a:ext>
-            </a:extLst>
-          </a:blip>
-          <a:stretch>
-            <a:fillRect/>
-          </a:stretch>
-        </p:blipFill>
-        <p:spPr>
-          <a:xfrm>
-            <a:off x="7651172" y="3878845"/>
-            <a:ext cx="3806307" cy="2352212"/>
-          </a:xfrm>
-          <a:prstGeom prst="rect">
-            <a:avLst/>
-          </a:prstGeom>
-        </p:spPr>
-      </p:pic>
-      <p:sp>
-        <p:nvSpPr>
-          <p:cNvPr id="12" name="Başlık 1">
-            <a:extLst>
-              <a:ext uri="{FF2B5EF4-FFF2-40B4-BE49-F238E27FC236}">
-                <a16:creationId xmlns:a16="http://schemas.microsoft.com/office/drawing/2014/main" id="{7F92F455-C5A6-4177-AD9B-B4E659E12624}"/>
-              </a:ext>
-            </a:extLst>
-          </p:cNvPr>
-          <p:cNvSpPr>
-            <a:spLocks noGrp="1"/>
-          </p:cNvSpPr>
-          <p:nvPr/>
-        </p:nvSpPr>
-        <p:spPr>
-          <a:xfrm>
-            <a:off x="11457479" y="6060420"/>
-            <a:ext cx="734521" cy="797580"/>
-          </a:xfrm>
-          <a:prstGeom prst="rect">
-            <a:avLst/>
-          </a:prstGeom>
-        </p:spPr>
-        <p:txBody>
-          <a:bodyPr vert="horz" lIns="91440" tIns="45720" rIns="91440" bIns="45720" rtlCol="0" anchor="t">
-            <a:normAutofit/>
-          </a:bodyPr>
-          <a:lstStyle>
-            <a:lvl1pPr algn="l" defTabSz="457200" rtl="0" eaLnBrk="1" latinLnBrk="0" hangingPunct="1">
-              <a:spcBef>
-                <a:spcPct val="0"/>
-              </a:spcBef>
-              <a:buNone/>
-              <a:defRPr sz="3600" kern="1200">
-                <a:solidFill>
-                  <a:schemeClr val="accent1"/>
-                </a:solidFill>
-                <a:latin typeface="+mj-lt"/>
-                <a:ea typeface="+mj-ea"/>
-                <a:cs typeface="+mj-cs"/>
-              </a:defRPr>
-            </a:lvl1pPr>
-            <a:lvl2pPr eaLnBrk="1" hangingPunct="1">
-              <a:defRPr>
-                <a:solidFill>
-                  <a:schemeClr val="tx2"/>
-                </a:solidFill>
-              </a:defRPr>
-            </a:lvl2pPr>
-            <a:lvl3pPr eaLnBrk="1" hangingPunct="1">
-              <a:defRPr>
-                <a:solidFill>
-                  <a:schemeClr val="tx2"/>
-                </a:solidFill>
-              </a:defRPr>
-            </a:lvl3pPr>
-            <a:lvl4pPr eaLnBrk="1" hangingPunct="1">
-              <a:defRPr>
-                <a:solidFill>
-                  <a:schemeClr val="tx2"/>
-                </a:solidFill>
-              </a:defRPr>
-            </a:lvl4pPr>
-            <a:lvl5pPr eaLnBrk="1" hangingPunct="1">
-              <a:defRPr>
-                <a:solidFill>
-                  <a:schemeClr val="tx2"/>
-                </a:solidFill>
-              </a:defRPr>
-            </a:lvl5pPr>
-            <a:lvl6pPr eaLnBrk="1" hangingPunct="1">
-              <a:defRPr>
-                <a:solidFill>
-                  <a:schemeClr val="tx2"/>
-                </a:solidFill>
-              </a:defRPr>
-            </a:lvl6pPr>
-            <a:lvl7pPr eaLnBrk="1" hangingPunct="1">
-              <a:defRPr>
-                <a:solidFill>
-                  <a:schemeClr val="tx2"/>
-                </a:solidFill>
-              </a:defRPr>
-            </a:lvl7pPr>
-            <a:lvl8pPr eaLnBrk="1" hangingPunct="1">
-              <a:defRPr>
-                <a:solidFill>
-                  <a:schemeClr val="tx2"/>
-                </a:solidFill>
-              </a:defRPr>
-            </a:lvl8pPr>
-            <a:lvl9pPr eaLnBrk="1" hangingPunct="1">
-              <a:defRPr>
-                <a:solidFill>
-                  <a:schemeClr val="tx2"/>
-                </a:solidFill>
-              </a:defRPr>
-            </a:lvl9pPr>
-          </a:lstStyle>
-          <a:p>
-            <a:r>
-              <a:rPr lang="tr-TR" dirty="0">
-                <a:solidFill>
-                  <a:schemeClr val="tx1"/>
-                </a:solidFill>
-              </a:rPr>
-              <a:t>5</a:t>
-            </a:r>
-            <a:endParaRPr lang="en-GB" dirty="0">
-              <a:solidFill>
-                <a:schemeClr val="tx1"/>
-              </a:solidFill>
-            </a:endParaRPr>
-          </a:p>
-        </p:txBody>
-      </p:sp>
-    </p:spTree>
-    <p:extLst>
-      <p:ext uri="{BB962C8B-B14F-4D97-AF65-F5344CB8AC3E}">
-        <p14:creationId xmlns:p14="http://schemas.microsoft.com/office/powerpoint/2010/main" val="1250063232"/>
-      </p:ext>
-    </p:extLst>
-  </p:cSld>
-  <p:clrMapOvr>
-    <a:masterClrMapping/>
-  </p:clrMapOvr>
-</p:sld>
-</file>
-
-<file path=ppt/slides/slide6.xml><?xml version="1.0" encoding="utf-8"?>
-<p:sld xmlns:a="http://schemas.openxmlformats.org/drawingml/2006/main" xmlns:r="http://schemas.openxmlformats.org/officeDocument/2006/relationships" xmlns:p="http://schemas.openxmlformats.org/presentationml/2006/main">
-  <p:cSld>
-    <p:bg>
-      <p:bgPr>
-        <a:solidFill>
-          <a:schemeClr val="accent1"/>
-        </a:solidFill>
-        <a:effectLst/>
-      </p:bgPr>
-    </p:bg>
-    <p:spTree>
-      <p:nvGrpSpPr>
-        <p:cNvPr id="1" name=""/>
-        <p:cNvGrpSpPr/>
-        <p:nvPr/>
-      </p:nvGrpSpPr>
-      <p:grpSpPr>
-        <a:xfrm>
-          <a:off x="0" y="0"/>
-          <a:ext cx="0" cy="0"/>
-          <a:chOff x="0" y="0"/>
-          <a:chExt cx="0" cy="0"/>
-        </a:xfrm>
-      </p:grpSpPr>
-      <p:sp>
-        <p:nvSpPr>
-          <p:cNvPr id="2" name="Başlık 1">
-            <a:extLst>
-              <a:ext uri="{FF2B5EF4-FFF2-40B4-BE49-F238E27FC236}">
-                <a16:creationId xmlns:a16="http://schemas.microsoft.com/office/drawing/2014/main" id="{3C4E64FC-9D9E-4D77-8F04-B6BD1E19A515}"/>
-              </a:ext>
-            </a:extLst>
-          </p:cNvPr>
-          <p:cNvSpPr>
-            <a:spLocks noGrp="1"/>
-          </p:cNvSpPr>
-          <p:nvPr>
-            <p:ph type="title"/>
-          </p:nvPr>
-        </p:nvSpPr>
-        <p:spPr>
-          <a:xfrm>
-            <a:off x="195943" y="199462"/>
-            <a:ext cx="8596668" cy="1320800"/>
-          </a:xfrm>
-        </p:spPr>
-        <p:txBody>
-          <a:bodyPr>
-            <a:normAutofit/>
-          </a:bodyPr>
-          <a:lstStyle/>
-          <a:p>
-            <a:r>
-              <a:rPr lang="tr-TR" sz="3600" dirty="0">
-                <a:solidFill>
-                  <a:schemeClr val="bg1"/>
-                </a:solidFill>
-              </a:rPr>
-              <a:t>Öznitelik seçimi ve yeni öznitelikler</a:t>
-            </a:r>
-            <a:endParaRPr lang="en-GB" sz="3600" i="1" dirty="0">
-              <a:solidFill>
-                <a:schemeClr val="bg1"/>
-              </a:solidFill>
-            </a:endParaRPr>
-          </a:p>
-        </p:txBody>
-      </p:sp>
-      <p:sp>
-        <p:nvSpPr>
-          <p:cNvPr id="3" name="İçerik Yer Tutucusu 2">
-            <a:extLst>
-              <a:ext uri="{FF2B5EF4-FFF2-40B4-BE49-F238E27FC236}">
-                <a16:creationId xmlns:a16="http://schemas.microsoft.com/office/drawing/2014/main" id="{F4ED8D6E-BA66-45C9-B360-172B61744E17}"/>
-              </a:ext>
-            </a:extLst>
-          </p:cNvPr>
-          <p:cNvSpPr>
-            <a:spLocks noGrp="1"/>
-          </p:cNvSpPr>
-          <p:nvPr>
-            <p:ph idx="1"/>
-          </p:nvPr>
-        </p:nvSpPr>
-        <p:spPr>
-          <a:xfrm>
-            <a:off x="231584" y="856078"/>
-            <a:ext cx="9078059" cy="4595117"/>
-          </a:xfrm>
-        </p:spPr>
-        <p:txBody>
-          <a:bodyPr>
-            <a:normAutofit/>
-          </a:bodyPr>
-          <a:lstStyle/>
-          <a:p>
-            <a:pPr marL="0" indent="0">
-              <a:buNone/>
-            </a:pPr>
-            <a:r>
-              <a:rPr lang="tr-TR" sz="2800" dirty="0" err="1">
-                <a:solidFill>
-                  <a:schemeClr val="bg1"/>
-                </a:solidFill>
-              </a:rPr>
-              <a:t>Day</a:t>
-            </a:r>
-            <a:r>
-              <a:rPr lang="tr-TR" sz="2800" dirty="0">
-                <a:solidFill>
-                  <a:schemeClr val="bg1"/>
-                </a:solidFill>
-              </a:rPr>
-              <a:t> </a:t>
-            </a:r>
-            <a:r>
-              <a:rPr lang="tr-TR" sz="2800" dirty="0" err="1">
-                <a:solidFill>
-                  <a:schemeClr val="bg1"/>
-                </a:solidFill>
-              </a:rPr>
-              <a:t>interval</a:t>
-            </a:r>
-            <a:r>
-              <a:rPr lang="tr-TR" sz="2800" dirty="0">
-                <a:solidFill>
-                  <a:schemeClr val="bg1"/>
-                </a:solidFill>
-              </a:rPr>
-              <a:t>: </a:t>
-            </a:r>
-            <a:r>
-              <a:rPr lang="tr-TR" sz="2800" dirty="0" err="1">
-                <a:solidFill>
-                  <a:schemeClr val="bg1"/>
-                </a:solidFill>
-              </a:rPr>
-              <a:t>JobStartDate</a:t>
-            </a:r>
-            <a:r>
-              <a:rPr lang="tr-TR" sz="2800" dirty="0">
-                <a:solidFill>
-                  <a:schemeClr val="bg1"/>
-                </a:solidFill>
-              </a:rPr>
-              <a:t> – </a:t>
-            </a:r>
-            <a:r>
-              <a:rPr lang="tr-TR" sz="2800" dirty="0" err="1">
-                <a:solidFill>
-                  <a:schemeClr val="bg1"/>
-                </a:solidFill>
-              </a:rPr>
-              <a:t>JobCreateDate</a:t>
-            </a:r>
-            <a:endParaRPr lang="tr-TR" sz="2800" dirty="0">
-              <a:solidFill>
-                <a:schemeClr val="bg1"/>
-              </a:solidFill>
-            </a:endParaRPr>
-          </a:p>
-          <a:p>
-            <a:pPr marL="0" indent="0">
-              <a:buNone/>
-            </a:pPr>
-            <a:r>
-              <a:rPr lang="tr-TR" sz="2800" dirty="0" err="1">
-                <a:solidFill>
-                  <a:schemeClr val="bg1"/>
-                </a:solidFill>
-              </a:rPr>
-              <a:t>Percentage</a:t>
-            </a:r>
-            <a:r>
-              <a:rPr lang="tr-TR" sz="2800" dirty="0">
-                <a:solidFill>
-                  <a:schemeClr val="bg1"/>
-                </a:solidFill>
-              </a:rPr>
-              <a:t> </a:t>
-            </a:r>
-            <a:r>
-              <a:rPr lang="tr-TR" sz="2800" dirty="0" err="1">
-                <a:solidFill>
-                  <a:schemeClr val="bg1"/>
-                </a:solidFill>
-              </a:rPr>
-              <a:t>filled</a:t>
-            </a:r>
-            <a:r>
-              <a:rPr lang="tr-TR" sz="2800" dirty="0">
-                <a:solidFill>
-                  <a:schemeClr val="bg1"/>
-                </a:solidFill>
-              </a:rPr>
-              <a:t>: Müşteri soruların yüzde kaçını cevapladı</a:t>
-            </a:r>
-          </a:p>
-          <a:p>
-            <a:pPr marL="0" indent="0">
-              <a:buNone/>
-            </a:pPr>
-            <a:r>
-              <a:rPr lang="tr-TR" sz="2800" dirty="0" err="1">
-                <a:solidFill>
-                  <a:schemeClr val="bg1"/>
-                </a:solidFill>
-              </a:rPr>
-              <a:t>Quarter</a:t>
-            </a:r>
-            <a:r>
-              <a:rPr lang="tr-TR" sz="2800" dirty="0">
-                <a:solidFill>
-                  <a:schemeClr val="bg1"/>
-                </a:solidFill>
-              </a:rPr>
-              <a:t>: Tarihler mevsimlere göre gruplandırıldı</a:t>
-            </a:r>
-            <a:endParaRPr lang="en-GB" sz="2800" dirty="0">
-              <a:solidFill>
-                <a:schemeClr val="bg1"/>
-              </a:solidFill>
-            </a:endParaRPr>
-          </a:p>
-        </p:txBody>
-      </p:sp>
-      <p:pic>
-        <p:nvPicPr>
-          <p:cNvPr id="9" name="Resim 8">
-            <a:extLst>
-              <a:ext uri="{FF2B5EF4-FFF2-40B4-BE49-F238E27FC236}">
-                <a16:creationId xmlns:a16="http://schemas.microsoft.com/office/drawing/2014/main" id="{693090CA-4F4F-48E5-A8E5-E4ADBA413A13}"/>
-              </a:ext>
-            </a:extLst>
-          </p:cNvPr>
-          <p:cNvPicPr>
-            <a:picLocks noChangeAspect="1"/>
-          </p:cNvPicPr>
-          <p:nvPr/>
-        </p:nvPicPr>
-        <p:blipFill>
-          <a:blip r:embed="rId2">
-            <a:extLst>
-              <a:ext uri="{28A0092B-C50C-407E-A947-70E740481C1C}">
-                <a14:useLocalDpi xmlns:a14="http://schemas.microsoft.com/office/drawing/2010/main" val="0"/>
-              </a:ext>
-            </a:extLst>
-          </a:blip>
-          <a:stretch>
-            <a:fillRect/>
-          </a:stretch>
-        </p:blipFill>
-        <p:spPr>
-          <a:xfrm>
-            <a:off x="8125819" y="566527"/>
-            <a:ext cx="4066181" cy="2497534"/>
-          </a:xfrm>
-          <a:prstGeom prst="rect">
-            <a:avLst/>
-          </a:prstGeom>
-        </p:spPr>
-      </p:pic>
-      <p:cxnSp>
-        <p:nvCxnSpPr>
-          <p:cNvPr id="13" name="Düz Ok Bağlayıcısı 12">
-            <a:extLst>
-              <a:ext uri="{FF2B5EF4-FFF2-40B4-BE49-F238E27FC236}">
-                <a16:creationId xmlns:a16="http://schemas.microsoft.com/office/drawing/2014/main" id="{9E04B5E6-B420-422B-AFF5-6C54834AE5B1}"/>
-              </a:ext>
-            </a:extLst>
-          </p:cNvPr>
-          <p:cNvCxnSpPr/>
-          <p:nvPr/>
-        </p:nvCxnSpPr>
-        <p:spPr>
-          <a:xfrm>
-            <a:off x="3147141" y="3743802"/>
-            <a:ext cx="725063" cy="0"/>
-          </a:xfrm>
-          <a:prstGeom prst="straightConnector1">
-            <a:avLst/>
-          </a:prstGeom>
-          <a:ln>
-            <a:tailEnd type="triangle"/>
-          </a:ln>
-        </p:spPr>
-        <p:style>
-          <a:lnRef idx="1">
-            <a:schemeClr val="accent1"/>
-          </a:lnRef>
-          <a:fillRef idx="0">
-            <a:schemeClr val="accent1"/>
-          </a:fillRef>
-          <a:effectRef idx="0">
-            <a:schemeClr val="accent1"/>
-          </a:effectRef>
-          <a:fontRef idx="minor">
-            <a:schemeClr val="tx1"/>
-          </a:fontRef>
-        </p:style>
-      </p:cxnSp>
-      <p:pic>
-        <p:nvPicPr>
-          <p:cNvPr id="16" name="Resim 15">
-            <a:extLst>
-              <a:ext uri="{FF2B5EF4-FFF2-40B4-BE49-F238E27FC236}">
-                <a16:creationId xmlns:a16="http://schemas.microsoft.com/office/drawing/2014/main" id="{E947D4AC-EA7B-4B71-B288-C3534436668E}"/>
-              </a:ext>
-            </a:extLst>
-          </p:cNvPr>
-          <p:cNvPicPr>
-            <a:picLocks noChangeAspect="1"/>
-          </p:cNvPicPr>
-          <p:nvPr/>
-        </p:nvPicPr>
-        <p:blipFill>
-          <a:blip r:embed="rId3">
-            <a:extLst>
-              <a:ext uri="{28A0092B-C50C-407E-A947-70E740481C1C}">
-                <a14:useLocalDpi xmlns:a14="http://schemas.microsoft.com/office/drawing/2010/main" val="0"/>
-              </a:ext>
-            </a:extLst>
-          </a:blip>
-          <a:stretch>
-            <a:fillRect/>
-          </a:stretch>
-        </p:blipFill>
-        <p:spPr>
-          <a:xfrm>
-            <a:off x="440046" y="3274121"/>
-            <a:ext cx="5211454" cy="3396228"/>
-          </a:xfrm>
-          <a:prstGeom prst="rect">
-            <a:avLst/>
-          </a:prstGeom>
-        </p:spPr>
-      </p:pic>
-      <p:pic>
-        <p:nvPicPr>
-          <p:cNvPr id="20" name="Resim 19">
-            <a:extLst>
-              <a:ext uri="{FF2B5EF4-FFF2-40B4-BE49-F238E27FC236}">
-                <a16:creationId xmlns:a16="http://schemas.microsoft.com/office/drawing/2014/main" id="{4BCBB829-B2D0-4B27-AD91-E68881CD6BF8}"/>
-              </a:ext>
-            </a:extLst>
-          </p:cNvPr>
-          <p:cNvPicPr>
-            <a:picLocks noChangeAspect="1"/>
-          </p:cNvPicPr>
-          <p:nvPr/>
-        </p:nvPicPr>
-        <p:blipFill>
-          <a:blip r:embed="rId4">
-            <a:extLst>
-              <a:ext uri="{28A0092B-C50C-407E-A947-70E740481C1C}">
-                <a14:useLocalDpi xmlns:a14="http://schemas.microsoft.com/office/drawing/2010/main" val="0"/>
-              </a:ext>
-            </a:extLst>
-          </a:blip>
-          <a:stretch>
-            <a:fillRect/>
-          </a:stretch>
-        </p:blipFill>
-        <p:spPr>
-          <a:xfrm>
-            <a:off x="6255643" y="3309185"/>
-            <a:ext cx="5073936" cy="3307637"/>
-          </a:xfrm>
-          <a:prstGeom prst="rect">
-            <a:avLst/>
-          </a:prstGeom>
-        </p:spPr>
-      </p:pic>
-      <p:sp>
-        <p:nvSpPr>
-          <p:cNvPr id="10" name="Başlık 1">
-            <a:extLst>
-              <a:ext uri="{FF2B5EF4-FFF2-40B4-BE49-F238E27FC236}">
-                <a16:creationId xmlns:a16="http://schemas.microsoft.com/office/drawing/2014/main" id="{B7319CEF-4D5F-42CA-A167-344AF36ED703}"/>
-              </a:ext>
-            </a:extLst>
-          </p:cNvPr>
-          <p:cNvSpPr>
-            <a:spLocks noGrp="1"/>
-          </p:cNvSpPr>
-          <p:nvPr/>
-        </p:nvSpPr>
-        <p:spPr>
-          <a:xfrm>
-            <a:off x="11457479" y="6060420"/>
-            <a:ext cx="734521" cy="797580"/>
-          </a:xfrm>
-          <a:prstGeom prst="rect">
-            <a:avLst/>
-          </a:prstGeom>
-        </p:spPr>
-        <p:txBody>
-          <a:bodyPr vert="horz" lIns="91440" tIns="45720" rIns="91440" bIns="45720" rtlCol="0" anchor="t">
-            <a:normAutofit/>
-          </a:bodyPr>
-          <a:lstStyle>
-            <a:lvl1pPr algn="l" defTabSz="457200" rtl="0" eaLnBrk="1" latinLnBrk="0" hangingPunct="1">
-              <a:spcBef>
-                <a:spcPct val="0"/>
-              </a:spcBef>
-              <a:buNone/>
-              <a:defRPr sz="3600" kern="1200">
-                <a:solidFill>
-                  <a:schemeClr val="accent1"/>
-                </a:solidFill>
-                <a:latin typeface="+mj-lt"/>
-                <a:ea typeface="+mj-ea"/>
-                <a:cs typeface="+mj-cs"/>
-              </a:defRPr>
-            </a:lvl1pPr>
-            <a:lvl2pPr eaLnBrk="1" hangingPunct="1">
-              <a:defRPr>
-                <a:solidFill>
-                  <a:schemeClr val="tx2"/>
-                </a:solidFill>
-              </a:defRPr>
-            </a:lvl2pPr>
-            <a:lvl3pPr eaLnBrk="1" hangingPunct="1">
-              <a:defRPr>
-                <a:solidFill>
-                  <a:schemeClr val="tx2"/>
-                </a:solidFill>
-              </a:defRPr>
-            </a:lvl3pPr>
-            <a:lvl4pPr eaLnBrk="1" hangingPunct="1">
-              <a:defRPr>
-                <a:solidFill>
-                  <a:schemeClr val="tx2"/>
-                </a:solidFill>
-              </a:defRPr>
-            </a:lvl4pPr>
-            <a:lvl5pPr eaLnBrk="1" hangingPunct="1">
-              <a:defRPr>
-                <a:solidFill>
-                  <a:schemeClr val="tx2"/>
-                </a:solidFill>
-              </a:defRPr>
-            </a:lvl5pPr>
-            <a:lvl6pPr eaLnBrk="1" hangingPunct="1">
-              <a:defRPr>
-                <a:solidFill>
-                  <a:schemeClr val="tx2"/>
-                </a:solidFill>
-              </a:defRPr>
-            </a:lvl6pPr>
-            <a:lvl7pPr eaLnBrk="1" hangingPunct="1">
-              <a:defRPr>
-                <a:solidFill>
-                  <a:schemeClr val="tx2"/>
-                </a:solidFill>
-              </a:defRPr>
-            </a:lvl7pPr>
-            <a:lvl8pPr eaLnBrk="1" hangingPunct="1">
-              <a:defRPr>
-                <a:solidFill>
-                  <a:schemeClr val="tx2"/>
-                </a:solidFill>
-              </a:defRPr>
-            </a:lvl8pPr>
-            <a:lvl9pPr eaLnBrk="1" hangingPunct="1">
-              <a:defRPr>
-                <a:solidFill>
-                  <a:schemeClr val="tx2"/>
-                </a:solidFill>
-              </a:defRPr>
-            </a:lvl9pPr>
-          </a:lstStyle>
-          <a:p>
-            <a:r>
-              <a:rPr lang="tr-TR" dirty="0">
-                <a:solidFill>
-                  <a:schemeClr val="tx1"/>
-                </a:solidFill>
-              </a:rPr>
-              <a:t>6</a:t>
-            </a:r>
-            <a:endParaRPr lang="en-GB" dirty="0">
-              <a:solidFill>
-                <a:schemeClr val="tx1"/>
-              </a:solidFill>
-            </a:endParaRPr>
-          </a:p>
-        </p:txBody>
-      </p:sp>
-    </p:spTree>
-    <p:extLst>
-      <p:ext uri="{BB962C8B-B14F-4D97-AF65-F5344CB8AC3E}">
-        <p14:creationId xmlns:p14="http://schemas.microsoft.com/office/powerpoint/2010/main" val="1274313217"/>
-      </p:ext>
-    </p:extLst>
-  </p:cSld>
-  <p:clrMapOvr>
-    <a:masterClrMapping/>
-  </p:clrMapOvr>
-</p:sld>
-</file>
-
-<file path=ppt/slides/slide7.xml><?xml version="1.0" encoding="utf-8"?>
-<p:sld xmlns:a="http://schemas.openxmlformats.org/drawingml/2006/main" xmlns:r="http://schemas.openxmlformats.org/officeDocument/2006/relationships" xmlns:p="http://schemas.openxmlformats.org/presentationml/2006/main">
-  <p:cSld>
-    <p:bg>
-      <p:bgPr>
-        <a:solidFill>
-          <a:schemeClr val="accent1"/>
-        </a:solidFill>
-        <a:effectLst/>
-      </p:bgPr>
-    </p:bg>
-    <p:spTree>
-      <p:nvGrpSpPr>
-        <p:cNvPr id="1" name=""/>
-        <p:cNvGrpSpPr/>
-        <p:nvPr/>
-      </p:nvGrpSpPr>
-      <p:grpSpPr>
-        <a:xfrm>
-          <a:off x="0" y="0"/>
-          <a:ext cx="0" cy="0"/>
-          <a:chOff x="0" y="0"/>
-          <a:chExt cx="0" cy="0"/>
-        </a:xfrm>
-      </p:grpSpPr>
-      <p:sp>
-        <p:nvSpPr>
-          <p:cNvPr id="2" name="Başlık 1">
-            <a:extLst>
-              <a:ext uri="{FF2B5EF4-FFF2-40B4-BE49-F238E27FC236}">
-                <a16:creationId xmlns:a16="http://schemas.microsoft.com/office/drawing/2014/main" id="{3C4E64FC-9D9E-4D77-8F04-B6BD1E19A515}"/>
-              </a:ext>
-            </a:extLst>
-          </p:cNvPr>
-          <p:cNvSpPr>
-            <a:spLocks noGrp="1"/>
-          </p:cNvSpPr>
-          <p:nvPr>
-            <p:ph type="title"/>
-          </p:nvPr>
-        </p:nvSpPr>
-        <p:spPr>
-          <a:xfrm>
-            <a:off x="118534" y="190993"/>
-            <a:ext cx="8596668" cy="1320800"/>
-          </a:xfrm>
-        </p:spPr>
-        <p:txBody>
-          <a:bodyPr/>
-          <a:lstStyle/>
-          <a:p>
-            <a:r>
-              <a:rPr lang="tr-TR" sz="3600" dirty="0">
-                <a:solidFill>
-                  <a:schemeClr val="bg1"/>
-                </a:solidFill>
-              </a:rPr>
-              <a:t>Veriyi uygun hale getirme</a:t>
-            </a:r>
-            <a:br>
-              <a:rPr lang="en-GB" sz="3600" dirty="0"/>
-            </a:br>
-            <a:endParaRPr lang="en-GB" dirty="0"/>
-          </a:p>
-        </p:txBody>
-      </p:sp>
-      <p:graphicFrame>
-        <p:nvGraphicFramePr>
-          <p:cNvPr id="16" name="İçerik Yer Tutucusu 2">
-            <a:extLst>
-              <a:ext uri="{FF2B5EF4-FFF2-40B4-BE49-F238E27FC236}">
-                <a16:creationId xmlns:a16="http://schemas.microsoft.com/office/drawing/2014/main" id="{8177A03C-1A39-4531-A151-8B6DB0297F49}"/>
-              </a:ext>
-            </a:extLst>
-          </p:cNvPr>
-          <p:cNvGraphicFramePr>
-            <a:graphicFrameLocks noGrp="1"/>
-          </p:cNvGraphicFramePr>
-          <p:nvPr>
-            <p:ph idx="1"/>
-            <p:extLst>
-              <p:ext uri="{D42A27DB-BD31-4B8C-83A1-F6EECF244321}">
-                <p14:modId xmlns:p14="http://schemas.microsoft.com/office/powerpoint/2010/main" val="3944011434"/>
-              </p:ext>
-            </p:extLst>
-          </p:nvPr>
-        </p:nvGraphicFramePr>
-        <p:xfrm>
-          <a:off x="1570892" y="451086"/>
-          <a:ext cx="8850820" cy="3323745"/>
-        </p:xfrm>
-        <a:graphic>
-          <a:graphicData uri="http://schemas.openxmlformats.org/drawingml/2006/diagram">
-            <dgm:relIds xmlns:dgm="http://schemas.openxmlformats.org/drawingml/2006/diagram" xmlns:r="http://schemas.openxmlformats.org/officeDocument/2006/relationships" r:dm="rId2" r:lo="rId3" r:qs="rId4" r:cs="rId5"/>
-          </a:graphicData>
-        </a:graphic>
-      </p:graphicFrame>
-      <p:pic>
-        <p:nvPicPr>
-          <p:cNvPr id="11" name="Resim 10">
-            <a:extLst>
-              <a:ext uri="{FF2B5EF4-FFF2-40B4-BE49-F238E27FC236}">
-                <a16:creationId xmlns:a16="http://schemas.microsoft.com/office/drawing/2014/main" id="{6D37A9DA-90FF-4FFC-980F-644244B4B317}"/>
-              </a:ext>
-            </a:extLst>
-          </p:cNvPr>
-          <p:cNvPicPr>
-            <a:picLocks noChangeAspect="1"/>
-          </p:cNvPicPr>
-          <p:nvPr/>
-        </p:nvPicPr>
-        <p:blipFill>
-          <a:blip r:embed="rId7">
-            <a:extLst>
-              <a:ext uri="{28A0092B-C50C-407E-A947-70E740481C1C}">
-                <a14:useLocalDpi xmlns:a14="http://schemas.microsoft.com/office/drawing/2010/main" val="0"/>
-              </a:ext>
-            </a:extLst>
-          </a:blip>
-          <a:stretch>
-            <a:fillRect/>
-          </a:stretch>
-        </p:blipFill>
-        <p:spPr>
-          <a:xfrm>
-            <a:off x="381000" y="3465027"/>
-            <a:ext cx="4825722" cy="2964061"/>
-          </a:xfrm>
-          <a:prstGeom prst="rect">
-            <a:avLst/>
-          </a:prstGeom>
-        </p:spPr>
-      </p:pic>
-      <p:pic>
-        <p:nvPicPr>
-          <p:cNvPr id="12" name="Resim 11">
-            <a:extLst>
-              <a:ext uri="{FF2B5EF4-FFF2-40B4-BE49-F238E27FC236}">
-                <a16:creationId xmlns:a16="http://schemas.microsoft.com/office/drawing/2014/main" id="{FAE04696-0DE1-4375-80DC-979FA68B043D}"/>
-              </a:ext>
-            </a:extLst>
-          </p:cNvPr>
-          <p:cNvPicPr>
-            <a:picLocks noChangeAspect="1"/>
-          </p:cNvPicPr>
-          <p:nvPr/>
-        </p:nvPicPr>
-        <p:blipFill>
-          <a:blip r:embed="rId8">
-            <a:extLst>
-              <a:ext uri="{28A0092B-C50C-407E-A947-70E740481C1C}">
-                <a14:useLocalDpi xmlns:a14="http://schemas.microsoft.com/office/drawing/2010/main" val="0"/>
-              </a:ext>
-            </a:extLst>
-          </a:blip>
-          <a:stretch>
-            <a:fillRect/>
-          </a:stretch>
-        </p:blipFill>
-        <p:spPr>
-          <a:xfrm>
-            <a:off x="6413500" y="3406890"/>
-            <a:ext cx="5050367" cy="3003969"/>
-          </a:xfrm>
-          <a:prstGeom prst="rect">
-            <a:avLst/>
-          </a:prstGeom>
-        </p:spPr>
-      </p:pic>
-      <p:cxnSp>
-        <p:nvCxnSpPr>
-          <p:cNvPr id="13" name="Düz Ok Bağlayıcısı 12">
-            <a:extLst>
-              <a:ext uri="{FF2B5EF4-FFF2-40B4-BE49-F238E27FC236}">
-                <a16:creationId xmlns:a16="http://schemas.microsoft.com/office/drawing/2014/main" id="{452566F1-9471-4CDB-A72E-217A5AF4AE50}"/>
-              </a:ext>
-            </a:extLst>
-          </p:cNvPr>
-          <p:cNvCxnSpPr/>
-          <p:nvPr/>
-        </p:nvCxnSpPr>
-        <p:spPr>
-          <a:xfrm>
-            <a:off x="3632833" y="3968986"/>
-            <a:ext cx="725063" cy="0"/>
-          </a:xfrm>
-          <a:prstGeom prst="straightConnector1">
-            <a:avLst/>
-          </a:prstGeom>
-          <a:ln>
-            <a:tailEnd type="triangle"/>
-          </a:ln>
-        </p:spPr>
-        <p:style>
-          <a:lnRef idx="1">
-            <a:schemeClr val="accent1"/>
-          </a:lnRef>
-          <a:fillRef idx="0">
-            <a:schemeClr val="accent1"/>
-          </a:fillRef>
-          <a:effectRef idx="0">
-            <a:schemeClr val="accent1"/>
-          </a:effectRef>
-          <a:fontRef idx="minor">
-            <a:schemeClr val="tx1"/>
-          </a:fontRef>
-        </p:style>
-      </p:cxnSp>
-      <p:graphicFrame>
-        <p:nvGraphicFramePr>
-          <p:cNvPr id="14" name="Diyagram 13">
-            <a:extLst>
-              <a:ext uri="{FF2B5EF4-FFF2-40B4-BE49-F238E27FC236}">
-                <a16:creationId xmlns:a16="http://schemas.microsoft.com/office/drawing/2014/main" id="{8BDF65F8-506D-4590-8145-88181E8B13F6}"/>
-              </a:ext>
-            </a:extLst>
-          </p:cNvPr>
-          <p:cNvGraphicFramePr/>
-          <p:nvPr>
-            <p:extLst>
-              <p:ext uri="{D42A27DB-BD31-4B8C-83A1-F6EECF244321}">
-                <p14:modId xmlns:p14="http://schemas.microsoft.com/office/powerpoint/2010/main" val="2931371204"/>
-              </p:ext>
-            </p:extLst>
-          </p:nvPr>
-        </p:nvGraphicFramePr>
-        <p:xfrm>
-          <a:off x="5356038" y="4494936"/>
-          <a:ext cx="1057462" cy="800100"/>
-        </p:xfrm>
-        <a:graphic>
-          <a:graphicData uri="http://schemas.openxmlformats.org/drawingml/2006/diagram">
-            <dgm:relIds xmlns:dgm="http://schemas.openxmlformats.org/drawingml/2006/diagram" xmlns:r="http://schemas.openxmlformats.org/officeDocument/2006/relationships" r:dm="rId9" r:lo="rId10" r:qs="rId11" r:cs="rId12"/>
-          </a:graphicData>
-        </a:graphic>
-      </p:graphicFrame>
-      <p:sp>
-        <p:nvSpPr>
-          <p:cNvPr id="10" name="Başlık 1">
-            <a:extLst>
-              <a:ext uri="{FF2B5EF4-FFF2-40B4-BE49-F238E27FC236}">
-                <a16:creationId xmlns:a16="http://schemas.microsoft.com/office/drawing/2014/main" id="{4ED49ED0-B803-47A4-8EFF-6BFDB579C481}"/>
-              </a:ext>
-            </a:extLst>
-          </p:cNvPr>
-          <p:cNvSpPr>
-            <a:spLocks noGrp="1"/>
-          </p:cNvSpPr>
-          <p:nvPr/>
-        </p:nvSpPr>
-        <p:spPr>
-          <a:xfrm>
-            <a:off x="11457479" y="6060420"/>
-            <a:ext cx="734521" cy="797580"/>
-          </a:xfrm>
-          <a:prstGeom prst="rect">
-            <a:avLst/>
-          </a:prstGeom>
-        </p:spPr>
-        <p:txBody>
-          <a:bodyPr vert="horz" lIns="91440" tIns="45720" rIns="91440" bIns="45720" rtlCol="0" anchor="t">
-            <a:normAutofit/>
-          </a:bodyPr>
-          <a:lstStyle>
-            <a:lvl1pPr algn="l" defTabSz="457200" rtl="0" eaLnBrk="1" latinLnBrk="0" hangingPunct="1">
-              <a:spcBef>
-                <a:spcPct val="0"/>
-              </a:spcBef>
-              <a:buNone/>
-              <a:defRPr sz="3600" kern="1200">
-                <a:solidFill>
-                  <a:schemeClr val="accent1"/>
-                </a:solidFill>
-                <a:latin typeface="+mj-lt"/>
-                <a:ea typeface="+mj-ea"/>
-                <a:cs typeface="+mj-cs"/>
-              </a:defRPr>
-            </a:lvl1pPr>
-            <a:lvl2pPr eaLnBrk="1" hangingPunct="1">
-              <a:defRPr>
-                <a:solidFill>
-                  <a:schemeClr val="tx2"/>
-                </a:solidFill>
-              </a:defRPr>
-            </a:lvl2pPr>
-            <a:lvl3pPr eaLnBrk="1" hangingPunct="1">
-              <a:defRPr>
-                <a:solidFill>
-                  <a:schemeClr val="tx2"/>
-                </a:solidFill>
-              </a:defRPr>
-            </a:lvl3pPr>
-            <a:lvl4pPr eaLnBrk="1" hangingPunct="1">
-              <a:defRPr>
-                <a:solidFill>
-                  <a:schemeClr val="tx2"/>
-                </a:solidFill>
-              </a:defRPr>
-            </a:lvl4pPr>
-            <a:lvl5pPr eaLnBrk="1" hangingPunct="1">
-              <a:defRPr>
-                <a:solidFill>
-                  <a:schemeClr val="tx2"/>
-                </a:solidFill>
-              </a:defRPr>
-            </a:lvl5pPr>
-            <a:lvl6pPr eaLnBrk="1" hangingPunct="1">
-              <a:defRPr>
-                <a:solidFill>
-                  <a:schemeClr val="tx2"/>
-                </a:solidFill>
-              </a:defRPr>
-            </a:lvl6pPr>
-            <a:lvl7pPr eaLnBrk="1" hangingPunct="1">
-              <a:defRPr>
-                <a:solidFill>
-                  <a:schemeClr val="tx2"/>
-                </a:solidFill>
-              </a:defRPr>
-            </a:lvl7pPr>
-            <a:lvl8pPr eaLnBrk="1" hangingPunct="1">
-              <a:defRPr>
-                <a:solidFill>
-                  <a:schemeClr val="tx2"/>
-                </a:solidFill>
-              </a:defRPr>
-            </a:lvl8pPr>
-            <a:lvl9pPr eaLnBrk="1" hangingPunct="1">
-              <a:defRPr>
-                <a:solidFill>
-                  <a:schemeClr val="tx2"/>
-                </a:solidFill>
-              </a:defRPr>
-            </a:lvl9pPr>
-          </a:lstStyle>
-          <a:p>
-            <a:r>
-              <a:rPr lang="tr-TR" dirty="0">
-                <a:solidFill>
-                  <a:schemeClr val="tx1"/>
-                </a:solidFill>
-              </a:rPr>
-              <a:t>7</a:t>
-            </a:r>
-            <a:endParaRPr lang="en-GB" dirty="0">
-              <a:solidFill>
-                <a:schemeClr val="tx1"/>
-              </a:solidFill>
-            </a:endParaRPr>
-          </a:p>
-        </p:txBody>
-      </p:sp>
-    </p:spTree>
-    <p:extLst>
-      <p:ext uri="{BB962C8B-B14F-4D97-AF65-F5344CB8AC3E}">
-        <p14:creationId xmlns:p14="http://schemas.microsoft.com/office/powerpoint/2010/main" val="1497735400"/>
-      </p:ext>
-    </p:extLst>
-  </p:cSld>
-  <p:clrMapOvr>
-    <a:masterClrMapping/>
-  </p:clrMapOvr>
-</p:sld>
-</file>
-
-<file path=ppt/slides/slide8.xml><?xml version="1.0" encoding="utf-8"?>
-<p:sld xmlns:a="http://schemas.openxmlformats.org/drawingml/2006/main" xmlns:r="http://schemas.openxmlformats.org/officeDocument/2006/relationships" xmlns:p="http://schemas.openxmlformats.org/presentationml/2006/main">
-  <p:cSld>
-    <p:bg>
-      <p:bgPr>
-        <a:solidFill>
-          <a:schemeClr val="bg1"/>
-        </a:solidFill>
-        <a:effectLst/>
-      </p:bgPr>
-    </p:bg>
-    <p:spTree>
-      <p:nvGrpSpPr>
-        <p:cNvPr id="1" name=""/>
-        <p:cNvGrpSpPr/>
-        <p:nvPr/>
-      </p:nvGrpSpPr>
-      <p:grpSpPr>
-        <a:xfrm>
-          <a:off x="0" y="0"/>
-          <a:ext cx="0" cy="0"/>
-          <a:chOff x="0" y="0"/>
-          <a:chExt cx="0" cy="0"/>
-        </a:xfrm>
-      </p:grpSpPr>
-      <p:sp>
-        <p:nvSpPr>
-          <p:cNvPr id="2" name="Başlık 1">
-            <a:extLst>
-              <a:ext uri="{FF2B5EF4-FFF2-40B4-BE49-F238E27FC236}">
-                <a16:creationId xmlns:a16="http://schemas.microsoft.com/office/drawing/2014/main" id="{3C4E64FC-9D9E-4D77-8F04-B6BD1E19A515}"/>
-              </a:ext>
-            </a:extLst>
-          </p:cNvPr>
-          <p:cNvSpPr>
-            <a:spLocks noGrp="1"/>
-          </p:cNvSpPr>
-          <p:nvPr>
-            <p:ph type="title"/>
-          </p:nvPr>
-        </p:nvSpPr>
-        <p:spPr>
-          <a:xfrm>
-            <a:off x="6343484" y="609600"/>
-            <a:ext cx="2930518" cy="1320800"/>
-          </a:xfrm>
-        </p:spPr>
-        <p:txBody>
-          <a:bodyPr vert="horz" lIns="91440" tIns="45720" rIns="91440" bIns="45720" rtlCol="0" anchor="ctr">
-            <a:normAutofit/>
-          </a:bodyPr>
-          <a:lstStyle/>
-          <a:p>
-            <a:r>
-              <a:rPr lang="en-US"/>
-              <a:t>Sampling &amp; Weights</a:t>
-            </a:r>
-          </a:p>
-        </p:txBody>
-      </p:sp>
-      <p:pic>
-        <p:nvPicPr>
-          <p:cNvPr id="7" name="İçerik Yer Tutucusu 6" descr="metin, ekran görüntüsü, iş kartı, vektör grafikler içeren bir resim&#10;&#10;Açıklama otomatik olarak oluşturuldu">
-            <a:extLst>
-              <a:ext uri="{FF2B5EF4-FFF2-40B4-BE49-F238E27FC236}">
-                <a16:creationId xmlns:a16="http://schemas.microsoft.com/office/drawing/2014/main" id="{53F18C16-4495-4B79-9477-A000353ED368}"/>
-              </a:ext>
-            </a:extLst>
-          </p:cNvPr>
-          <p:cNvPicPr>
-            <a:picLocks noGrp="1" noChangeAspect="1"/>
-          </p:cNvPicPr>
-          <p:nvPr>
-            <p:ph idx="1"/>
-          </p:nvPr>
-        </p:nvPicPr>
-        <p:blipFill>
-          <a:blip r:embed="rId2">
-            <a:extLst>
-              <a:ext uri="{28A0092B-C50C-407E-A947-70E740481C1C}">
-                <a14:useLocalDpi xmlns:a14="http://schemas.microsoft.com/office/drawing/2010/main" val="0"/>
-              </a:ext>
-            </a:extLst>
-          </a:blip>
-          <a:stretch>
-            <a:fillRect/>
-          </a:stretch>
-        </p:blipFill>
-        <p:spPr>
-          <a:xfrm>
-            <a:off x="677333" y="744923"/>
-            <a:ext cx="5421162" cy="2331100"/>
-          </a:xfrm>
-          <a:prstGeom prst="rect">
-            <a:avLst/>
-          </a:prstGeom>
-        </p:spPr>
-      </p:pic>
-      <p:sp>
-        <p:nvSpPr>
-          <p:cNvPr id="9" name="Metin kutusu 8">
-            <a:extLst>
-              <a:ext uri="{FF2B5EF4-FFF2-40B4-BE49-F238E27FC236}">
-                <a16:creationId xmlns:a16="http://schemas.microsoft.com/office/drawing/2014/main" id="{0E7625AA-63DC-4C86-80A4-49DCB8478B8F}"/>
-              </a:ext>
-            </a:extLst>
-          </p:cNvPr>
-          <p:cNvSpPr txBox="1"/>
-          <p:nvPr/>
-        </p:nvSpPr>
-        <p:spPr>
-          <a:xfrm>
-            <a:off x="6343484" y="2160589"/>
-            <a:ext cx="3834989" cy="3880773"/>
-          </a:xfrm>
-          <a:prstGeom prst="rect">
-            <a:avLst/>
-          </a:prstGeom>
-        </p:spPr>
-        <p:txBody>
-          <a:bodyPr vert="horz" lIns="91440" tIns="45720" rIns="91440" bIns="45720" rtlCol="0">
-            <a:normAutofit/>
-          </a:bodyPr>
-          <a:lstStyle/>
-          <a:p>
-            <a:pPr>
-              <a:spcBef>
-                <a:spcPts val="1000"/>
-              </a:spcBef>
-              <a:buClr>
-                <a:schemeClr val="accent1"/>
-              </a:buClr>
-              <a:buSzPct val="80000"/>
-              <a:buFont typeface="Wingdings 3" charset="2"/>
-              <a:buChar char=""/>
-            </a:pPr>
-            <a:r>
-              <a:rPr lang="en-US" sz="2400" dirty="0">
-                <a:solidFill>
-                  <a:schemeClr val="tx1">
-                    <a:lumMod val="75000"/>
-                    <a:lumOff val="25000"/>
-                  </a:schemeClr>
-                </a:solidFill>
-              </a:rPr>
-              <a:t>- </a:t>
-            </a:r>
-            <a:r>
-              <a:rPr lang="en-US" sz="2400" dirty="0" err="1">
-                <a:solidFill>
-                  <a:schemeClr val="tx1">
-                    <a:lumMod val="75000"/>
-                    <a:lumOff val="25000"/>
-                  </a:schemeClr>
-                </a:solidFill>
-              </a:rPr>
-              <a:t>RandomOverSampling</a:t>
-            </a:r>
-            <a:r>
-              <a:rPr lang="en-US" sz="2400" dirty="0">
-                <a:solidFill>
-                  <a:schemeClr val="tx1">
-                    <a:lumMod val="75000"/>
-                    <a:lumOff val="25000"/>
-                  </a:schemeClr>
-                </a:solidFill>
-              </a:rPr>
-              <a:t>, </a:t>
-            </a:r>
-            <a:r>
-              <a:rPr lang="en-US" sz="2400" dirty="0" err="1">
-                <a:solidFill>
-                  <a:schemeClr val="tx1">
-                    <a:lumMod val="75000"/>
-                    <a:lumOff val="25000"/>
-                  </a:schemeClr>
-                </a:solidFill>
-              </a:rPr>
-              <a:t>RandomUnderSampling</a:t>
-            </a:r>
-            <a:r>
-              <a:rPr lang="en-US" sz="2400" dirty="0">
-                <a:solidFill>
-                  <a:schemeClr val="tx1">
-                    <a:lumMod val="75000"/>
-                    <a:lumOff val="25000"/>
-                  </a:schemeClr>
-                </a:solidFill>
-              </a:rPr>
-              <a:t>, </a:t>
-            </a:r>
-            <a:r>
-              <a:rPr lang="en-US" sz="2400" dirty="0" err="1">
-                <a:solidFill>
-                  <a:schemeClr val="tx1">
-                    <a:lumMod val="75000"/>
-                    <a:lumOff val="25000"/>
-                  </a:schemeClr>
-                </a:solidFill>
-              </a:rPr>
-              <a:t>NearMiss</a:t>
-            </a:r>
-            <a:r>
-              <a:rPr lang="en-US" sz="2400" dirty="0">
-                <a:solidFill>
-                  <a:schemeClr val="tx1">
-                    <a:lumMod val="75000"/>
-                    <a:lumOff val="25000"/>
-                  </a:schemeClr>
-                </a:solidFill>
-              </a:rPr>
-              <a:t> </a:t>
-            </a:r>
-            <a:r>
-              <a:rPr lang="en-US" sz="2400" dirty="0" err="1">
-                <a:solidFill>
-                  <a:schemeClr val="tx1">
-                    <a:lumMod val="75000"/>
-                    <a:lumOff val="25000"/>
-                  </a:schemeClr>
-                </a:solidFill>
-              </a:rPr>
-              <a:t>gibi</a:t>
-            </a:r>
-            <a:r>
-              <a:rPr lang="en-US" sz="2400" dirty="0">
-                <a:solidFill>
-                  <a:schemeClr val="tx1">
-                    <a:lumMod val="75000"/>
-                    <a:lumOff val="25000"/>
-                  </a:schemeClr>
-                </a:solidFill>
-              </a:rPr>
-              <a:t> </a:t>
-            </a:r>
-            <a:r>
-              <a:rPr lang="en-US" sz="2400" dirty="0" err="1">
-                <a:solidFill>
-                  <a:schemeClr val="tx1">
-                    <a:lumMod val="75000"/>
-                    <a:lumOff val="25000"/>
-                  </a:schemeClr>
-                </a:solidFill>
-              </a:rPr>
-              <a:t>teknikler</a:t>
-            </a:r>
-            <a:r>
-              <a:rPr lang="en-US" sz="2400" dirty="0">
-                <a:solidFill>
-                  <a:schemeClr val="tx1">
-                    <a:lumMod val="75000"/>
-                    <a:lumOff val="25000"/>
-                  </a:schemeClr>
-                </a:solidFill>
-              </a:rPr>
-              <a:t> </a:t>
-            </a:r>
-            <a:r>
-              <a:rPr lang="en-US" sz="2400" dirty="0" err="1">
-                <a:solidFill>
-                  <a:schemeClr val="tx1">
-                    <a:lumMod val="75000"/>
-                    <a:lumOff val="25000"/>
-                  </a:schemeClr>
-                </a:solidFill>
-              </a:rPr>
-              <a:t>denendi</a:t>
-            </a:r>
-            <a:endParaRPr lang="en-US" sz="2400" dirty="0">
-              <a:solidFill>
-                <a:schemeClr val="tx1">
-                  <a:lumMod val="75000"/>
-                  <a:lumOff val="25000"/>
-                </a:schemeClr>
-              </a:solidFill>
-            </a:endParaRPr>
-          </a:p>
-          <a:p>
-            <a:pPr marL="0" indent="0">
-              <a:spcBef>
-                <a:spcPts val="1000"/>
-              </a:spcBef>
-              <a:buClr>
-                <a:schemeClr val="accent1"/>
-              </a:buClr>
-              <a:buSzPct val="80000"/>
-              <a:buFont typeface="Wingdings 3" charset="2"/>
-              <a:buChar char=""/>
-            </a:pPr>
-            <a:r>
-              <a:rPr lang="en-US" sz="2400" dirty="0">
-                <a:solidFill>
-                  <a:schemeClr val="tx1">
-                    <a:lumMod val="75000"/>
-                    <a:lumOff val="25000"/>
-                  </a:schemeClr>
-                </a:solidFill>
-              </a:rPr>
-              <a:t>- </a:t>
-            </a:r>
-            <a:r>
-              <a:rPr lang="en-US" sz="2400" dirty="0" err="1">
-                <a:solidFill>
-                  <a:schemeClr val="tx1">
-                    <a:lumMod val="75000"/>
-                    <a:lumOff val="25000"/>
-                  </a:schemeClr>
-                </a:solidFill>
-              </a:rPr>
-              <a:t>Modele</a:t>
-            </a:r>
-            <a:r>
-              <a:rPr lang="en-US" sz="2400" dirty="0">
-                <a:solidFill>
-                  <a:schemeClr val="tx1">
-                    <a:lumMod val="75000"/>
-                    <a:lumOff val="25000"/>
-                  </a:schemeClr>
-                </a:solidFill>
-              </a:rPr>
-              <a:t> weights </a:t>
-            </a:r>
-            <a:r>
-              <a:rPr lang="en-US" sz="2400" dirty="0" err="1">
-                <a:solidFill>
-                  <a:schemeClr val="tx1">
-                    <a:lumMod val="75000"/>
-                    <a:lumOff val="25000"/>
-                  </a:schemeClr>
-                </a:solidFill>
-              </a:rPr>
-              <a:t>vererek</a:t>
-            </a:r>
-            <a:r>
-              <a:rPr lang="en-US" sz="2400" dirty="0">
-                <a:solidFill>
-                  <a:schemeClr val="tx1">
-                    <a:lumMod val="75000"/>
-                    <a:lumOff val="25000"/>
-                  </a:schemeClr>
-                </a:solidFill>
-              </a:rPr>
-              <a:t> </a:t>
-            </a:r>
-            <a:r>
-              <a:rPr lang="en-US" sz="2400" dirty="0" err="1">
-                <a:solidFill>
-                  <a:schemeClr val="tx1">
-                    <a:lumMod val="75000"/>
-                    <a:lumOff val="25000"/>
-                  </a:schemeClr>
-                </a:solidFill>
-              </a:rPr>
-              <a:t>denendi</a:t>
-            </a:r>
-            <a:r>
-              <a:rPr lang="en-US" sz="2400" dirty="0">
-                <a:solidFill>
-                  <a:schemeClr val="tx1">
-                    <a:lumMod val="75000"/>
-                    <a:lumOff val="25000"/>
-                  </a:schemeClr>
-                </a:solidFill>
-              </a:rPr>
-              <a:t>, penalty </a:t>
-            </a:r>
-            <a:r>
-              <a:rPr lang="en-US" sz="2400" dirty="0" err="1">
-                <a:solidFill>
-                  <a:schemeClr val="tx1">
-                    <a:lumMod val="75000"/>
-                    <a:lumOff val="25000"/>
-                  </a:schemeClr>
-                </a:solidFill>
-              </a:rPr>
-              <a:t>uygulandı</a:t>
-            </a:r>
-            <a:endParaRPr lang="en-US" sz="2400" dirty="0">
-              <a:solidFill>
-                <a:schemeClr val="tx1">
-                  <a:lumMod val="75000"/>
-                  <a:lumOff val="25000"/>
-                </a:schemeClr>
-              </a:solidFill>
-            </a:endParaRPr>
-          </a:p>
-        </p:txBody>
-      </p:sp>
-      <p:pic>
-        <p:nvPicPr>
-          <p:cNvPr id="4" name="Resim 3" descr="metin içeren bir resim&#10;&#10;Açıklama otomatik olarak oluşturuldu">
-            <a:extLst>
-              <a:ext uri="{FF2B5EF4-FFF2-40B4-BE49-F238E27FC236}">
-                <a16:creationId xmlns:a16="http://schemas.microsoft.com/office/drawing/2014/main" id="{C58E5C5D-1B40-43D4-AE33-EAD5A3D2742B}"/>
-              </a:ext>
-            </a:extLst>
-          </p:cNvPr>
-          <p:cNvPicPr>
-            <a:picLocks noChangeAspect="1"/>
-          </p:cNvPicPr>
-          <p:nvPr/>
-        </p:nvPicPr>
-        <p:blipFill>
-          <a:blip r:embed="rId3">
-            <a:extLst>
-              <a:ext uri="{28A0092B-C50C-407E-A947-70E740481C1C}">
-                <a14:useLocalDpi xmlns:a14="http://schemas.microsoft.com/office/drawing/2010/main" val="0"/>
-              </a:ext>
-            </a:extLst>
-          </a:blip>
-          <a:stretch>
-            <a:fillRect/>
-          </a:stretch>
-        </p:blipFill>
-        <p:spPr>
-          <a:xfrm>
-            <a:off x="677334" y="3561088"/>
-            <a:ext cx="5421162" cy="2358204"/>
-          </a:xfrm>
-          <a:prstGeom prst="rect">
-            <a:avLst/>
-          </a:prstGeom>
-        </p:spPr>
-      </p:pic>
-      <p:sp>
-        <p:nvSpPr>
-          <p:cNvPr id="8" name="Başlık 1">
-            <a:extLst>
-              <a:ext uri="{FF2B5EF4-FFF2-40B4-BE49-F238E27FC236}">
-                <a16:creationId xmlns:a16="http://schemas.microsoft.com/office/drawing/2014/main" id="{E07DE3B0-97B6-4B4C-93B7-A5A071EBFD92}"/>
-              </a:ext>
-            </a:extLst>
-          </p:cNvPr>
-          <p:cNvSpPr>
-            <a:spLocks noGrp="1"/>
-          </p:cNvSpPr>
-          <p:nvPr/>
-        </p:nvSpPr>
-        <p:spPr>
-          <a:xfrm>
-            <a:off x="11457479" y="6060420"/>
-            <a:ext cx="734521" cy="797580"/>
-          </a:xfrm>
-          <a:prstGeom prst="rect">
-            <a:avLst/>
-          </a:prstGeom>
-        </p:spPr>
-        <p:txBody>
-          <a:bodyPr vert="horz" lIns="91440" tIns="45720" rIns="91440" bIns="45720" rtlCol="0" anchor="t">
-            <a:normAutofit/>
-          </a:bodyPr>
-          <a:lstStyle>
-            <a:lvl1pPr algn="l" defTabSz="457200" rtl="0" eaLnBrk="1" latinLnBrk="0" hangingPunct="1">
-              <a:spcBef>
-                <a:spcPct val="0"/>
-              </a:spcBef>
-              <a:buNone/>
-              <a:defRPr sz="3600" kern="1200">
-                <a:solidFill>
-                  <a:schemeClr val="accent1"/>
-                </a:solidFill>
-                <a:latin typeface="+mj-lt"/>
-                <a:ea typeface="+mj-ea"/>
-                <a:cs typeface="+mj-cs"/>
-              </a:defRPr>
-            </a:lvl1pPr>
-            <a:lvl2pPr eaLnBrk="1" hangingPunct="1">
-              <a:defRPr>
-                <a:solidFill>
-                  <a:schemeClr val="tx2"/>
-                </a:solidFill>
-              </a:defRPr>
-            </a:lvl2pPr>
-            <a:lvl3pPr eaLnBrk="1" hangingPunct="1">
-              <a:defRPr>
-                <a:solidFill>
-                  <a:schemeClr val="tx2"/>
-                </a:solidFill>
-              </a:defRPr>
-            </a:lvl3pPr>
-            <a:lvl4pPr eaLnBrk="1" hangingPunct="1">
-              <a:defRPr>
-                <a:solidFill>
-                  <a:schemeClr val="tx2"/>
-                </a:solidFill>
-              </a:defRPr>
-            </a:lvl4pPr>
-            <a:lvl5pPr eaLnBrk="1" hangingPunct="1">
-              <a:defRPr>
-                <a:solidFill>
-                  <a:schemeClr val="tx2"/>
-                </a:solidFill>
-              </a:defRPr>
-            </a:lvl5pPr>
-            <a:lvl6pPr eaLnBrk="1" hangingPunct="1">
-              <a:defRPr>
-                <a:solidFill>
-                  <a:schemeClr val="tx2"/>
-                </a:solidFill>
-              </a:defRPr>
-            </a:lvl6pPr>
-            <a:lvl7pPr eaLnBrk="1" hangingPunct="1">
-              <a:defRPr>
-                <a:solidFill>
-                  <a:schemeClr val="tx2"/>
-                </a:solidFill>
-              </a:defRPr>
-            </a:lvl7pPr>
-            <a:lvl8pPr eaLnBrk="1" hangingPunct="1">
-              <a:defRPr>
-                <a:solidFill>
-                  <a:schemeClr val="tx2"/>
-                </a:solidFill>
-              </a:defRPr>
-            </a:lvl8pPr>
-            <a:lvl9pPr eaLnBrk="1" hangingPunct="1">
-              <a:defRPr>
-                <a:solidFill>
-                  <a:schemeClr val="tx2"/>
-                </a:solidFill>
-              </a:defRPr>
-            </a:lvl9pPr>
-          </a:lstStyle>
-          <a:p>
-            <a:r>
-              <a:rPr lang="tr-TR" dirty="0">
-                <a:solidFill>
-                  <a:schemeClr val="tx1"/>
-                </a:solidFill>
-              </a:rPr>
-              <a:t>8</a:t>
-            </a:r>
-            <a:endParaRPr lang="en-GB" dirty="0">
-              <a:solidFill>
-                <a:schemeClr val="tx1"/>
-              </a:solidFill>
-            </a:endParaRPr>
-          </a:p>
-        </p:txBody>
-      </p:sp>
-    </p:spTree>
-    <p:extLst>
-      <p:ext uri="{BB962C8B-B14F-4D97-AF65-F5344CB8AC3E}">
-        <p14:creationId xmlns:p14="http://schemas.microsoft.com/office/powerpoint/2010/main" val="727815837"/>
-      </p:ext>
-    </p:extLst>
-  </p:cSld>
-  <p:clrMapOvr>
-    <a:masterClrMapping/>
-  </p:clrMapOvr>
-</p:sld>
-</file>
-
-<file path=ppt/slides/slide9.xml><?xml version="1.0" encoding="utf-8"?>
-<p:sld xmlns:a="http://schemas.openxmlformats.org/drawingml/2006/main" xmlns:r="http://schemas.openxmlformats.org/officeDocument/2006/relationships" xmlns:p="http://schemas.openxmlformats.org/presentationml/2006/main">
-  <p:cSld>
-    <p:bg>
-      <p:bgPr>
-        <a:solidFill>
-          <a:schemeClr val="accent1"/>
-        </a:solidFill>
-        <a:effectLst/>
-      </p:bgPr>
-    </p:bg>
-    <p:spTree>
-      <p:nvGrpSpPr>
-        <p:cNvPr id="1" name=""/>
-        <p:cNvGrpSpPr/>
-        <p:nvPr/>
-      </p:nvGrpSpPr>
-      <p:grpSpPr>
-        <a:xfrm>
-          <a:off x="0" y="0"/>
-          <a:ext cx="0" cy="0"/>
-          <a:chOff x="0" y="0"/>
-          <a:chExt cx="0" cy="0"/>
-        </a:xfrm>
-      </p:grpSpPr>
-      <p:sp>
-        <p:nvSpPr>
-          <p:cNvPr id="2" name="Başlık 1">
-            <a:extLst>
-              <a:ext uri="{FF2B5EF4-FFF2-40B4-BE49-F238E27FC236}">
-                <a16:creationId xmlns:a16="http://schemas.microsoft.com/office/drawing/2014/main" id="{3C4E64FC-9D9E-4D77-8F04-B6BD1E19A515}"/>
-              </a:ext>
-            </a:extLst>
-          </p:cNvPr>
-          <p:cNvSpPr>
-            <a:spLocks noGrp="1"/>
-          </p:cNvSpPr>
-          <p:nvPr>
-            <p:ph type="title"/>
-          </p:nvPr>
-        </p:nvSpPr>
-        <p:spPr>
-          <a:xfrm>
-            <a:off x="101601" y="-61976"/>
-            <a:ext cx="8596668" cy="1320800"/>
-          </a:xfrm>
-        </p:spPr>
-        <p:txBody>
-          <a:bodyPr/>
-          <a:lstStyle/>
-          <a:p>
-            <a:r>
-              <a:rPr lang="tr-TR" sz="3600" dirty="0">
-                <a:solidFill>
-                  <a:schemeClr val="bg1"/>
-                </a:solidFill>
-              </a:rPr>
-              <a:t>Model</a:t>
-            </a:r>
-            <a:endParaRPr lang="en-GB" dirty="0">
-              <a:solidFill>
-                <a:schemeClr val="bg1"/>
-              </a:solidFill>
-            </a:endParaRPr>
-          </a:p>
-        </p:txBody>
-      </p:sp>
-      <p:pic>
-        <p:nvPicPr>
-          <p:cNvPr id="11" name="Resim 10" descr="metin içeren bir resim&#10;&#10;Açıklama otomatik olarak oluşturuldu">
-            <a:extLst>
-              <a:ext uri="{FF2B5EF4-FFF2-40B4-BE49-F238E27FC236}">
-                <a16:creationId xmlns:a16="http://schemas.microsoft.com/office/drawing/2014/main" id="{ED544E57-C414-465E-9638-670BB0AB6C52}"/>
-              </a:ext>
-            </a:extLst>
-          </p:cNvPr>
-          <p:cNvPicPr>
-            <a:picLocks noChangeAspect="1"/>
-          </p:cNvPicPr>
-          <p:nvPr/>
-        </p:nvPicPr>
-        <p:blipFill>
-          <a:blip r:embed="rId2">
-            <a:extLst>
-              <a:ext uri="{28A0092B-C50C-407E-A947-70E740481C1C}">
-                <a14:useLocalDpi xmlns:a14="http://schemas.microsoft.com/office/drawing/2010/main" val="0"/>
-              </a:ext>
-            </a:extLst>
-          </a:blip>
-          <a:stretch>
-            <a:fillRect/>
-          </a:stretch>
-        </p:blipFill>
-        <p:spPr>
-          <a:xfrm>
-            <a:off x="9699037" y="1102228"/>
-            <a:ext cx="2391362" cy="2125654"/>
-          </a:xfrm>
-          <a:prstGeom prst="rect">
-            <a:avLst/>
-          </a:prstGeom>
-        </p:spPr>
-      </p:pic>
-      <p:pic>
-        <p:nvPicPr>
-          <p:cNvPr id="13" name="Resim 12">
-            <a:extLst>
-              <a:ext uri="{FF2B5EF4-FFF2-40B4-BE49-F238E27FC236}">
-                <a16:creationId xmlns:a16="http://schemas.microsoft.com/office/drawing/2014/main" id="{7F90510D-BEB2-4037-9D0D-5B302115B7B5}"/>
-              </a:ext>
-            </a:extLst>
-          </p:cNvPr>
-          <p:cNvPicPr>
-            <a:picLocks noChangeAspect="1"/>
-          </p:cNvPicPr>
-          <p:nvPr/>
-        </p:nvPicPr>
-        <p:blipFill>
-          <a:blip r:embed="rId3">
-            <a:extLst>
-              <a:ext uri="{28A0092B-C50C-407E-A947-70E740481C1C}">
-                <a14:useLocalDpi xmlns:a14="http://schemas.microsoft.com/office/drawing/2010/main" val="0"/>
-              </a:ext>
-            </a:extLst>
-          </a:blip>
-          <a:stretch>
-            <a:fillRect/>
-          </a:stretch>
-        </p:blipFill>
-        <p:spPr>
-          <a:xfrm>
-            <a:off x="-823712" y="-145656"/>
-            <a:ext cx="4622899" cy="2147918"/>
-          </a:xfrm>
-          <a:prstGeom prst="rect">
-            <a:avLst/>
-          </a:prstGeom>
-        </p:spPr>
-      </p:pic>
-      <p:sp>
-        <p:nvSpPr>
-          <p:cNvPr id="15" name="Metin kutusu 14">
-            <a:extLst>
-              <a:ext uri="{FF2B5EF4-FFF2-40B4-BE49-F238E27FC236}">
-                <a16:creationId xmlns:a16="http://schemas.microsoft.com/office/drawing/2014/main" id="{F7E1485C-54C1-4D49-B9BC-27E36F1A44A4}"/>
-              </a:ext>
-            </a:extLst>
-          </p:cNvPr>
-          <p:cNvSpPr txBox="1"/>
-          <p:nvPr/>
-        </p:nvSpPr>
-        <p:spPr>
-          <a:xfrm>
-            <a:off x="11634" y="1258824"/>
-            <a:ext cx="5716511" cy="2062103"/>
-          </a:xfrm>
-          <a:prstGeom prst="rect">
-            <a:avLst/>
-          </a:prstGeom>
-          <a:noFill/>
-        </p:spPr>
-        <p:txBody>
-          <a:bodyPr wrap="square">
-            <a:spAutoFit/>
-          </a:bodyPr>
-          <a:lstStyle/>
-          <a:p>
-            <a:pPr marL="285750" indent="-285750">
-              <a:buFontTx/>
-              <a:buChar char="-"/>
-            </a:pPr>
-            <a:r>
-              <a:rPr lang="tr-TR" sz="3200" dirty="0" err="1">
-                <a:solidFill>
-                  <a:schemeClr val="bg1"/>
-                </a:solidFill>
-              </a:rPr>
-              <a:t>Tree</a:t>
-            </a:r>
-            <a:r>
-              <a:rPr lang="tr-TR" sz="3200" dirty="0">
-                <a:solidFill>
-                  <a:schemeClr val="bg1"/>
-                </a:solidFill>
-              </a:rPr>
-              <a:t> </a:t>
-            </a:r>
-            <a:r>
-              <a:rPr lang="tr-TR" sz="3200" dirty="0" err="1">
-                <a:solidFill>
-                  <a:schemeClr val="bg1"/>
-                </a:solidFill>
-              </a:rPr>
-              <a:t>based</a:t>
-            </a:r>
-            <a:endParaRPr lang="tr-TR" sz="3200" dirty="0">
-              <a:solidFill>
-                <a:schemeClr val="bg1"/>
-              </a:solidFill>
-            </a:endParaRPr>
-          </a:p>
-          <a:p>
-            <a:pPr marL="285750" indent="-285750">
-              <a:buFontTx/>
-              <a:buChar char="-"/>
-            </a:pPr>
-            <a:r>
-              <a:rPr lang="tr-TR" sz="3200" dirty="0">
-                <a:solidFill>
-                  <a:schemeClr val="bg1"/>
-                </a:solidFill>
-              </a:rPr>
-              <a:t>GPU</a:t>
-            </a:r>
-          </a:p>
-          <a:p>
-            <a:pPr marL="285750" indent="-285750">
-              <a:buFontTx/>
-              <a:buChar char="-"/>
-            </a:pPr>
-            <a:r>
-              <a:rPr lang="tr-TR" sz="3200" dirty="0">
-                <a:solidFill>
-                  <a:schemeClr val="bg1"/>
-                </a:solidFill>
-              </a:rPr>
-              <a:t>Handling </a:t>
-            </a:r>
-          </a:p>
-          <a:p>
-            <a:r>
-              <a:rPr lang="tr-TR" sz="3200" dirty="0" err="1">
-                <a:solidFill>
-                  <a:schemeClr val="bg1"/>
-                </a:solidFill>
-              </a:rPr>
-              <a:t>Imbalance</a:t>
-            </a:r>
-            <a:r>
-              <a:rPr lang="tr-TR" sz="3200" dirty="0">
-                <a:solidFill>
-                  <a:schemeClr val="bg1"/>
-                </a:solidFill>
-              </a:rPr>
-              <a:t> </a:t>
-            </a:r>
-            <a:r>
-              <a:rPr lang="tr-TR" sz="3200" dirty="0" err="1">
-                <a:solidFill>
-                  <a:schemeClr val="bg1"/>
-                </a:solidFill>
-              </a:rPr>
-              <a:t>dataset</a:t>
-            </a:r>
-            <a:endParaRPr lang="tr-TR" sz="3200" dirty="0">
-              <a:solidFill>
-                <a:schemeClr val="bg1"/>
-              </a:solidFill>
-            </a:endParaRPr>
-          </a:p>
-        </p:txBody>
-      </p:sp>
-      <p:pic>
-        <p:nvPicPr>
-          <p:cNvPr id="4" name="Resim 3" descr="tablo içeren bir resim&#10;&#10;Açıklama otomatik olarak oluşturuldu">
-            <a:extLst>
-              <a:ext uri="{FF2B5EF4-FFF2-40B4-BE49-F238E27FC236}">
-                <a16:creationId xmlns:a16="http://schemas.microsoft.com/office/drawing/2014/main" id="{CD77EABD-505F-46C3-AD4D-7C8B78662B0D}"/>
-              </a:ext>
-            </a:extLst>
-          </p:cNvPr>
-          <p:cNvPicPr>
-            <a:picLocks noChangeAspect="1"/>
-          </p:cNvPicPr>
-          <p:nvPr/>
-        </p:nvPicPr>
-        <p:blipFill>
-          <a:blip r:embed="rId4">
-            <a:extLst>
-              <a:ext uri="{28A0092B-C50C-407E-A947-70E740481C1C}">
-                <a14:useLocalDpi xmlns:a14="http://schemas.microsoft.com/office/drawing/2010/main" val="0"/>
-              </a:ext>
-            </a:extLst>
-          </a:blip>
-          <a:stretch>
-            <a:fillRect/>
-          </a:stretch>
-        </p:blipFill>
-        <p:spPr>
-          <a:xfrm>
-            <a:off x="7616446" y="4372514"/>
-            <a:ext cx="4473953" cy="2364473"/>
-          </a:xfrm>
-          <a:prstGeom prst="rect">
-            <a:avLst/>
-          </a:prstGeom>
-        </p:spPr>
-      </p:pic>
-      <p:sp>
-        <p:nvSpPr>
-          <p:cNvPr id="10" name="Metin kutusu 9">
-            <a:extLst>
-              <a:ext uri="{FF2B5EF4-FFF2-40B4-BE49-F238E27FC236}">
-                <a16:creationId xmlns:a16="http://schemas.microsoft.com/office/drawing/2014/main" id="{5BDE9D91-0F26-4CD0-9F67-7828597F7BAE}"/>
-              </a:ext>
-            </a:extLst>
-          </p:cNvPr>
-          <p:cNvSpPr txBox="1"/>
-          <p:nvPr/>
-        </p:nvSpPr>
-        <p:spPr>
-          <a:xfrm>
-            <a:off x="8324474" y="3696539"/>
-            <a:ext cx="5577119" cy="584775"/>
-          </a:xfrm>
-          <a:prstGeom prst="rect">
-            <a:avLst/>
-          </a:prstGeom>
-          <a:noFill/>
-        </p:spPr>
-        <p:txBody>
-          <a:bodyPr wrap="square">
-            <a:spAutoFit/>
-          </a:bodyPr>
-          <a:lstStyle/>
-          <a:p>
-            <a:r>
-              <a:rPr lang="tr-TR" sz="3200" dirty="0" err="1">
-                <a:solidFill>
-                  <a:schemeClr val="bg1"/>
-                </a:solidFill>
-              </a:rPr>
-              <a:t>Confusion</a:t>
-            </a:r>
-            <a:r>
-              <a:rPr lang="tr-TR" sz="3200" dirty="0">
-                <a:solidFill>
-                  <a:schemeClr val="bg1"/>
-                </a:solidFill>
-              </a:rPr>
-              <a:t> </a:t>
-            </a:r>
-            <a:r>
-              <a:rPr lang="tr-TR" sz="3200" dirty="0" err="1">
-                <a:solidFill>
-                  <a:schemeClr val="bg1"/>
-                </a:solidFill>
-              </a:rPr>
-              <a:t>Matrix</a:t>
-            </a:r>
-            <a:endParaRPr lang="tr-TR" sz="3200" dirty="0">
-              <a:solidFill>
-                <a:schemeClr val="bg1"/>
-              </a:solidFill>
-            </a:endParaRPr>
-          </a:p>
-        </p:txBody>
-      </p:sp>
-      <p:sp>
-        <p:nvSpPr>
-          <p:cNvPr id="12" name="Metin kutusu 11">
-            <a:extLst>
-              <a:ext uri="{FF2B5EF4-FFF2-40B4-BE49-F238E27FC236}">
-                <a16:creationId xmlns:a16="http://schemas.microsoft.com/office/drawing/2014/main" id="{B9EBF3AE-4BCE-4A51-B65A-39E928A5B169}"/>
-              </a:ext>
-            </a:extLst>
-          </p:cNvPr>
-          <p:cNvSpPr txBox="1"/>
-          <p:nvPr/>
-        </p:nvSpPr>
-        <p:spPr>
-          <a:xfrm>
-            <a:off x="9853422" y="343528"/>
-            <a:ext cx="5577119" cy="584775"/>
-          </a:xfrm>
-          <a:prstGeom prst="rect">
-            <a:avLst/>
-          </a:prstGeom>
-          <a:noFill/>
-        </p:spPr>
-        <p:txBody>
-          <a:bodyPr wrap="square">
-            <a:spAutoFit/>
-          </a:bodyPr>
-          <a:lstStyle/>
-          <a:p>
-            <a:r>
-              <a:rPr lang="tr-TR" sz="3200" dirty="0">
-                <a:solidFill>
-                  <a:schemeClr val="bg1"/>
-                </a:solidFill>
-              </a:rPr>
-              <a:t>CV </a:t>
-            </a:r>
-            <a:r>
-              <a:rPr lang="tr-TR" sz="3200" dirty="0" err="1">
-                <a:solidFill>
-                  <a:schemeClr val="bg1"/>
-                </a:solidFill>
-              </a:rPr>
-              <a:t>Scores</a:t>
-            </a:r>
-            <a:endParaRPr lang="tr-TR" sz="3200" dirty="0">
-              <a:solidFill>
-                <a:schemeClr val="bg1"/>
-              </a:solidFill>
-            </a:endParaRPr>
-          </a:p>
-        </p:txBody>
-      </p:sp>
-      <p:pic>
-        <p:nvPicPr>
-          <p:cNvPr id="6" name="Resim 5" descr="metin, cihaz, metre içeren bir resim&#10;&#10;Açıklama otomatik olarak oluşturuldu">
-            <a:extLst>
-              <a:ext uri="{FF2B5EF4-FFF2-40B4-BE49-F238E27FC236}">
-                <a16:creationId xmlns:a16="http://schemas.microsoft.com/office/drawing/2014/main" id="{0A2E3B98-01AE-405C-B1AD-95C4503F7926}"/>
-              </a:ext>
-            </a:extLst>
-          </p:cNvPr>
-          <p:cNvPicPr>
-            <a:picLocks noChangeAspect="1"/>
-          </p:cNvPicPr>
-          <p:nvPr/>
-        </p:nvPicPr>
-        <p:blipFill>
-          <a:blip r:embed="rId5">
-            <a:extLst>
-              <a:ext uri="{28A0092B-C50C-407E-A947-70E740481C1C}">
-                <a14:useLocalDpi xmlns:a14="http://schemas.microsoft.com/office/drawing/2010/main" val="0"/>
-              </a:ext>
-            </a:extLst>
-          </a:blip>
-          <a:stretch>
-            <a:fillRect/>
-          </a:stretch>
-        </p:blipFill>
-        <p:spPr>
-          <a:xfrm>
-            <a:off x="444608" y="4471094"/>
-            <a:ext cx="6220652" cy="2265893"/>
-          </a:xfrm>
-          <a:prstGeom prst="rect">
-            <a:avLst/>
-          </a:prstGeom>
-        </p:spPr>
-      </p:pic>
-      <p:sp>
-        <p:nvSpPr>
-          <p:cNvPr id="14" name="Metin kutusu 13">
-            <a:extLst>
-              <a:ext uri="{FF2B5EF4-FFF2-40B4-BE49-F238E27FC236}">
-                <a16:creationId xmlns:a16="http://schemas.microsoft.com/office/drawing/2014/main" id="{62695675-BAFC-489A-92CA-DEC6644186A4}"/>
-              </a:ext>
-            </a:extLst>
-          </p:cNvPr>
-          <p:cNvSpPr txBox="1"/>
-          <p:nvPr/>
-        </p:nvSpPr>
-        <p:spPr>
-          <a:xfrm>
-            <a:off x="5780320" y="343528"/>
-            <a:ext cx="5577119" cy="584775"/>
-          </a:xfrm>
-          <a:prstGeom prst="rect">
-            <a:avLst/>
-          </a:prstGeom>
-          <a:noFill/>
-        </p:spPr>
-        <p:txBody>
-          <a:bodyPr wrap="square">
-            <a:spAutoFit/>
-          </a:bodyPr>
-          <a:lstStyle/>
-          <a:p>
-            <a:r>
-              <a:rPr lang="tr-TR" sz="3200" dirty="0">
-                <a:solidFill>
-                  <a:schemeClr val="bg1"/>
-                </a:solidFill>
-              </a:rPr>
-              <a:t>Best </a:t>
-            </a:r>
-            <a:r>
-              <a:rPr lang="tr-TR" sz="3200" dirty="0" err="1">
-                <a:solidFill>
-                  <a:schemeClr val="bg1"/>
-                </a:solidFill>
-              </a:rPr>
-              <a:t>Params</a:t>
-            </a:r>
-            <a:endParaRPr lang="tr-TR" sz="3200" dirty="0">
-              <a:solidFill>
-                <a:schemeClr val="bg1"/>
-              </a:solidFill>
-            </a:endParaRPr>
-          </a:p>
-        </p:txBody>
-      </p:sp>
-      <p:sp>
-        <p:nvSpPr>
-          <p:cNvPr id="16" name="Metin kutusu 15">
-            <a:extLst>
-              <a:ext uri="{FF2B5EF4-FFF2-40B4-BE49-F238E27FC236}">
-                <a16:creationId xmlns:a16="http://schemas.microsoft.com/office/drawing/2014/main" id="{5B16C017-E628-4D41-95C1-E1F4E374F03D}"/>
-              </a:ext>
-            </a:extLst>
-          </p:cNvPr>
-          <p:cNvSpPr txBox="1"/>
-          <p:nvPr/>
-        </p:nvSpPr>
-        <p:spPr>
-          <a:xfrm>
-            <a:off x="1684580" y="3787739"/>
-            <a:ext cx="5577119" cy="584775"/>
-          </a:xfrm>
-          <a:prstGeom prst="rect">
-            <a:avLst/>
-          </a:prstGeom>
-          <a:noFill/>
-        </p:spPr>
-        <p:txBody>
-          <a:bodyPr wrap="square">
-            <a:spAutoFit/>
-          </a:bodyPr>
-          <a:lstStyle/>
-          <a:p>
-            <a:r>
-              <a:rPr lang="tr-TR" sz="3200" dirty="0" err="1">
-                <a:solidFill>
-                  <a:schemeClr val="bg1"/>
-                </a:solidFill>
-              </a:rPr>
-              <a:t>Classification</a:t>
-            </a:r>
-            <a:r>
-              <a:rPr lang="tr-TR" sz="3200" dirty="0">
-                <a:solidFill>
-                  <a:schemeClr val="bg1"/>
-                </a:solidFill>
-              </a:rPr>
-              <a:t> Report</a:t>
-            </a:r>
-          </a:p>
-        </p:txBody>
-      </p:sp>
-      <p:pic>
-        <p:nvPicPr>
-          <p:cNvPr id="9" name="Resim 8" descr="tablo içeren bir resim&#10;&#10;Açıklama otomatik olarak oluşturuldu">
-            <a:extLst>
-              <a:ext uri="{FF2B5EF4-FFF2-40B4-BE49-F238E27FC236}">
-                <a16:creationId xmlns:a16="http://schemas.microsoft.com/office/drawing/2014/main" id="{FCA8A2EA-B82F-47A4-AF04-4D39798F0A20}"/>
-              </a:ext>
-            </a:extLst>
-          </p:cNvPr>
-          <p:cNvPicPr>
-            <a:picLocks noChangeAspect="1"/>
-          </p:cNvPicPr>
-          <p:nvPr/>
-        </p:nvPicPr>
-        <p:blipFill>
-          <a:blip r:embed="rId6">
-            <a:extLst>
-              <a:ext uri="{28A0092B-C50C-407E-A947-70E740481C1C}">
-                <a14:useLocalDpi xmlns:a14="http://schemas.microsoft.com/office/drawing/2010/main" val="0"/>
-              </a:ext>
-            </a:extLst>
-          </a:blip>
-          <a:stretch>
-            <a:fillRect/>
-          </a:stretch>
-        </p:blipFill>
-        <p:spPr>
-          <a:xfrm>
-            <a:off x="7050098" y="897323"/>
-            <a:ext cx="2436421" cy="2125653"/>
-          </a:xfrm>
-          <a:prstGeom prst="rect">
-            <a:avLst/>
-          </a:prstGeom>
-        </p:spPr>
-      </p:pic>
-      <p:pic>
-        <p:nvPicPr>
-          <p:cNvPr id="19" name="Resim 18" descr="tablo içeren bir resim&#10;&#10;Açıklama otomatik olarak oluşturuldu">
-            <a:extLst>
-              <a:ext uri="{FF2B5EF4-FFF2-40B4-BE49-F238E27FC236}">
-                <a16:creationId xmlns:a16="http://schemas.microsoft.com/office/drawing/2014/main" id="{D9029BD8-4747-40A6-A541-F4E06971D633}"/>
-              </a:ext>
-            </a:extLst>
-          </p:cNvPr>
-          <p:cNvPicPr>
-            <a:picLocks noChangeAspect="1"/>
-          </p:cNvPicPr>
-          <p:nvPr/>
-        </p:nvPicPr>
-        <p:blipFill>
-          <a:blip r:embed="rId7">
-            <a:extLst>
-              <a:ext uri="{28A0092B-C50C-407E-A947-70E740481C1C}">
-                <a14:useLocalDpi xmlns:a14="http://schemas.microsoft.com/office/drawing/2010/main" val="0"/>
-              </a:ext>
-            </a:extLst>
-          </a:blip>
-          <a:stretch>
-            <a:fillRect/>
-          </a:stretch>
-        </p:blipFill>
-        <p:spPr>
-          <a:xfrm>
-            <a:off x="3558636" y="897323"/>
-            <a:ext cx="3416535" cy="2125652"/>
-          </a:xfrm>
-          <a:prstGeom prst="rect">
-            <a:avLst/>
-          </a:prstGeom>
-        </p:spPr>
-      </p:pic>
-      <p:sp>
-        <p:nvSpPr>
-          <p:cNvPr id="17" name="Başlık 1">
-            <a:extLst>
-              <a:ext uri="{FF2B5EF4-FFF2-40B4-BE49-F238E27FC236}">
-                <a16:creationId xmlns:a16="http://schemas.microsoft.com/office/drawing/2014/main" id="{9550CD77-7567-4DAB-B59F-609091A6652E}"/>
-              </a:ext>
-            </a:extLst>
-          </p:cNvPr>
-          <p:cNvSpPr>
-            <a:spLocks noGrp="1"/>
-          </p:cNvSpPr>
-          <p:nvPr/>
-        </p:nvSpPr>
-        <p:spPr>
-          <a:xfrm>
-            <a:off x="0" y="6161004"/>
-            <a:ext cx="734521" cy="797580"/>
-          </a:xfrm>
-          <a:prstGeom prst="rect">
-            <a:avLst/>
-          </a:prstGeom>
-        </p:spPr>
-        <p:txBody>
-          <a:bodyPr vert="horz" lIns="91440" tIns="45720" rIns="91440" bIns="45720" rtlCol="0" anchor="t">
-            <a:normAutofit/>
-          </a:bodyPr>
-          <a:lstStyle>
-            <a:lvl1pPr algn="l" defTabSz="457200" rtl="0" eaLnBrk="1" latinLnBrk="0" hangingPunct="1">
-              <a:spcBef>
-                <a:spcPct val="0"/>
-              </a:spcBef>
-              <a:buNone/>
-              <a:defRPr sz="3600" kern="1200">
-                <a:solidFill>
-                  <a:schemeClr val="accent1"/>
-                </a:solidFill>
-                <a:latin typeface="+mj-lt"/>
-                <a:ea typeface="+mj-ea"/>
-                <a:cs typeface="+mj-cs"/>
-              </a:defRPr>
-            </a:lvl1pPr>
-            <a:lvl2pPr eaLnBrk="1" hangingPunct="1">
-              <a:defRPr>
-                <a:solidFill>
-                  <a:schemeClr val="tx2"/>
-                </a:solidFill>
-              </a:defRPr>
-            </a:lvl2pPr>
-            <a:lvl3pPr eaLnBrk="1" hangingPunct="1">
-              <a:defRPr>
-                <a:solidFill>
-                  <a:schemeClr val="tx2"/>
-                </a:solidFill>
-              </a:defRPr>
-            </a:lvl3pPr>
-            <a:lvl4pPr eaLnBrk="1" hangingPunct="1">
-              <a:defRPr>
-                <a:solidFill>
-                  <a:schemeClr val="tx2"/>
-                </a:solidFill>
-              </a:defRPr>
-            </a:lvl4pPr>
-            <a:lvl5pPr eaLnBrk="1" hangingPunct="1">
-              <a:defRPr>
-                <a:solidFill>
-                  <a:schemeClr val="tx2"/>
-                </a:solidFill>
-              </a:defRPr>
-            </a:lvl5pPr>
-            <a:lvl6pPr eaLnBrk="1" hangingPunct="1">
-              <a:defRPr>
-                <a:solidFill>
-                  <a:schemeClr val="tx2"/>
-                </a:solidFill>
-              </a:defRPr>
-            </a:lvl6pPr>
-            <a:lvl7pPr eaLnBrk="1" hangingPunct="1">
-              <a:defRPr>
-                <a:solidFill>
-                  <a:schemeClr val="tx2"/>
-                </a:solidFill>
-              </a:defRPr>
-            </a:lvl7pPr>
-            <a:lvl8pPr eaLnBrk="1" hangingPunct="1">
-              <a:defRPr>
-                <a:solidFill>
-                  <a:schemeClr val="tx2"/>
-                </a:solidFill>
-              </a:defRPr>
-            </a:lvl8pPr>
-            <a:lvl9pPr eaLnBrk="1" hangingPunct="1">
-              <a:defRPr>
-                <a:solidFill>
-                  <a:schemeClr val="tx2"/>
-                </a:solidFill>
-              </a:defRPr>
-            </a:lvl9pPr>
-          </a:lstStyle>
-          <a:p>
-            <a:r>
-              <a:rPr lang="tr-TR" dirty="0">
-                <a:solidFill>
-                  <a:schemeClr val="tx1"/>
-                </a:solidFill>
-              </a:rPr>
-              <a:t>9</a:t>
-            </a:r>
-            <a:endParaRPr lang="en-GB" dirty="0">
-              <a:solidFill>
-                <a:schemeClr val="tx1"/>
-              </a:solidFill>
-            </a:endParaRPr>
-          </a:p>
-        </p:txBody>
-      </p:sp>
-    </p:spTree>
-    <p:extLst>
-      <p:ext uri="{BB962C8B-B14F-4D97-AF65-F5344CB8AC3E}">
-        <p14:creationId xmlns:p14="http://schemas.microsoft.com/office/powerpoint/2010/main" val="1639173547"/>
       </p:ext>
     </p:extLst>
   </p:cSld>
